--- a/rich_events/figures/regular_polygon.pptx
+++ b/rich_events/figures/regular_polygon.pptx
@@ -4073,6 +4073,692 @@
           </p:sp>
         </mc:Fallback>
       </mc:AlternateContent>
+      <p:sp>
+        <p:nvSpPr>
+          <p:cNvPr id="20" name="Oval 19">
+            <a:extLst>
+              <a:ext uri="{FF2B5EF4-FFF2-40B4-BE49-F238E27FC236}">
+                <a16:creationId xmlns:a16="http://schemas.microsoft.com/office/drawing/2014/main" id="{9ED7D993-6FA0-5526-22AB-AEA8D48382B1}"/>
+              </a:ext>
+            </a:extLst>
+          </p:cNvPr>
+          <p:cNvSpPr/>
+          <p:nvPr/>
+        </p:nvSpPr>
+        <p:spPr>
+          <a:xfrm>
+            <a:off x="5699828" y="2430559"/>
+            <a:ext cx="82011" cy="82011"/>
+          </a:xfrm>
+          <a:prstGeom prst="ellipse">
+            <a:avLst/>
+          </a:prstGeom>
+          <a:solidFill>
+            <a:srgbClr val="7030A0"/>
+          </a:solidFill>
+        </p:spPr>
+        <p:style>
+          <a:lnRef idx="2">
+            <a:schemeClr val="accent2">
+              <a:shade val="15000"/>
+            </a:schemeClr>
+          </a:lnRef>
+          <a:fillRef idx="1">
+            <a:schemeClr val="accent2"/>
+          </a:fillRef>
+          <a:effectRef idx="0">
+            <a:schemeClr val="accent2"/>
+          </a:effectRef>
+          <a:fontRef idx="minor">
+            <a:schemeClr val="lt1"/>
+          </a:fontRef>
+        </p:style>
+        <p:txBody>
+          <a:bodyPr rtlCol="0" anchor="ctr"/>
+          <a:lstStyle/>
+          <a:p>
+            <a:pPr algn="ctr"/>
+            <a:endParaRPr lang="en-US"/>
+          </a:p>
+        </p:txBody>
+      </p:sp>
+      <p:sp>
+        <p:nvSpPr>
+          <p:cNvPr id="21" name="Oval 20">
+            <a:extLst>
+              <a:ext uri="{FF2B5EF4-FFF2-40B4-BE49-F238E27FC236}">
+                <a16:creationId xmlns:a16="http://schemas.microsoft.com/office/drawing/2014/main" id="{E1E971D3-5D3F-CDD8-9068-790A1D9405C1}"/>
+              </a:ext>
+            </a:extLst>
+          </p:cNvPr>
+          <p:cNvSpPr/>
+          <p:nvPr/>
+        </p:nvSpPr>
+        <p:spPr>
+          <a:xfrm>
+            <a:off x="5852228" y="2582959"/>
+            <a:ext cx="82011" cy="82011"/>
+          </a:xfrm>
+          <a:prstGeom prst="ellipse">
+            <a:avLst/>
+          </a:prstGeom>
+          <a:solidFill>
+            <a:srgbClr val="7030A0"/>
+          </a:solidFill>
+        </p:spPr>
+        <p:style>
+          <a:lnRef idx="2">
+            <a:schemeClr val="accent2">
+              <a:shade val="15000"/>
+            </a:schemeClr>
+          </a:lnRef>
+          <a:fillRef idx="1">
+            <a:schemeClr val="accent2"/>
+          </a:fillRef>
+          <a:effectRef idx="0">
+            <a:schemeClr val="accent2"/>
+          </a:effectRef>
+          <a:fontRef idx="minor">
+            <a:schemeClr val="lt1"/>
+          </a:fontRef>
+        </p:style>
+        <p:txBody>
+          <a:bodyPr rtlCol="0" anchor="ctr"/>
+          <a:lstStyle/>
+          <a:p>
+            <a:pPr algn="ctr"/>
+            <a:endParaRPr lang="en-US"/>
+          </a:p>
+        </p:txBody>
+      </p:sp>
+      <p:sp>
+        <p:nvSpPr>
+          <p:cNvPr id="22" name="Oval 21">
+            <a:extLst>
+              <a:ext uri="{FF2B5EF4-FFF2-40B4-BE49-F238E27FC236}">
+                <a16:creationId xmlns:a16="http://schemas.microsoft.com/office/drawing/2014/main" id="{10900F2D-1461-308B-6605-132F0492A3B5}"/>
+              </a:ext>
+            </a:extLst>
+          </p:cNvPr>
+          <p:cNvSpPr/>
+          <p:nvPr/>
+        </p:nvSpPr>
+        <p:spPr>
+          <a:xfrm>
+            <a:off x="6004628" y="2735359"/>
+            <a:ext cx="82011" cy="82011"/>
+          </a:xfrm>
+          <a:prstGeom prst="ellipse">
+            <a:avLst/>
+          </a:prstGeom>
+          <a:solidFill>
+            <a:srgbClr val="7030A0"/>
+          </a:solidFill>
+        </p:spPr>
+        <p:style>
+          <a:lnRef idx="2">
+            <a:schemeClr val="accent2">
+              <a:shade val="15000"/>
+            </a:schemeClr>
+          </a:lnRef>
+          <a:fillRef idx="1">
+            <a:schemeClr val="accent2"/>
+          </a:fillRef>
+          <a:effectRef idx="0">
+            <a:schemeClr val="accent2"/>
+          </a:effectRef>
+          <a:fontRef idx="minor">
+            <a:schemeClr val="lt1"/>
+          </a:fontRef>
+        </p:style>
+        <p:txBody>
+          <a:bodyPr rtlCol="0" anchor="ctr"/>
+          <a:lstStyle/>
+          <a:p>
+            <a:pPr algn="ctr"/>
+            <a:endParaRPr lang="en-US"/>
+          </a:p>
+        </p:txBody>
+      </p:sp>
+      <p:sp>
+        <p:nvSpPr>
+          <p:cNvPr id="23" name="Oval 22">
+            <a:extLst>
+              <a:ext uri="{FF2B5EF4-FFF2-40B4-BE49-F238E27FC236}">
+                <a16:creationId xmlns:a16="http://schemas.microsoft.com/office/drawing/2014/main" id="{BD7A184B-34B6-8B0D-067C-919ABFF0CABC}"/>
+              </a:ext>
+            </a:extLst>
+          </p:cNvPr>
+          <p:cNvSpPr/>
+          <p:nvPr/>
+        </p:nvSpPr>
+        <p:spPr>
+          <a:xfrm>
+            <a:off x="6157028" y="2887759"/>
+            <a:ext cx="82011" cy="82011"/>
+          </a:xfrm>
+          <a:prstGeom prst="ellipse">
+            <a:avLst/>
+          </a:prstGeom>
+          <a:solidFill>
+            <a:srgbClr val="7030A0"/>
+          </a:solidFill>
+        </p:spPr>
+        <p:style>
+          <a:lnRef idx="2">
+            <a:schemeClr val="accent2">
+              <a:shade val="15000"/>
+            </a:schemeClr>
+          </a:lnRef>
+          <a:fillRef idx="1">
+            <a:schemeClr val="accent2"/>
+          </a:fillRef>
+          <a:effectRef idx="0">
+            <a:schemeClr val="accent2"/>
+          </a:effectRef>
+          <a:fontRef idx="minor">
+            <a:schemeClr val="lt1"/>
+          </a:fontRef>
+        </p:style>
+        <p:txBody>
+          <a:bodyPr rtlCol="0" anchor="ctr"/>
+          <a:lstStyle/>
+          <a:p>
+            <a:pPr algn="ctr"/>
+            <a:endParaRPr lang="en-US"/>
+          </a:p>
+        </p:txBody>
+      </p:sp>
+      <p:sp>
+        <p:nvSpPr>
+          <p:cNvPr id="24" name="Oval 23">
+            <a:extLst>
+              <a:ext uri="{FF2B5EF4-FFF2-40B4-BE49-F238E27FC236}">
+                <a16:creationId xmlns:a16="http://schemas.microsoft.com/office/drawing/2014/main" id="{14A1DE30-DCF0-4AE6-ED22-F60E8D65458E}"/>
+              </a:ext>
+            </a:extLst>
+          </p:cNvPr>
+          <p:cNvSpPr/>
+          <p:nvPr/>
+        </p:nvSpPr>
+        <p:spPr>
+          <a:xfrm>
+            <a:off x="6309428" y="3040159"/>
+            <a:ext cx="82011" cy="82011"/>
+          </a:xfrm>
+          <a:prstGeom prst="ellipse">
+            <a:avLst/>
+          </a:prstGeom>
+          <a:solidFill>
+            <a:srgbClr val="7030A0"/>
+          </a:solidFill>
+        </p:spPr>
+        <p:style>
+          <a:lnRef idx="2">
+            <a:schemeClr val="accent2">
+              <a:shade val="15000"/>
+            </a:schemeClr>
+          </a:lnRef>
+          <a:fillRef idx="1">
+            <a:schemeClr val="accent2"/>
+          </a:fillRef>
+          <a:effectRef idx="0">
+            <a:schemeClr val="accent2"/>
+          </a:effectRef>
+          <a:fontRef idx="minor">
+            <a:schemeClr val="lt1"/>
+          </a:fontRef>
+        </p:style>
+        <p:txBody>
+          <a:bodyPr rtlCol="0" anchor="ctr"/>
+          <a:lstStyle/>
+          <a:p>
+            <a:pPr algn="ctr"/>
+            <a:endParaRPr lang="en-US"/>
+          </a:p>
+        </p:txBody>
+      </p:sp>
+      <p:sp>
+        <p:nvSpPr>
+          <p:cNvPr id="25" name="Oval 24">
+            <a:extLst>
+              <a:ext uri="{FF2B5EF4-FFF2-40B4-BE49-F238E27FC236}">
+                <a16:creationId xmlns:a16="http://schemas.microsoft.com/office/drawing/2014/main" id="{4B4D8A86-5C9D-8A9E-BEB8-1991630E6097}"/>
+              </a:ext>
+            </a:extLst>
+          </p:cNvPr>
+          <p:cNvSpPr/>
+          <p:nvPr/>
+        </p:nvSpPr>
+        <p:spPr>
+          <a:xfrm>
+            <a:off x="6461828" y="3192559"/>
+            <a:ext cx="82011" cy="82011"/>
+          </a:xfrm>
+          <a:prstGeom prst="ellipse">
+            <a:avLst/>
+          </a:prstGeom>
+          <a:solidFill>
+            <a:srgbClr val="7030A0"/>
+          </a:solidFill>
+        </p:spPr>
+        <p:style>
+          <a:lnRef idx="2">
+            <a:schemeClr val="accent2">
+              <a:shade val="15000"/>
+            </a:schemeClr>
+          </a:lnRef>
+          <a:fillRef idx="1">
+            <a:schemeClr val="accent2"/>
+          </a:fillRef>
+          <a:effectRef idx="0">
+            <a:schemeClr val="accent2"/>
+          </a:effectRef>
+          <a:fontRef idx="minor">
+            <a:schemeClr val="lt1"/>
+          </a:fontRef>
+        </p:style>
+        <p:txBody>
+          <a:bodyPr rtlCol="0" anchor="ctr"/>
+          <a:lstStyle/>
+          <a:p>
+            <a:pPr algn="ctr"/>
+            <a:endParaRPr lang="en-US"/>
+          </a:p>
+        </p:txBody>
+      </p:sp>
+      <p:sp>
+        <p:nvSpPr>
+          <p:cNvPr id="26" name="Oval 25">
+            <a:extLst>
+              <a:ext uri="{FF2B5EF4-FFF2-40B4-BE49-F238E27FC236}">
+                <a16:creationId xmlns:a16="http://schemas.microsoft.com/office/drawing/2014/main" id="{0F6C721D-ECD5-F53A-6E74-69511DB65D3E}"/>
+              </a:ext>
+            </a:extLst>
+          </p:cNvPr>
+          <p:cNvSpPr/>
+          <p:nvPr/>
+        </p:nvSpPr>
+        <p:spPr>
+          <a:xfrm>
+            <a:off x="6614228" y="3344959"/>
+            <a:ext cx="82011" cy="82011"/>
+          </a:xfrm>
+          <a:prstGeom prst="ellipse">
+            <a:avLst/>
+          </a:prstGeom>
+          <a:solidFill>
+            <a:srgbClr val="7030A0"/>
+          </a:solidFill>
+        </p:spPr>
+        <p:style>
+          <a:lnRef idx="2">
+            <a:schemeClr val="accent2">
+              <a:shade val="15000"/>
+            </a:schemeClr>
+          </a:lnRef>
+          <a:fillRef idx="1">
+            <a:schemeClr val="accent2"/>
+          </a:fillRef>
+          <a:effectRef idx="0">
+            <a:schemeClr val="accent2"/>
+          </a:effectRef>
+          <a:fontRef idx="minor">
+            <a:schemeClr val="lt1"/>
+          </a:fontRef>
+        </p:style>
+        <p:txBody>
+          <a:bodyPr rtlCol="0" anchor="ctr"/>
+          <a:lstStyle/>
+          <a:p>
+            <a:pPr algn="ctr"/>
+            <a:endParaRPr lang="en-US"/>
+          </a:p>
+        </p:txBody>
+      </p:sp>
+      <p:sp>
+        <p:nvSpPr>
+          <p:cNvPr id="27" name="Oval 26">
+            <a:extLst>
+              <a:ext uri="{FF2B5EF4-FFF2-40B4-BE49-F238E27FC236}">
+                <a16:creationId xmlns:a16="http://schemas.microsoft.com/office/drawing/2014/main" id="{04CA00F5-E33A-5956-8862-9A0C0F18389C}"/>
+              </a:ext>
+            </a:extLst>
+          </p:cNvPr>
+          <p:cNvSpPr/>
+          <p:nvPr/>
+        </p:nvSpPr>
+        <p:spPr>
+          <a:xfrm>
+            <a:off x="6766628" y="3497359"/>
+            <a:ext cx="82011" cy="82011"/>
+          </a:xfrm>
+          <a:prstGeom prst="ellipse">
+            <a:avLst/>
+          </a:prstGeom>
+          <a:solidFill>
+            <a:srgbClr val="7030A0"/>
+          </a:solidFill>
+        </p:spPr>
+        <p:style>
+          <a:lnRef idx="2">
+            <a:schemeClr val="accent2">
+              <a:shade val="15000"/>
+            </a:schemeClr>
+          </a:lnRef>
+          <a:fillRef idx="1">
+            <a:schemeClr val="accent2"/>
+          </a:fillRef>
+          <a:effectRef idx="0">
+            <a:schemeClr val="accent2"/>
+          </a:effectRef>
+          <a:fontRef idx="minor">
+            <a:schemeClr val="lt1"/>
+          </a:fontRef>
+        </p:style>
+        <p:txBody>
+          <a:bodyPr rtlCol="0" anchor="ctr"/>
+          <a:lstStyle/>
+          <a:p>
+            <a:pPr algn="ctr"/>
+            <a:endParaRPr lang="en-US"/>
+          </a:p>
+        </p:txBody>
+      </p:sp>
+      <p:sp>
+        <p:nvSpPr>
+          <p:cNvPr id="28" name="Oval 27">
+            <a:extLst>
+              <a:ext uri="{FF2B5EF4-FFF2-40B4-BE49-F238E27FC236}">
+                <a16:creationId xmlns:a16="http://schemas.microsoft.com/office/drawing/2014/main" id="{B7E0D864-EA70-C3DE-DF13-E49DACF570B4}"/>
+              </a:ext>
+            </a:extLst>
+          </p:cNvPr>
+          <p:cNvSpPr/>
+          <p:nvPr/>
+        </p:nvSpPr>
+        <p:spPr>
+          <a:xfrm>
+            <a:off x="6919028" y="3649759"/>
+            <a:ext cx="82011" cy="82011"/>
+          </a:xfrm>
+          <a:prstGeom prst="ellipse">
+            <a:avLst/>
+          </a:prstGeom>
+          <a:solidFill>
+            <a:srgbClr val="7030A0"/>
+          </a:solidFill>
+        </p:spPr>
+        <p:style>
+          <a:lnRef idx="2">
+            <a:schemeClr val="accent2">
+              <a:shade val="15000"/>
+            </a:schemeClr>
+          </a:lnRef>
+          <a:fillRef idx="1">
+            <a:schemeClr val="accent2"/>
+          </a:fillRef>
+          <a:effectRef idx="0">
+            <a:schemeClr val="accent2"/>
+          </a:effectRef>
+          <a:fontRef idx="minor">
+            <a:schemeClr val="lt1"/>
+          </a:fontRef>
+        </p:style>
+        <p:txBody>
+          <a:bodyPr rtlCol="0" anchor="ctr"/>
+          <a:lstStyle/>
+          <a:p>
+            <a:pPr algn="ctr"/>
+            <a:endParaRPr lang="en-US"/>
+          </a:p>
+        </p:txBody>
+      </p:sp>
+      <p:sp>
+        <p:nvSpPr>
+          <p:cNvPr id="29" name="Oval 28">
+            <a:extLst>
+              <a:ext uri="{FF2B5EF4-FFF2-40B4-BE49-F238E27FC236}">
+                <a16:creationId xmlns:a16="http://schemas.microsoft.com/office/drawing/2014/main" id="{107D533E-0779-C9AD-57E6-A78B90AB8C8B}"/>
+              </a:ext>
+            </a:extLst>
+          </p:cNvPr>
+          <p:cNvSpPr/>
+          <p:nvPr/>
+        </p:nvSpPr>
+        <p:spPr>
+          <a:xfrm>
+            <a:off x="6033203" y="2563909"/>
+            <a:ext cx="82011" cy="82011"/>
+          </a:xfrm>
+          <a:prstGeom prst="ellipse">
+            <a:avLst/>
+          </a:prstGeom>
+          <a:solidFill>
+            <a:srgbClr val="7030A0"/>
+          </a:solidFill>
+        </p:spPr>
+        <p:style>
+          <a:lnRef idx="2">
+            <a:schemeClr val="accent2">
+              <a:shade val="15000"/>
+            </a:schemeClr>
+          </a:lnRef>
+          <a:fillRef idx="1">
+            <a:schemeClr val="accent2"/>
+          </a:fillRef>
+          <a:effectRef idx="0">
+            <a:schemeClr val="accent2"/>
+          </a:effectRef>
+          <a:fontRef idx="minor">
+            <a:schemeClr val="lt1"/>
+          </a:fontRef>
+        </p:style>
+        <p:txBody>
+          <a:bodyPr rtlCol="0" anchor="ctr"/>
+          <a:lstStyle/>
+          <a:p>
+            <a:pPr algn="ctr"/>
+            <a:endParaRPr lang="en-US"/>
+          </a:p>
+        </p:txBody>
+      </p:sp>
+      <p:sp>
+        <p:nvSpPr>
+          <p:cNvPr id="30" name="Oval 29">
+            <a:extLst>
+              <a:ext uri="{FF2B5EF4-FFF2-40B4-BE49-F238E27FC236}">
+                <a16:creationId xmlns:a16="http://schemas.microsoft.com/office/drawing/2014/main" id="{07E871DA-C09C-6D4A-362D-EB5BE7BB1AE2}"/>
+              </a:ext>
+            </a:extLst>
+          </p:cNvPr>
+          <p:cNvSpPr/>
+          <p:nvPr/>
+        </p:nvSpPr>
+        <p:spPr>
+          <a:xfrm>
+            <a:off x="6233228" y="2697259"/>
+            <a:ext cx="82011" cy="82011"/>
+          </a:xfrm>
+          <a:prstGeom prst="ellipse">
+            <a:avLst/>
+          </a:prstGeom>
+          <a:solidFill>
+            <a:srgbClr val="7030A0"/>
+          </a:solidFill>
+        </p:spPr>
+        <p:style>
+          <a:lnRef idx="2">
+            <a:schemeClr val="accent2">
+              <a:shade val="15000"/>
+            </a:schemeClr>
+          </a:lnRef>
+          <a:fillRef idx="1">
+            <a:schemeClr val="accent2"/>
+          </a:fillRef>
+          <a:effectRef idx="0">
+            <a:schemeClr val="accent2"/>
+          </a:effectRef>
+          <a:fontRef idx="minor">
+            <a:schemeClr val="lt1"/>
+          </a:fontRef>
+        </p:style>
+        <p:txBody>
+          <a:bodyPr rtlCol="0" anchor="ctr"/>
+          <a:lstStyle/>
+          <a:p>
+            <a:pPr algn="ctr"/>
+            <a:endParaRPr lang="en-US"/>
+          </a:p>
+        </p:txBody>
+      </p:sp>
+      <p:sp>
+        <p:nvSpPr>
+          <p:cNvPr id="31" name="Oval 30">
+            <a:extLst>
+              <a:ext uri="{FF2B5EF4-FFF2-40B4-BE49-F238E27FC236}">
+                <a16:creationId xmlns:a16="http://schemas.microsoft.com/office/drawing/2014/main" id="{434EEDEE-9FC2-7EAE-EA9A-BC83CFDDF5EB}"/>
+              </a:ext>
+            </a:extLst>
+          </p:cNvPr>
+          <p:cNvSpPr/>
+          <p:nvPr/>
+        </p:nvSpPr>
+        <p:spPr>
+          <a:xfrm>
+            <a:off x="6395153" y="2878234"/>
+            <a:ext cx="82011" cy="82011"/>
+          </a:xfrm>
+          <a:prstGeom prst="ellipse">
+            <a:avLst/>
+          </a:prstGeom>
+          <a:solidFill>
+            <a:srgbClr val="7030A0"/>
+          </a:solidFill>
+        </p:spPr>
+        <p:style>
+          <a:lnRef idx="2">
+            <a:schemeClr val="accent2">
+              <a:shade val="15000"/>
+            </a:schemeClr>
+          </a:lnRef>
+          <a:fillRef idx="1">
+            <a:schemeClr val="accent2"/>
+          </a:fillRef>
+          <a:effectRef idx="0">
+            <a:schemeClr val="accent2"/>
+          </a:effectRef>
+          <a:fontRef idx="minor">
+            <a:schemeClr val="lt1"/>
+          </a:fontRef>
+        </p:style>
+        <p:txBody>
+          <a:bodyPr rtlCol="0" anchor="ctr"/>
+          <a:lstStyle/>
+          <a:p>
+            <a:pPr algn="ctr"/>
+            <a:endParaRPr lang="en-US"/>
+          </a:p>
+        </p:txBody>
+      </p:sp>
+      <p:sp>
+        <p:nvSpPr>
+          <p:cNvPr id="32" name="Oval 31">
+            <a:extLst>
+              <a:ext uri="{FF2B5EF4-FFF2-40B4-BE49-F238E27FC236}">
+                <a16:creationId xmlns:a16="http://schemas.microsoft.com/office/drawing/2014/main" id="{6AE6517C-FDB2-4224-0A70-8D83B0CD9D4C}"/>
+              </a:ext>
+            </a:extLst>
+          </p:cNvPr>
+          <p:cNvSpPr/>
+          <p:nvPr/>
+        </p:nvSpPr>
+        <p:spPr>
+          <a:xfrm>
+            <a:off x="6576128" y="3068734"/>
+            <a:ext cx="82011" cy="82011"/>
+          </a:xfrm>
+          <a:prstGeom prst="ellipse">
+            <a:avLst/>
+          </a:prstGeom>
+          <a:solidFill>
+            <a:srgbClr val="7030A0"/>
+          </a:solidFill>
+        </p:spPr>
+        <p:style>
+          <a:lnRef idx="2">
+            <a:schemeClr val="accent2">
+              <a:shade val="15000"/>
+            </a:schemeClr>
+          </a:lnRef>
+          <a:fillRef idx="1">
+            <a:schemeClr val="accent2"/>
+          </a:fillRef>
+          <a:effectRef idx="0">
+            <a:schemeClr val="accent2"/>
+          </a:effectRef>
+          <a:fontRef idx="minor">
+            <a:schemeClr val="lt1"/>
+          </a:fontRef>
+        </p:style>
+        <p:txBody>
+          <a:bodyPr rtlCol="0" anchor="ctr"/>
+          <a:lstStyle/>
+          <a:p>
+            <a:pPr algn="ctr"/>
+            <a:endParaRPr lang="en-US"/>
+          </a:p>
+        </p:txBody>
+      </p:sp>
+      <p:sp>
+        <p:nvSpPr>
+          <p:cNvPr id="33" name="Oval 32">
+            <a:extLst>
+              <a:ext uri="{FF2B5EF4-FFF2-40B4-BE49-F238E27FC236}">
+                <a16:creationId xmlns:a16="http://schemas.microsoft.com/office/drawing/2014/main" id="{F924CE46-DA71-B2B2-5406-415A864D8F5E}"/>
+              </a:ext>
+            </a:extLst>
+          </p:cNvPr>
+          <p:cNvSpPr/>
+          <p:nvPr/>
+        </p:nvSpPr>
+        <p:spPr>
+          <a:xfrm>
+            <a:off x="6747578" y="3240184"/>
+            <a:ext cx="82011" cy="82011"/>
+          </a:xfrm>
+          <a:prstGeom prst="ellipse">
+            <a:avLst/>
+          </a:prstGeom>
+          <a:solidFill>
+            <a:srgbClr val="7030A0"/>
+          </a:solidFill>
+        </p:spPr>
+        <p:style>
+          <a:lnRef idx="2">
+            <a:schemeClr val="accent2">
+              <a:shade val="15000"/>
+            </a:schemeClr>
+          </a:lnRef>
+          <a:fillRef idx="1">
+            <a:schemeClr val="accent2"/>
+          </a:fillRef>
+          <a:effectRef idx="0">
+            <a:schemeClr val="accent2"/>
+          </a:effectRef>
+          <a:fontRef idx="minor">
+            <a:schemeClr val="lt1"/>
+          </a:fontRef>
+        </p:style>
+        <p:txBody>
+          <a:bodyPr rtlCol="0" anchor="ctr"/>
+          <a:lstStyle/>
+          <a:p>
+            <a:pPr algn="ctr"/>
+            <a:endParaRPr lang="en-US"/>
+          </a:p>
+        </p:txBody>
+      </p:sp>
     </p:spTree>
     <p:extLst>
       <p:ext uri="{BB962C8B-B14F-4D97-AF65-F5344CB8AC3E}">

--- a/rich_events/figures/regular_polygon.pptx
+++ b/rich_events/figures/regular_polygon.pptx
@@ -6,7 +6,9 @@
   </p:sldMasterIdLst>
   <p:sldIdLst>
     <p:sldId id="256" r:id="rId2"/>
-    <p:sldId id="258" r:id="rId3"/>
+    <p:sldId id="259" r:id="rId3"/>
+    <p:sldId id="261" r:id="rId4"/>
+    <p:sldId id="262" r:id="rId5"/>
   </p:sldIdLst>
   <p:sldSz cx="12192000" cy="6858000"/>
   <p:notesSz cx="6858000" cy="9144000"/>
@@ -105,6 +107,11 @@
       </a:defRPr>
     </a:lvl9pPr>
   </p:defaultTextStyle>
+  <p:extLst>
+    <p:ext uri="{EFAFB233-063F-42B5-8137-9DF3F51BA10A}">
+      <p15:sldGuideLst xmlns:p15="http://schemas.microsoft.com/office/powerpoint/2012/main"/>
+    </p:ext>
+  </p:extLst>
 </p:presentation>
 </file>
 
@@ -255,7 +262,7 @@
           <a:p>
             <a:fld id="{21FF6F29-57B6-425B-8613-43EC819C1759}" type="datetimeFigureOut">
               <a:rPr lang="en-US" smtClean="0"/>
-              <a:t>11/16/2023</a:t>
+              <a:t>11/28/2023</a:t>
             </a:fld>
             <a:endParaRPr lang="en-US"/>
           </a:p>
@@ -453,7 +460,7 @@
           <a:p>
             <a:fld id="{21FF6F29-57B6-425B-8613-43EC819C1759}" type="datetimeFigureOut">
               <a:rPr lang="en-US" smtClean="0"/>
-              <a:t>11/16/2023</a:t>
+              <a:t>11/28/2023</a:t>
             </a:fld>
             <a:endParaRPr lang="en-US"/>
           </a:p>
@@ -661,7 +668,7 @@
           <a:p>
             <a:fld id="{21FF6F29-57B6-425B-8613-43EC819C1759}" type="datetimeFigureOut">
               <a:rPr lang="en-US" smtClean="0"/>
-              <a:t>11/16/2023</a:t>
+              <a:t>11/28/2023</a:t>
             </a:fld>
             <a:endParaRPr lang="en-US"/>
           </a:p>
@@ -859,7 +866,7 @@
           <a:p>
             <a:fld id="{21FF6F29-57B6-425B-8613-43EC819C1759}" type="datetimeFigureOut">
               <a:rPr lang="en-US" smtClean="0"/>
-              <a:t>11/16/2023</a:t>
+              <a:t>11/28/2023</a:t>
             </a:fld>
             <a:endParaRPr lang="en-US"/>
           </a:p>
@@ -1134,7 +1141,7 @@
           <a:p>
             <a:fld id="{21FF6F29-57B6-425B-8613-43EC819C1759}" type="datetimeFigureOut">
               <a:rPr lang="en-US" smtClean="0"/>
-              <a:t>11/16/2023</a:t>
+              <a:t>11/28/2023</a:t>
             </a:fld>
             <a:endParaRPr lang="en-US"/>
           </a:p>
@@ -1399,7 +1406,7 @@
           <a:p>
             <a:fld id="{21FF6F29-57B6-425B-8613-43EC819C1759}" type="datetimeFigureOut">
               <a:rPr lang="en-US" smtClean="0"/>
-              <a:t>11/16/2023</a:t>
+              <a:t>11/28/2023</a:t>
             </a:fld>
             <a:endParaRPr lang="en-US"/>
           </a:p>
@@ -1811,7 +1818,7 @@
           <a:p>
             <a:fld id="{21FF6F29-57B6-425B-8613-43EC819C1759}" type="datetimeFigureOut">
               <a:rPr lang="en-US" smtClean="0"/>
-              <a:t>11/16/2023</a:t>
+              <a:t>11/28/2023</a:t>
             </a:fld>
             <a:endParaRPr lang="en-US"/>
           </a:p>
@@ -1952,7 +1959,7 @@
           <a:p>
             <a:fld id="{21FF6F29-57B6-425B-8613-43EC819C1759}" type="datetimeFigureOut">
               <a:rPr lang="en-US" smtClean="0"/>
-              <a:t>11/16/2023</a:t>
+              <a:t>11/28/2023</a:t>
             </a:fld>
             <a:endParaRPr lang="en-US"/>
           </a:p>
@@ -2065,7 +2072,7 @@
           <a:p>
             <a:fld id="{21FF6F29-57B6-425B-8613-43EC819C1759}" type="datetimeFigureOut">
               <a:rPr lang="en-US" smtClean="0"/>
-              <a:t>11/16/2023</a:t>
+              <a:t>11/28/2023</a:t>
             </a:fld>
             <a:endParaRPr lang="en-US"/>
           </a:p>
@@ -2376,7 +2383,7 @@
           <a:p>
             <a:fld id="{21FF6F29-57B6-425B-8613-43EC819C1759}" type="datetimeFigureOut">
               <a:rPr lang="en-US" smtClean="0"/>
-              <a:t>11/16/2023</a:t>
+              <a:t>11/28/2023</a:t>
             </a:fld>
             <a:endParaRPr lang="en-US"/>
           </a:p>
@@ -2664,7 +2671,7 @@
           <a:p>
             <a:fld id="{21FF6F29-57B6-425B-8613-43EC819C1759}" type="datetimeFigureOut">
               <a:rPr lang="en-US" smtClean="0"/>
-              <a:t>11/16/2023</a:t>
+              <a:t>11/28/2023</a:t>
             </a:fld>
             <a:endParaRPr lang="en-US"/>
           </a:p>
@@ -2905,7 +2912,7 @@
           <a:p>
             <a:fld id="{21FF6F29-57B6-425B-8613-43EC819C1759}" type="datetimeFigureOut">
               <a:rPr lang="en-US" smtClean="0"/>
-              <a:t>11/16/2023</a:t>
+              <a:t>11/28/2023</a:t>
             </a:fld>
             <a:endParaRPr lang="en-US"/>
           </a:p>
@@ -3816,8 +3823,8 @@
           </a:p>
         </p:txBody>
       </p:sp>
-      <mc:AlternateContent xmlns:mc="http://schemas.openxmlformats.org/markup-compatibility/2006">
-        <mc:Choice xmlns:a14="http://schemas.microsoft.com/office/drawing/2010/main" Requires="a14">
+      <mc:AlternateContent xmlns:mc="http://schemas.openxmlformats.org/markup-compatibility/2006" xmlns:a14="http://schemas.microsoft.com/office/drawing/2010/main">
+        <mc:Choice Requires="a14">
           <p:sp>
             <p:nvSpPr>
               <p:cNvPr id="16" name="TextBox 15">
@@ -3846,6 +3853,7 @@
               </a:bodyPr>
               <a:lstStyle/>
               <a:p>
+                <a:pPr/>
                 <a14:m>
                   <m:oMathPara xmlns:m="http://schemas.openxmlformats.org/officeDocument/2006/math">
                     <m:oMathParaPr>
@@ -3873,7 +3881,7 @@
             </p:txBody>
           </p:sp>
         </mc:Choice>
-        <mc:Fallback>
+        <mc:Fallback xmlns="">
           <p:sp>
             <p:nvSpPr>
               <p:cNvPr id="16" name="TextBox 15">
@@ -3971,8 +3979,8 @@
           </a:p>
         </p:txBody>
       </p:sp>
-      <mc:AlternateContent xmlns:mc="http://schemas.openxmlformats.org/markup-compatibility/2006">
-        <mc:Choice xmlns:a14="http://schemas.microsoft.com/office/drawing/2010/main" Requires="a14">
+      <mc:AlternateContent xmlns:mc="http://schemas.openxmlformats.org/markup-compatibility/2006" xmlns:a14="http://schemas.microsoft.com/office/drawing/2010/main">
+        <mc:Choice Requires="a14">
           <p:sp>
             <p:nvSpPr>
               <p:cNvPr id="18" name="TextBox 17">
@@ -4001,6 +4009,7 @@
               </a:bodyPr>
               <a:lstStyle/>
               <a:p>
+                <a:pPr/>
                 <a14:m>
                   <m:oMathPara xmlns:m="http://schemas.openxmlformats.org/officeDocument/2006/math">
                     <m:oMathParaPr>
@@ -4028,7 +4037,7 @@
             </p:txBody>
           </p:sp>
         </mc:Choice>
-        <mc:Fallback>
+        <mc:Fallback xmlns="">
           <p:sp>
             <p:nvSpPr>
               <p:cNvPr id="18" name="TextBox 17">
@@ -4762,7 +4771,6760 @@
     </p:spTree>
     <p:extLst>
       <p:ext uri="{BB962C8B-B14F-4D97-AF65-F5344CB8AC3E}">
-        <p14:creationId xmlns:p14="http://schemas.microsoft.com/office/powerpoint/2010/main" val="3838464434"/>
+        <p14:creationId xmlns:p14="http://schemas.microsoft.com/office/powerpoint/2010/main" val="3953032384"/>
+      </p:ext>
+    </p:extLst>
+  </p:cSld>
+  <p:clrMapOvr>
+    <a:masterClrMapping/>
+  </p:clrMapOvr>
+</p:sld>
+</file>
+
+<file path=ppt/slides/slide3.xml><?xml version="1.0" encoding="utf-8"?>
+<p:sld xmlns:a="http://schemas.openxmlformats.org/drawingml/2006/main" xmlns:r="http://schemas.openxmlformats.org/officeDocument/2006/relationships" xmlns:p="http://schemas.openxmlformats.org/presentationml/2006/main">
+  <p:cSld>
+    <p:spTree>
+      <p:nvGrpSpPr>
+        <p:cNvPr id="1" name=""/>
+        <p:cNvGrpSpPr/>
+        <p:nvPr/>
+      </p:nvGrpSpPr>
+      <p:grpSpPr>
+        <a:xfrm>
+          <a:off x="0" y="0"/>
+          <a:ext cx="0" cy="0"/>
+          <a:chOff x="0" y="0"/>
+          <a:chExt cx="0" cy="0"/>
+        </a:xfrm>
+      </p:grpSpPr>
+      <p:sp>
+        <p:nvSpPr>
+          <p:cNvPr id="4" name="Oval 3">
+            <a:extLst>
+              <a:ext uri="{FF2B5EF4-FFF2-40B4-BE49-F238E27FC236}">
+                <a16:creationId xmlns:a16="http://schemas.microsoft.com/office/drawing/2014/main" id="{3DA227D7-C60A-26DD-279C-B1E7D68ACBBA}"/>
+              </a:ext>
+            </a:extLst>
+          </p:cNvPr>
+          <p:cNvSpPr/>
+          <p:nvPr/>
+        </p:nvSpPr>
+        <p:spPr>
+          <a:xfrm>
+            <a:off x="3660375" y="2297745"/>
+            <a:ext cx="3419475" cy="3419475"/>
+          </a:xfrm>
+          <a:prstGeom prst="ellipse">
+            <a:avLst/>
+          </a:prstGeom>
+          <a:noFill/>
+          <a:ln w="19050">
+            <a:solidFill>
+              <a:schemeClr val="accent1"/>
+            </a:solidFill>
+          </a:ln>
+        </p:spPr>
+        <p:style>
+          <a:lnRef idx="2">
+            <a:schemeClr val="accent1">
+              <a:shade val="15000"/>
+            </a:schemeClr>
+          </a:lnRef>
+          <a:fillRef idx="1">
+            <a:schemeClr val="accent1"/>
+          </a:fillRef>
+          <a:effectRef idx="0">
+            <a:schemeClr val="accent1"/>
+          </a:effectRef>
+          <a:fontRef idx="minor">
+            <a:schemeClr val="lt1"/>
+          </a:fontRef>
+        </p:style>
+        <p:txBody>
+          <a:bodyPr rtlCol="0" anchor="ctr"/>
+          <a:lstStyle/>
+          <a:p>
+            <a:pPr algn="ctr"/>
+            <a:endParaRPr lang="en-US"/>
+          </a:p>
+        </p:txBody>
+      </p:sp>
+      <p:sp>
+        <p:nvSpPr>
+          <p:cNvPr id="5" name="Rectangle 4">
+            <a:extLst>
+              <a:ext uri="{FF2B5EF4-FFF2-40B4-BE49-F238E27FC236}">
+                <a16:creationId xmlns:a16="http://schemas.microsoft.com/office/drawing/2014/main" id="{54E146A4-7FAB-C7DC-E32D-4C2C8340D483}"/>
+              </a:ext>
+            </a:extLst>
+          </p:cNvPr>
+          <p:cNvSpPr/>
+          <p:nvPr/>
+        </p:nvSpPr>
+        <p:spPr>
+          <a:xfrm rot="2700000">
+            <a:off x="4165019" y="2796911"/>
+            <a:ext cx="2410185" cy="2410185"/>
+          </a:xfrm>
+          <a:prstGeom prst="rect">
+            <a:avLst/>
+          </a:prstGeom>
+          <a:noFill/>
+          <a:ln w="19050">
+            <a:solidFill>
+              <a:schemeClr val="tx1"/>
+            </a:solidFill>
+          </a:ln>
+        </p:spPr>
+        <p:style>
+          <a:lnRef idx="2">
+            <a:schemeClr val="accent1">
+              <a:shade val="15000"/>
+            </a:schemeClr>
+          </a:lnRef>
+          <a:fillRef idx="1">
+            <a:schemeClr val="accent1"/>
+          </a:fillRef>
+          <a:effectRef idx="0">
+            <a:schemeClr val="accent1"/>
+          </a:effectRef>
+          <a:fontRef idx="minor">
+            <a:schemeClr val="lt1"/>
+          </a:fontRef>
+        </p:style>
+        <p:txBody>
+          <a:bodyPr rtlCol="0" anchor="ctr"/>
+          <a:lstStyle/>
+          <a:p>
+            <a:pPr algn="ctr"/>
+            <a:endParaRPr lang="en-US"/>
+          </a:p>
+        </p:txBody>
+      </p:sp>
+      <p:cxnSp>
+        <p:nvCxnSpPr>
+          <p:cNvPr id="7" name="Straight Arrow Connector 6">
+            <a:extLst>
+              <a:ext uri="{FF2B5EF4-FFF2-40B4-BE49-F238E27FC236}">
+                <a16:creationId xmlns:a16="http://schemas.microsoft.com/office/drawing/2014/main" id="{6D4112FC-F0FA-5B4D-CBE3-91528C08F713}"/>
+              </a:ext>
+            </a:extLst>
+          </p:cNvPr>
+          <p:cNvCxnSpPr>
+            <a:cxnSpLocks/>
+          </p:cNvCxnSpPr>
+          <p:nvPr/>
+        </p:nvCxnSpPr>
+        <p:spPr>
+          <a:xfrm>
+            <a:off x="2995572" y="4000500"/>
+            <a:ext cx="4668358" cy="0"/>
+          </a:xfrm>
+          <a:prstGeom prst="straightConnector1">
+            <a:avLst/>
+          </a:prstGeom>
+          <a:ln w="12700">
+            <a:solidFill>
+              <a:schemeClr val="tx1"/>
+            </a:solidFill>
+            <a:tailEnd type="triangle"/>
+          </a:ln>
+        </p:spPr>
+        <p:style>
+          <a:lnRef idx="1">
+            <a:schemeClr val="accent1"/>
+          </a:lnRef>
+          <a:fillRef idx="0">
+            <a:schemeClr val="accent1"/>
+          </a:fillRef>
+          <a:effectRef idx="0">
+            <a:schemeClr val="accent1"/>
+          </a:effectRef>
+          <a:fontRef idx="minor">
+            <a:schemeClr val="tx1"/>
+          </a:fontRef>
+        </p:style>
+      </p:cxnSp>
+      <p:cxnSp>
+        <p:nvCxnSpPr>
+          <p:cNvPr id="8" name="Straight Arrow Connector 7">
+            <a:extLst>
+              <a:ext uri="{FF2B5EF4-FFF2-40B4-BE49-F238E27FC236}">
+                <a16:creationId xmlns:a16="http://schemas.microsoft.com/office/drawing/2014/main" id="{4D4D02E1-2F5B-9B95-71C1-3582299F2416}"/>
+              </a:ext>
+            </a:extLst>
+          </p:cNvPr>
+          <p:cNvCxnSpPr>
+            <a:cxnSpLocks/>
+          </p:cNvCxnSpPr>
+          <p:nvPr/>
+        </p:nvCxnSpPr>
+        <p:spPr>
+          <a:xfrm flipV="1">
+            <a:off x="5358071" y="1811045"/>
+            <a:ext cx="0" cy="4385569"/>
+          </a:xfrm>
+          <a:prstGeom prst="straightConnector1">
+            <a:avLst/>
+          </a:prstGeom>
+          <a:ln w="12700">
+            <a:solidFill>
+              <a:schemeClr val="tx1"/>
+            </a:solidFill>
+            <a:tailEnd type="triangle"/>
+          </a:ln>
+        </p:spPr>
+        <p:style>
+          <a:lnRef idx="1">
+            <a:schemeClr val="accent1"/>
+          </a:lnRef>
+          <a:fillRef idx="0">
+            <a:schemeClr val="accent1"/>
+          </a:fillRef>
+          <a:effectRef idx="0">
+            <a:schemeClr val="accent1"/>
+          </a:effectRef>
+          <a:fontRef idx="minor">
+            <a:schemeClr val="tx1"/>
+          </a:fontRef>
+        </p:style>
+      </p:cxnSp>
+      <p:sp>
+        <p:nvSpPr>
+          <p:cNvPr id="10" name="TextBox 9">
+            <a:extLst>
+              <a:ext uri="{FF2B5EF4-FFF2-40B4-BE49-F238E27FC236}">
+                <a16:creationId xmlns:a16="http://schemas.microsoft.com/office/drawing/2014/main" id="{611B3285-DA50-4EFA-B3CD-C452CD322D18}"/>
+              </a:ext>
+            </a:extLst>
+          </p:cNvPr>
+          <p:cNvSpPr txBox="1"/>
+          <p:nvPr/>
+        </p:nvSpPr>
+        <p:spPr>
+          <a:xfrm>
+            <a:off x="5311140" y="3968234"/>
+            <a:ext cx="632459" cy="369332"/>
+          </a:xfrm>
+          <a:prstGeom prst="rect">
+            <a:avLst/>
+          </a:prstGeom>
+          <a:noFill/>
+        </p:spPr>
+        <p:txBody>
+          <a:bodyPr wrap="square" rtlCol="0">
+            <a:spAutoFit/>
+          </a:bodyPr>
+          <a:lstStyle/>
+          <a:p>
+            <a:r>
+              <a:rPr lang="en-US" dirty="0"/>
+              <a:t>(0,0)</a:t>
+            </a:r>
+          </a:p>
+        </p:txBody>
+      </p:sp>
+      <p:sp>
+        <p:nvSpPr>
+          <p:cNvPr id="11" name="TextBox 10">
+            <a:extLst>
+              <a:ext uri="{FF2B5EF4-FFF2-40B4-BE49-F238E27FC236}">
+                <a16:creationId xmlns:a16="http://schemas.microsoft.com/office/drawing/2014/main" id="{21B20CB3-D8AF-4594-FD55-0146CBCB04BD}"/>
+              </a:ext>
+            </a:extLst>
+          </p:cNvPr>
+          <p:cNvSpPr txBox="1"/>
+          <p:nvPr/>
+        </p:nvSpPr>
+        <p:spPr>
+          <a:xfrm>
+            <a:off x="2995572" y="3968234"/>
+            <a:ext cx="745847" cy="369332"/>
+          </a:xfrm>
+          <a:prstGeom prst="rect">
+            <a:avLst/>
+          </a:prstGeom>
+          <a:noFill/>
+        </p:spPr>
+        <p:txBody>
+          <a:bodyPr wrap="square" rtlCol="0">
+            <a:spAutoFit/>
+          </a:bodyPr>
+          <a:lstStyle/>
+          <a:p>
+            <a:r>
+              <a:rPr lang="en-US" dirty="0"/>
+              <a:t>(-1,0)</a:t>
+            </a:r>
+          </a:p>
+        </p:txBody>
+      </p:sp>
+      <p:sp>
+        <p:nvSpPr>
+          <p:cNvPr id="12" name="TextBox 11">
+            <a:extLst>
+              <a:ext uri="{FF2B5EF4-FFF2-40B4-BE49-F238E27FC236}">
+                <a16:creationId xmlns:a16="http://schemas.microsoft.com/office/drawing/2014/main" id="{34C25464-7DF7-A005-C3C1-AD918C2D8407}"/>
+              </a:ext>
+            </a:extLst>
+          </p:cNvPr>
+          <p:cNvSpPr txBox="1"/>
+          <p:nvPr/>
+        </p:nvSpPr>
+        <p:spPr>
+          <a:xfrm>
+            <a:off x="7031471" y="3968234"/>
+            <a:ext cx="632459" cy="369332"/>
+          </a:xfrm>
+          <a:prstGeom prst="rect">
+            <a:avLst/>
+          </a:prstGeom>
+          <a:noFill/>
+        </p:spPr>
+        <p:txBody>
+          <a:bodyPr wrap="square" rtlCol="0">
+            <a:spAutoFit/>
+          </a:bodyPr>
+          <a:lstStyle/>
+          <a:p>
+            <a:r>
+              <a:rPr lang="en-US" dirty="0"/>
+              <a:t>(1,0)</a:t>
+            </a:r>
+          </a:p>
+        </p:txBody>
+      </p:sp>
+      <p:sp>
+        <p:nvSpPr>
+          <p:cNvPr id="13" name="TextBox 12">
+            <a:extLst>
+              <a:ext uri="{FF2B5EF4-FFF2-40B4-BE49-F238E27FC236}">
+                <a16:creationId xmlns:a16="http://schemas.microsoft.com/office/drawing/2014/main" id="{C81AC9A2-09BF-EA57-3E86-89DB4CC7A318}"/>
+              </a:ext>
+            </a:extLst>
+          </p:cNvPr>
+          <p:cNvSpPr txBox="1"/>
+          <p:nvPr/>
+        </p:nvSpPr>
+        <p:spPr>
+          <a:xfrm>
+            <a:off x="5291138" y="5670989"/>
+            <a:ext cx="705802" cy="369332"/>
+          </a:xfrm>
+          <a:prstGeom prst="rect">
+            <a:avLst/>
+          </a:prstGeom>
+          <a:noFill/>
+        </p:spPr>
+        <p:txBody>
+          <a:bodyPr wrap="square" rtlCol="0">
+            <a:spAutoFit/>
+          </a:bodyPr>
+          <a:lstStyle/>
+          <a:p>
+            <a:r>
+              <a:rPr lang="en-US" dirty="0"/>
+              <a:t>(0,-1)</a:t>
+            </a:r>
+          </a:p>
+        </p:txBody>
+      </p:sp>
+      <p:sp>
+        <p:nvSpPr>
+          <p:cNvPr id="14" name="TextBox 13">
+            <a:extLst>
+              <a:ext uri="{FF2B5EF4-FFF2-40B4-BE49-F238E27FC236}">
+                <a16:creationId xmlns:a16="http://schemas.microsoft.com/office/drawing/2014/main" id="{62352F70-E3D9-2D37-B984-9B8BF4DFE406}"/>
+              </a:ext>
+            </a:extLst>
+          </p:cNvPr>
+          <p:cNvSpPr txBox="1"/>
+          <p:nvPr/>
+        </p:nvSpPr>
+        <p:spPr>
+          <a:xfrm>
+            <a:off x="5291138" y="1948010"/>
+            <a:ext cx="632459" cy="369332"/>
+          </a:xfrm>
+          <a:prstGeom prst="rect">
+            <a:avLst/>
+          </a:prstGeom>
+          <a:noFill/>
+        </p:spPr>
+        <p:txBody>
+          <a:bodyPr wrap="square" rtlCol="0">
+            <a:spAutoFit/>
+          </a:bodyPr>
+          <a:lstStyle/>
+          <a:p>
+            <a:r>
+              <a:rPr lang="en-US" dirty="0"/>
+              <a:t>(0,1)</a:t>
+            </a:r>
+          </a:p>
+        </p:txBody>
+      </p:sp>
+      <p:sp>
+        <p:nvSpPr>
+          <p:cNvPr id="15" name="Partial Circle 14">
+            <a:extLst>
+              <a:ext uri="{FF2B5EF4-FFF2-40B4-BE49-F238E27FC236}">
+                <a16:creationId xmlns:a16="http://schemas.microsoft.com/office/drawing/2014/main" id="{C26662B3-98FE-F03B-FEB2-493377681500}"/>
+              </a:ext>
+            </a:extLst>
+          </p:cNvPr>
+          <p:cNvSpPr/>
+          <p:nvPr/>
+        </p:nvSpPr>
+        <p:spPr>
+          <a:xfrm flipH="1">
+            <a:off x="4781162" y="3437878"/>
+            <a:ext cx="1167317" cy="1127227"/>
+          </a:xfrm>
+          <a:prstGeom prst="pie">
+            <a:avLst>
+              <a:gd name="adj1" fmla="val 10800000"/>
+              <a:gd name="adj2" fmla="val 16200000"/>
+            </a:avLst>
+          </a:prstGeom>
+        </p:spPr>
+        <p:style>
+          <a:lnRef idx="2">
+            <a:schemeClr val="accent1">
+              <a:shade val="15000"/>
+            </a:schemeClr>
+          </a:lnRef>
+          <a:fillRef idx="1">
+            <a:schemeClr val="accent1"/>
+          </a:fillRef>
+          <a:effectRef idx="0">
+            <a:schemeClr val="accent1"/>
+          </a:effectRef>
+          <a:fontRef idx="minor">
+            <a:schemeClr val="lt1"/>
+          </a:fontRef>
+        </p:style>
+        <p:txBody>
+          <a:bodyPr rtlCol="0" anchor="ctr"/>
+          <a:lstStyle/>
+          <a:p>
+            <a:pPr algn="ctr"/>
+            <a:endParaRPr lang="en-US">
+              <a:solidFill>
+                <a:schemeClr val="tx1"/>
+              </a:solidFill>
+            </a:endParaRPr>
+          </a:p>
+        </p:txBody>
+      </p:sp>
+      <mc:AlternateContent xmlns:mc="http://schemas.openxmlformats.org/markup-compatibility/2006">
+        <mc:Choice xmlns:a14="http://schemas.microsoft.com/office/drawing/2010/main" Requires="a14">
+          <p:sp>
+            <p:nvSpPr>
+              <p:cNvPr id="16" name="TextBox 15">
+                <a:extLst>
+                  <a:ext uri="{FF2B5EF4-FFF2-40B4-BE49-F238E27FC236}">
+                    <a16:creationId xmlns:a16="http://schemas.microsoft.com/office/drawing/2014/main" id="{7ADE32A1-8B9E-DB24-2771-7E7709A10EA1}"/>
+                  </a:ext>
+                </a:extLst>
+              </p:cNvPr>
+              <p:cNvSpPr txBox="1"/>
+              <p:nvPr/>
+            </p:nvSpPr>
+            <p:spPr>
+              <a:xfrm>
+                <a:off x="5304702" y="3632172"/>
+                <a:ext cx="632459" cy="369332"/>
+              </a:xfrm>
+              <a:prstGeom prst="rect">
+                <a:avLst/>
+              </a:prstGeom>
+              <a:noFill/>
+            </p:spPr>
+            <p:txBody>
+              <a:bodyPr wrap="square" rtlCol="0">
+                <a:spAutoFit/>
+              </a:bodyPr>
+              <a:lstStyle/>
+              <a:p>
+                <a:pPr/>
+                <a14:m>
+                  <m:oMathPara xmlns:m="http://schemas.openxmlformats.org/officeDocument/2006/math">
+                    <m:oMathParaPr>
+                      <m:jc m:val="centerGroup"/>
+                    </m:oMathParaPr>
+                    <m:oMath xmlns:m="http://schemas.openxmlformats.org/officeDocument/2006/math">
+                      <m:r>
+                        <a:rPr lang="en-US" i="1" dirty="0" smtClean="0">
+                          <a:latin typeface="Cambria Math" panose="02040503050406030204" pitchFamily="18" charset="0"/>
+                        </a:rPr>
+                        <m:t>90</m:t>
+                      </m:r>
+                      <m:r>
+                        <a:rPr lang="en-US" i="1" dirty="0" smtClean="0">
+                          <a:latin typeface="Cambria Math" panose="02040503050406030204" pitchFamily="18" charset="0"/>
+                          <a:ea typeface="Cambria Math" panose="02040503050406030204" pitchFamily="18" charset="0"/>
+                        </a:rPr>
+                        <m:t>°</m:t>
+                      </m:r>
+                    </m:oMath>
+                  </m:oMathPara>
+                </a14:m>
+                <a:endParaRPr lang="en-US" dirty="0"/>
+              </a:p>
+            </p:txBody>
+          </p:sp>
+        </mc:Choice>
+        <mc:Fallback>
+          <p:sp>
+            <p:nvSpPr>
+              <p:cNvPr id="16" name="TextBox 15">
+                <a:extLst>
+                  <a:ext uri="{FF2B5EF4-FFF2-40B4-BE49-F238E27FC236}">
+                    <a16:creationId xmlns:a16="http://schemas.microsoft.com/office/drawing/2014/main" id="{7ADE32A1-8B9E-DB24-2771-7E7709A10EA1}"/>
+                  </a:ext>
+                </a:extLst>
+              </p:cNvPr>
+              <p:cNvSpPr txBox="1">
+                <a:spLocks noRot="1" noChangeAspect="1" noMove="1" noResize="1" noEditPoints="1" noAdjustHandles="1" noChangeArrowheads="1" noChangeShapeType="1" noTextEdit="1"/>
+              </p:cNvSpPr>
+              <p:nvPr/>
+            </p:nvSpPr>
+            <p:spPr>
+              <a:xfrm>
+                <a:off x="5304702" y="3632172"/>
+                <a:ext cx="632459" cy="369332"/>
+              </a:xfrm>
+              <a:prstGeom prst="rect">
+                <a:avLst/>
+              </a:prstGeom>
+              <a:blipFill>
+                <a:blip r:embed="rId2"/>
+                <a:stretch>
+                  <a:fillRect/>
+                </a:stretch>
+              </a:blipFill>
+            </p:spPr>
+            <p:txBody>
+              <a:bodyPr/>
+              <a:lstStyle/>
+              <a:p>
+                <a:r>
+                  <a:rPr lang="en-US">
+                    <a:noFill/>
+                  </a:rPr>
+                  <a:t> </a:t>
+                </a:r>
+              </a:p>
+            </p:txBody>
+          </p:sp>
+        </mc:Fallback>
+      </mc:AlternateContent>
+      <p:sp>
+        <p:nvSpPr>
+          <p:cNvPr id="17" name="Partial Circle 16">
+            <a:extLst>
+              <a:ext uri="{FF2B5EF4-FFF2-40B4-BE49-F238E27FC236}">
+                <a16:creationId xmlns:a16="http://schemas.microsoft.com/office/drawing/2014/main" id="{1923A457-7383-514C-F582-1BE00682A4A3}"/>
+              </a:ext>
+            </a:extLst>
+          </p:cNvPr>
+          <p:cNvSpPr/>
+          <p:nvPr/>
+        </p:nvSpPr>
+        <p:spPr>
+          <a:xfrm rot="8111416" flipH="1">
+            <a:off x="4784547" y="1743244"/>
+            <a:ext cx="1167317" cy="1127227"/>
+          </a:xfrm>
+          <a:prstGeom prst="pie">
+            <a:avLst>
+              <a:gd name="adj1" fmla="val 10800000"/>
+              <a:gd name="adj2" fmla="val 16200000"/>
+            </a:avLst>
+          </a:prstGeom>
+        </p:spPr>
+        <p:style>
+          <a:lnRef idx="2">
+            <a:schemeClr val="accent1">
+              <a:shade val="15000"/>
+            </a:schemeClr>
+          </a:lnRef>
+          <a:fillRef idx="1">
+            <a:schemeClr val="accent1"/>
+          </a:fillRef>
+          <a:effectRef idx="0">
+            <a:schemeClr val="accent1"/>
+          </a:effectRef>
+          <a:fontRef idx="minor">
+            <a:schemeClr val="lt1"/>
+          </a:fontRef>
+        </p:style>
+        <p:txBody>
+          <a:bodyPr rtlCol="0" anchor="ctr"/>
+          <a:lstStyle/>
+          <a:p>
+            <a:pPr algn="ctr"/>
+            <a:endParaRPr lang="en-US">
+              <a:solidFill>
+                <a:schemeClr val="tx1"/>
+              </a:solidFill>
+            </a:endParaRPr>
+          </a:p>
+        </p:txBody>
+      </p:sp>
+      <mc:AlternateContent xmlns:mc="http://schemas.openxmlformats.org/markup-compatibility/2006">
+        <mc:Choice xmlns:a14="http://schemas.microsoft.com/office/drawing/2010/main" Requires="a14">
+          <p:sp>
+            <p:nvSpPr>
+              <p:cNvPr id="18" name="TextBox 17">
+                <a:extLst>
+                  <a:ext uri="{FF2B5EF4-FFF2-40B4-BE49-F238E27FC236}">
+                    <a16:creationId xmlns:a16="http://schemas.microsoft.com/office/drawing/2014/main" id="{A10B60A4-C97E-4E0F-49B5-4399B6298766}"/>
+                  </a:ext>
+                </a:extLst>
+              </p:cNvPr>
+              <p:cNvSpPr txBox="1"/>
+              <p:nvPr/>
+            </p:nvSpPr>
+            <p:spPr>
+              <a:xfrm>
+                <a:off x="5080970" y="2466339"/>
+                <a:ext cx="620137" cy="369332"/>
+              </a:xfrm>
+              <a:prstGeom prst="rect">
+                <a:avLst/>
+              </a:prstGeom>
+              <a:noFill/>
+            </p:spPr>
+            <p:txBody>
+              <a:bodyPr wrap="square" rtlCol="0">
+                <a:spAutoFit/>
+              </a:bodyPr>
+              <a:lstStyle/>
+              <a:p>
+                <a:pPr/>
+                <a14:m>
+                  <m:oMathPara xmlns:m="http://schemas.openxmlformats.org/officeDocument/2006/math">
+                    <m:oMathParaPr>
+                      <m:jc m:val="centerGroup"/>
+                    </m:oMathParaPr>
+                    <m:oMath xmlns:m="http://schemas.openxmlformats.org/officeDocument/2006/math">
+                      <m:r>
+                        <a:rPr lang="en-US" i="1" dirty="0" smtClean="0">
+                          <a:latin typeface="Cambria Math" panose="02040503050406030204" pitchFamily="18" charset="0"/>
+                        </a:rPr>
+                        <m:t>90</m:t>
+                      </m:r>
+                      <m:r>
+                        <a:rPr lang="en-US" i="1" dirty="0" smtClean="0">
+                          <a:latin typeface="Cambria Math" panose="02040503050406030204" pitchFamily="18" charset="0"/>
+                          <a:ea typeface="Cambria Math" panose="02040503050406030204" pitchFamily="18" charset="0"/>
+                        </a:rPr>
+                        <m:t>°</m:t>
+                      </m:r>
+                    </m:oMath>
+                  </m:oMathPara>
+                </a14:m>
+                <a:endParaRPr lang="en-US" dirty="0"/>
+              </a:p>
+            </p:txBody>
+          </p:sp>
+        </mc:Choice>
+        <mc:Fallback>
+          <p:sp>
+            <p:nvSpPr>
+              <p:cNvPr id="18" name="TextBox 17">
+                <a:extLst>
+                  <a:ext uri="{FF2B5EF4-FFF2-40B4-BE49-F238E27FC236}">
+                    <a16:creationId xmlns:a16="http://schemas.microsoft.com/office/drawing/2014/main" id="{A10B60A4-C97E-4E0F-49B5-4399B6298766}"/>
+                  </a:ext>
+                </a:extLst>
+              </p:cNvPr>
+              <p:cNvSpPr txBox="1">
+                <a:spLocks noRot="1" noChangeAspect="1" noMove="1" noResize="1" noEditPoints="1" noAdjustHandles="1" noChangeArrowheads="1" noChangeShapeType="1" noTextEdit="1"/>
+              </p:cNvSpPr>
+              <p:nvPr/>
+            </p:nvSpPr>
+            <p:spPr>
+              <a:xfrm>
+                <a:off x="5080970" y="2466339"/>
+                <a:ext cx="620137" cy="369332"/>
+              </a:xfrm>
+              <a:prstGeom prst="rect">
+                <a:avLst/>
+              </a:prstGeom>
+              <a:blipFill>
+                <a:blip r:embed="rId3"/>
+                <a:stretch>
+                  <a:fillRect/>
+                </a:stretch>
+              </a:blipFill>
+            </p:spPr>
+            <p:txBody>
+              <a:bodyPr/>
+              <a:lstStyle/>
+              <a:p>
+                <a:r>
+                  <a:rPr lang="en-US">
+                    <a:noFill/>
+                  </a:rPr>
+                  <a:t> </a:t>
+                </a:r>
+              </a:p>
+            </p:txBody>
+          </p:sp>
+        </mc:Fallback>
+      </mc:AlternateContent>
+      <mc:AlternateContent xmlns:mc="http://schemas.openxmlformats.org/markup-compatibility/2006">
+        <mc:Choice xmlns:a14="http://schemas.microsoft.com/office/drawing/2010/main" Requires="a14">
+          <p:sp>
+            <p:nvSpPr>
+              <p:cNvPr id="2" name="TextBox 1">
+                <a:extLst>
+                  <a:ext uri="{FF2B5EF4-FFF2-40B4-BE49-F238E27FC236}">
+                    <a16:creationId xmlns:a16="http://schemas.microsoft.com/office/drawing/2014/main" id="{1E459FE5-25FF-FDE4-EE07-906F371F4390}"/>
+                  </a:ext>
+                </a:extLst>
+              </p:cNvPr>
+              <p:cNvSpPr txBox="1"/>
+              <p:nvPr/>
+            </p:nvSpPr>
+            <p:spPr>
+              <a:xfrm rot="18900000">
+                <a:off x="3968601" y="3096522"/>
+                <a:ext cx="1207125" cy="369332"/>
+              </a:xfrm>
+              <a:prstGeom prst="rect">
+                <a:avLst/>
+              </a:prstGeom>
+              <a:noFill/>
+            </p:spPr>
+            <p:txBody>
+              <a:bodyPr wrap="none" rtlCol="0">
+                <a:spAutoFit/>
+              </a:bodyPr>
+              <a:lstStyle/>
+              <a:p>
+                <a:pPr/>
+                <a14:m>
+                  <m:oMathPara xmlns:m="http://schemas.openxmlformats.org/officeDocument/2006/math">
+                    <m:oMathParaPr>
+                      <m:jc m:val="centerGroup"/>
+                    </m:oMathParaPr>
+                    <m:oMath xmlns:m="http://schemas.openxmlformats.org/officeDocument/2006/math">
+                      <m:r>
+                        <a:rPr lang="en-US" b="0" i="1" smtClean="0">
+                          <a:latin typeface="Cambria Math" panose="02040503050406030204" pitchFamily="18" charset="0"/>
+                        </a:rPr>
+                        <m:t>𝑦</m:t>
+                      </m:r>
+                      <m:r>
+                        <a:rPr lang="en-US" b="0" i="1" smtClean="0">
+                          <a:latin typeface="Cambria Math" panose="02040503050406030204" pitchFamily="18" charset="0"/>
+                        </a:rPr>
+                        <m:t>=</m:t>
+                      </m:r>
+                      <m:r>
+                        <a:rPr lang="en-US" b="0" i="1" smtClean="0">
+                          <a:latin typeface="Cambria Math" panose="02040503050406030204" pitchFamily="18" charset="0"/>
+                        </a:rPr>
+                        <m:t>𝑥</m:t>
+                      </m:r>
+                      <m:r>
+                        <a:rPr lang="en-US" b="0" i="1" smtClean="0">
+                          <a:latin typeface="Cambria Math" panose="02040503050406030204" pitchFamily="18" charset="0"/>
+                        </a:rPr>
+                        <m:t>+1</m:t>
+                      </m:r>
+                    </m:oMath>
+                  </m:oMathPara>
+                </a14:m>
+                <a:endParaRPr lang="en-US" dirty="0"/>
+              </a:p>
+            </p:txBody>
+          </p:sp>
+        </mc:Choice>
+        <mc:Fallback>
+          <p:sp>
+            <p:nvSpPr>
+              <p:cNvPr id="2" name="TextBox 1">
+                <a:extLst>
+                  <a:ext uri="{FF2B5EF4-FFF2-40B4-BE49-F238E27FC236}">
+                    <a16:creationId xmlns:a16="http://schemas.microsoft.com/office/drawing/2014/main" id="{1E459FE5-25FF-FDE4-EE07-906F371F4390}"/>
+                  </a:ext>
+                </a:extLst>
+              </p:cNvPr>
+              <p:cNvSpPr txBox="1">
+                <a:spLocks noRot="1" noChangeAspect="1" noMove="1" noResize="1" noEditPoints="1" noAdjustHandles="1" noChangeArrowheads="1" noChangeShapeType="1" noTextEdit="1"/>
+              </p:cNvSpPr>
+              <p:nvPr/>
+            </p:nvSpPr>
+            <p:spPr>
+              <a:xfrm rot="18900000">
+                <a:off x="3968601" y="3096522"/>
+                <a:ext cx="1207125" cy="369332"/>
+              </a:xfrm>
+              <a:prstGeom prst="rect">
+                <a:avLst/>
+              </a:prstGeom>
+              <a:blipFill>
+                <a:blip r:embed="rId4"/>
+                <a:stretch>
+                  <a:fillRect/>
+                </a:stretch>
+              </a:blipFill>
+            </p:spPr>
+            <p:txBody>
+              <a:bodyPr/>
+              <a:lstStyle/>
+              <a:p>
+                <a:r>
+                  <a:rPr lang="en-US">
+                    <a:noFill/>
+                  </a:rPr>
+                  <a:t> </a:t>
+                </a:r>
+              </a:p>
+            </p:txBody>
+          </p:sp>
+        </mc:Fallback>
+      </mc:AlternateContent>
+      <mc:AlternateContent xmlns:mc="http://schemas.openxmlformats.org/markup-compatibility/2006">
+        <mc:Choice xmlns:a14="http://schemas.microsoft.com/office/drawing/2010/main" Requires="a14">
+          <p:sp>
+            <p:nvSpPr>
+              <p:cNvPr id="3" name="TextBox 2">
+                <a:extLst>
+                  <a:ext uri="{FF2B5EF4-FFF2-40B4-BE49-F238E27FC236}">
+                    <a16:creationId xmlns:a16="http://schemas.microsoft.com/office/drawing/2014/main" id="{3E664735-B63C-39A1-EB7F-EF694AEF7AAD}"/>
+                  </a:ext>
+                </a:extLst>
+              </p:cNvPr>
+              <p:cNvSpPr txBox="1"/>
+              <p:nvPr/>
+            </p:nvSpPr>
+            <p:spPr>
+              <a:xfrm rot="2700000">
+                <a:off x="5520944" y="3178103"/>
+                <a:ext cx="1380250" cy="369332"/>
+              </a:xfrm>
+              <a:prstGeom prst="rect">
+                <a:avLst/>
+              </a:prstGeom>
+              <a:noFill/>
+            </p:spPr>
+            <p:txBody>
+              <a:bodyPr wrap="none" rtlCol="0">
+                <a:spAutoFit/>
+              </a:bodyPr>
+              <a:lstStyle/>
+              <a:p>
+                <a:pPr/>
+                <a14:m>
+                  <m:oMathPara xmlns:m="http://schemas.openxmlformats.org/officeDocument/2006/math">
+                    <m:oMathParaPr>
+                      <m:jc m:val="centerGroup"/>
+                    </m:oMathParaPr>
+                    <m:oMath xmlns:m="http://schemas.openxmlformats.org/officeDocument/2006/math">
+                      <m:r>
+                        <a:rPr lang="en-US" b="0" i="1" smtClean="0">
+                          <a:latin typeface="Cambria Math" panose="02040503050406030204" pitchFamily="18" charset="0"/>
+                        </a:rPr>
+                        <m:t>𝑦</m:t>
+                      </m:r>
+                      <m:r>
+                        <a:rPr lang="en-US" b="0" i="1" smtClean="0">
+                          <a:latin typeface="Cambria Math" panose="02040503050406030204" pitchFamily="18" charset="0"/>
+                        </a:rPr>
+                        <m:t>=−</m:t>
+                      </m:r>
+                      <m:r>
+                        <a:rPr lang="en-US" b="0" i="1" smtClean="0">
+                          <a:latin typeface="Cambria Math" panose="02040503050406030204" pitchFamily="18" charset="0"/>
+                        </a:rPr>
+                        <m:t>𝑥</m:t>
+                      </m:r>
+                      <m:r>
+                        <a:rPr lang="en-US" b="0" i="1" smtClean="0">
+                          <a:latin typeface="Cambria Math" panose="02040503050406030204" pitchFamily="18" charset="0"/>
+                        </a:rPr>
+                        <m:t>+1</m:t>
+                      </m:r>
+                    </m:oMath>
+                  </m:oMathPara>
+                </a14:m>
+                <a:endParaRPr lang="en-US" dirty="0"/>
+              </a:p>
+            </p:txBody>
+          </p:sp>
+        </mc:Choice>
+        <mc:Fallback>
+          <p:sp>
+            <p:nvSpPr>
+              <p:cNvPr id="3" name="TextBox 2">
+                <a:extLst>
+                  <a:ext uri="{FF2B5EF4-FFF2-40B4-BE49-F238E27FC236}">
+                    <a16:creationId xmlns:a16="http://schemas.microsoft.com/office/drawing/2014/main" id="{3E664735-B63C-39A1-EB7F-EF694AEF7AAD}"/>
+                  </a:ext>
+                </a:extLst>
+              </p:cNvPr>
+              <p:cNvSpPr txBox="1">
+                <a:spLocks noRot="1" noChangeAspect="1" noMove="1" noResize="1" noEditPoints="1" noAdjustHandles="1" noChangeArrowheads="1" noChangeShapeType="1" noTextEdit="1"/>
+              </p:cNvSpPr>
+              <p:nvPr/>
+            </p:nvSpPr>
+            <p:spPr>
+              <a:xfrm rot="2700000">
+                <a:off x="5520944" y="3178103"/>
+                <a:ext cx="1380250" cy="369332"/>
+              </a:xfrm>
+              <a:prstGeom prst="rect">
+                <a:avLst/>
+              </a:prstGeom>
+              <a:blipFill>
+                <a:blip r:embed="rId5"/>
+                <a:stretch>
+                  <a:fillRect/>
+                </a:stretch>
+              </a:blipFill>
+            </p:spPr>
+            <p:txBody>
+              <a:bodyPr/>
+              <a:lstStyle/>
+              <a:p>
+                <a:r>
+                  <a:rPr lang="en-US">
+                    <a:noFill/>
+                  </a:rPr>
+                  <a:t> </a:t>
+                </a:r>
+              </a:p>
+            </p:txBody>
+          </p:sp>
+        </mc:Fallback>
+      </mc:AlternateContent>
+      <mc:AlternateContent xmlns:mc="http://schemas.openxmlformats.org/markup-compatibility/2006">
+        <mc:Choice xmlns:a14="http://schemas.microsoft.com/office/drawing/2010/main" Requires="a14">
+          <p:sp>
+            <p:nvSpPr>
+              <p:cNvPr id="6" name="TextBox 5">
+                <a:extLst>
+                  <a:ext uri="{FF2B5EF4-FFF2-40B4-BE49-F238E27FC236}">
+                    <a16:creationId xmlns:a16="http://schemas.microsoft.com/office/drawing/2014/main" id="{6C81D1D5-257A-B91E-B3A3-2E4A9C832CB2}"/>
+                  </a:ext>
+                </a:extLst>
+              </p:cNvPr>
+              <p:cNvSpPr txBox="1"/>
+              <p:nvPr/>
+            </p:nvSpPr>
+            <p:spPr>
+              <a:xfrm rot="18900000">
+                <a:off x="5575928" y="4439867"/>
+                <a:ext cx="1207125" cy="369332"/>
+              </a:xfrm>
+              <a:prstGeom prst="rect">
+                <a:avLst/>
+              </a:prstGeom>
+              <a:noFill/>
+            </p:spPr>
+            <p:txBody>
+              <a:bodyPr wrap="none" rtlCol="0">
+                <a:spAutoFit/>
+              </a:bodyPr>
+              <a:lstStyle/>
+              <a:p>
+                <a:pPr/>
+                <a14:m>
+                  <m:oMathPara xmlns:m="http://schemas.openxmlformats.org/officeDocument/2006/math">
+                    <m:oMathParaPr>
+                      <m:jc m:val="centerGroup"/>
+                    </m:oMathParaPr>
+                    <m:oMath xmlns:m="http://schemas.openxmlformats.org/officeDocument/2006/math">
+                      <m:r>
+                        <a:rPr lang="en-US" b="0" i="1" smtClean="0">
+                          <a:latin typeface="Cambria Math" panose="02040503050406030204" pitchFamily="18" charset="0"/>
+                        </a:rPr>
+                        <m:t>𝑦</m:t>
+                      </m:r>
+                      <m:r>
+                        <a:rPr lang="en-US" b="0" i="1" smtClean="0">
+                          <a:latin typeface="Cambria Math" panose="02040503050406030204" pitchFamily="18" charset="0"/>
+                        </a:rPr>
+                        <m:t>=</m:t>
+                      </m:r>
+                      <m:r>
+                        <a:rPr lang="en-US" b="0" i="1" smtClean="0">
+                          <a:latin typeface="Cambria Math" panose="02040503050406030204" pitchFamily="18" charset="0"/>
+                        </a:rPr>
+                        <m:t>𝑥</m:t>
+                      </m:r>
+                      <m:r>
+                        <a:rPr lang="en-US" b="0" i="1" smtClean="0">
+                          <a:latin typeface="Cambria Math" panose="02040503050406030204" pitchFamily="18" charset="0"/>
+                        </a:rPr>
+                        <m:t>−1</m:t>
+                      </m:r>
+                    </m:oMath>
+                  </m:oMathPara>
+                </a14:m>
+                <a:endParaRPr lang="en-US" dirty="0"/>
+              </a:p>
+            </p:txBody>
+          </p:sp>
+        </mc:Choice>
+        <mc:Fallback>
+          <p:sp>
+            <p:nvSpPr>
+              <p:cNvPr id="6" name="TextBox 5">
+                <a:extLst>
+                  <a:ext uri="{FF2B5EF4-FFF2-40B4-BE49-F238E27FC236}">
+                    <a16:creationId xmlns:a16="http://schemas.microsoft.com/office/drawing/2014/main" id="{6C81D1D5-257A-B91E-B3A3-2E4A9C832CB2}"/>
+                  </a:ext>
+                </a:extLst>
+              </p:cNvPr>
+              <p:cNvSpPr txBox="1">
+                <a:spLocks noRot="1" noChangeAspect="1" noMove="1" noResize="1" noEditPoints="1" noAdjustHandles="1" noChangeArrowheads="1" noChangeShapeType="1" noTextEdit="1"/>
+              </p:cNvSpPr>
+              <p:nvPr/>
+            </p:nvSpPr>
+            <p:spPr>
+              <a:xfrm rot="18900000">
+                <a:off x="5575928" y="4439867"/>
+                <a:ext cx="1207125" cy="369332"/>
+              </a:xfrm>
+              <a:prstGeom prst="rect">
+                <a:avLst/>
+              </a:prstGeom>
+              <a:blipFill>
+                <a:blip r:embed="rId6"/>
+                <a:stretch>
+                  <a:fillRect/>
+                </a:stretch>
+              </a:blipFill>
+            </p:spPr>
+            <p:txBody>
+              <a:bodyPr/>
+              <a:lstStyle/>
+              <a:p>
+                <a:r>
+                  <a:rPr lang="en-US">
+                    <a:noFill/>
+                  </a:rPr>
+                  <a:t> </a:t>
+                </a:r>
+              </a:p>
+            </p:txBody>
+          </p:sp>
+        </mc:Fallback>
+      </mc:AlternateContent>
+      <mc:AlternateContent xmlns:mc="http://schemas.openxmlformats.org/markup-compatibility/2006">
+        <mc:Choice xmlns:a14="http://schemas.microsoft.com/office/drawing/2010/main" Requires="a14">
+          <p:sp>
+            <p:nvSpPr>
+              <p:cNvPr id="9" name="TextBox 8">
+                <a:extLst>
+                  <a:ext uri="{FF2B5EF4-FFF2-40B4-BE49-F238E27FC236}">
+                    <a16:creationId xmlns:a16="http://schemas.microsoft.com/office/drawing/2014/main" id="{18634B99-9E8A-E630-BF08-53B4FF5F31C5}"/>
+                  </a:ext>
+                </a:extLst>
+              </p:cNvPr>
+              <p:cNvSpPr txBox="1"/>
+              <p:nvPr/>
+            </p:nvSpPr>
+            <p:spPr>
+              <a:xfrm rot="2700000">
+                <a:off x="3955613" y="4555071"/>
+                <a:ext cx="1380250" cy="369332"/>
+              </a:xfrm>
+              <a:prstGeom prst="rect">
+                <a:avLst/>
+              </a:prstGeom>
+              <a:noFill/>
+            </p:spPr>
+            <p:txBody>
+              <a:bodyPr wrap="none" rtlCol="0">
+                <a:spAutoFit/>
+              </a:bodyPr>
+              <a:lstStyle/>
+              <a:p>
+                <a:pPr/>
+                <a14:m>
+                  <m:oMathPara xmlns:m="http://schemas.openxmlformats.org/officeDocument/2006/math">
+                    <m:oMathParaPr>
+                      <m:jc m:val="centerGroup"/>
+                    </m:oMathParaPr>
+                    <m:oMath xmlns:m="http://schemas.openxmlformats.org/officeDocument/2006/math">
+                      <m:r>
+                        <a:rPr lang="en-US" b="0" i="1" smtClean="0">
+                          <a:latin typeface="Cambria Math" panose="02040503050406030204" pitchFamily="18" charset="0"/>
+                        </a:rPr>
+                        <m:t>𝑦</m:t>
+                      </m:r>
+                      <m:r>
+                        <a:rPr lang="en-US" b="0" i="1" smtClean="0">
+                          <a:latin typeface="Cambria Math" panose="02040503050406030204" pitchFamily="18" charset="0"/>
+                        </a:rPr>
+                        <m:t>=−</m:t>
+                      </m:r>
+                      <m:r>
+                        <a:rPr lang="en-US" b="0" i="1" smtClean="0">
+                          <a:latin typeface="Cambria Math" panose="02040503050406030204" pitchFamily="18" charset="0"/>
+                        </a:rPr>
+                        <m:t>𝑥</m:t>
+                      </m:r>
+                      <m:r>
+                        <a:rPr lang="en-US" b="0" i="1" smtClean="0">
+                          <a:latin typeface="Cambria Math" panose="02040503050406030204" pitchFamily="18" charset="0"/>
+                        </a:rPr>
+                        <m:t>−1</m:t>
+                      </m:r>
+                    </m:oMath>
+                  </m:oMathPara>
+                </a14:m>
+                <a:endParaRPr lang="en-US" dirty="0"/>
+              </a:p>
+            </p:txBody>
+          </p:sp>
+        </mc:Choice>
+        <mc:Fallback>
+          <p:sp>
+            <p:nvSpPr>
+              <p:cNvPr id="9" name="TextBox 8">
+                <a:extLst>
+                  <a:ext uri="{FF2B5EF4-FFF2-40B4-BE49-F238E27FC236}">
+                    <a16:creationId xmlns:a16="http://schemas.microsoft.com/office/drawing/2014/main" id="{18634B99-9E8A-E630-BF08-53B4FF5F31C5}"/>
+                  </a:ext>
+                </a:extLst>
+              </p:cNvPr>
+              <p:cNvSpPr txBox="1">
+                <a:spLocks noRot="1" noChangeAspect="1" noMove="1" noResize="1" noEditPoints="1" noAdjustHandles="1" noChangeArrowheads="1" noChangeShapeType="1" noTextEdit="1"/>
+              </p:cNvSpPr>
+              <p:nvPr/>
+            </p:nvSpPr>
+            <p:spPr>
+              <a:xfrm rot="2700000">
+                <a:off x="3955613" y="4555071"/>
+                <a:ext cx="1380250" cy="369332"/>
+              </a:xfrm>
+              <a:prstGeom prst="rect">
+                <a:avLst/>
+              </a:prstGeom>
+              <a:blipFill>
+                <a:blip r:embed="rId7"/>
+                <a:stretch>
+                  <a:fillRect/>
+                </a:stretch>
+              </a:blipFill>
+            </p:spPr>
+            <p:txBody>
+              <a:bodyPr/>
+              <a:lstStyle/>
+              <a:p>
+                <a:r>
+                  <a:rPr lang="en-US">
+                    <a:noFill/>
+                  </a:rPr>
+                  <a:t> </a:t>
+                </a:r>
+              </a:p>
+            </p:txBody>
+          </p:sp>
+        </mc:Fallback>
+      </mc:AlternateContent>
+      <p:sp>
+        <p:nvSpPr>
+          <p:cNvPr id="19" name="Right Brace 18">
+            <a:extLst>
+              <a:ext uri="{FF2B5EF4-FFF2-40B4-BE49-F238E27FC236}">
+                <a16:creationId xmlns:a16="http://schemas.microsoft.com/office/drawing/2014/main" id="{DB0E5740-4454-ACB1-8F00-E0B1225F6D5C}"/>
+              </a:ext>
+            </a:extLst>
+          </p:cNvPr>
+          <p:cNvSpPr/>
+          <p:nvPr/>
+        </p:nvSpPr>
+        <p:spPr>
+          <a:xfrm rot="16200000">
+            <a:off x="4353900" y="3014615"/>
+            <a:ext cx="313685" cy="1689775"/>
+          </a:xfrm>
+          <a:prstGeom prst="rightBrace">
+            <a:avLst>
+              <a:gd name="adj1" fmla="val 166774"/>
+              <a:gd name="adj2" fmla="val 78111"/>
+            </a:avLst>
+          </a:prstGeom>
+        </p:spPr>
+        <p:style>
+          <a:lnRef idx="1">
+            <a:schemeClr val="accent1"/>
+          </a:lnRef>
+          <a:fillRef idx="0">
+            <a:schemeClr val="accent1"/>
+          </a:fillRef>
+          <a:effectRef idx="0">
+            <a:schemeClr val="accent1"/>
+          </a:effectRef>
+          <a:fontRef idx="minor">
+            <a:schemeClr val="tx1"/>
+          </a:fontRef>
+        </p:style>
+        <p:txBody>
+          <a:bodyPr rtlCol="0" anchor="ctr"/>
+          <a:lstStyle/>
+          <a:p>
+            <a:pPr algn="ctr"/>
+            <a:endParaRPr lang="en-US"/>
+          </a:p>
+        </p:txBody>
+      </p:sp>
+      <mc:AlternateContent xmlns:mc="http://schemas.openxmlformats.org/markup-compatibility/2006">
+        <mc:Choice xmlns:a14="http://schemas.microsoft.com/office/drawing/2010/main" Requires="a14">
+          <p:sp>
+            <p:nvSpPr>
+              <p:cNvPr id="34" name="TextBox 33">
+                <a:extLst>
+                  <a:ext uri="{FF2B5EF4-FFF2-40B4-BE49-F238E27FC236}">
+                    <a16:creationId xmlns:a16="http://schemas.microsoft.com/office/drawing/2014/main" id="{A432872C-A53A-5363-0927-D55A8DA9361C}"/>
+                  </a:ext>
+                </a:extLst>
+              </p:cNvPr>
+              <p:cNvSpPr txBox="1"/>
+              <p:nvPr/>
+            </p:nvSpPr>
+            <p:spPr>
+              <a:xfrm>
+                <a:off x="4623838" y="3453085"/>
+                <a:ext cx="781240" cy="369332"/>
+              </a:xfrm>
+              <a:prstGeom prst="rect">
+                <a:avLst/>
+              </a:prstGeom>
+              <a:noFill/>
+            </p:spPr>
+            <p:txBody>
+              <a:bodyPr wrap="none" rtlCol="0">
+                <a:spAutoFit/>
+              </a:bodyPr>
+              <a:lstStyle/>
+              <a:p>
+                <a:pPr/>
+                <a14:m>
+                  <m:oMathPara xmlns:m="http://schemas.openxmlformats.org/officeDocument/2006/math">
+                    <m:oMathParaPr>
+                      <m:jc m:val="centerGroup"/>
+                    </m:oMathParaPr>
+                    <m:oMath xmlns:m="http://schemas.openxmlformats.org/officeDocument/2006/math">
+                      <m:r>
+                        <a:rPr lang="en-US" b="0" i="1" smtClean="0">
+                          <a:solidFill>
+                            <a:schemeClr val="accent1"/>
+                          </a:solidFill>
+                          <a:latin typeface="Cambria Math" panose="02040503050406030204" pitchFamily="18" charset="0"/>
+                        </a:rPr>
+                        <m:t>𝑟</m:t>
+                      </m:r>
+                      <m:r>
+                        <a:rPr lang="en-US" b="0" i="1" smtClean="0">
+                          <a:solidFill>
+                            <a:schemeClr val="accent1"/>
+                          </a:solidFill>
+                          <a:latin typeface="Cambria Math" panose="02040503050406030204" pitchFamily="18" charset="0"/>
+                        </a:rPr>
+                        <m:t>=1</m:t>
+                      </m:r>
+                    </m:oMath>
+                  </m:oMathPara>
+                </a14:m>
+                <a:endParaRPr lang="en-US" dirty="0"/>
+              </a:p>
+            </p:txBody>
+          </p:sp>
+        </mc:Choice>
+        <mc:Fallback>
+          <p:sp>
+            <p:nvSpPr>
+              <p:cNvPr id="34" name="TextBox 33">
+                <a:extLst>
+                  <a:ext uri="{FF2B5EF4-FFF2-40B4-BE49-F238E27FC236}">
+                    <a16:creationId xmlns:a16="http://schemas.microsoft.com/office/drawing/2014/main" id="{A432872C-A53A-5363-0927-D55A8DA9361C}"/>
+                  </a:ext>
+                </a:extLst>
+              </p:cNvPr>
+              <p:cNvSpPr txBox="1">
+                <a:spLocks noRot="1" noChangeAspect="1" noMove="1" noResize="1" noEditPoints="1" noAdjustHandles="1" noChangeArrowheads="1" noChangeShapeType="1" noTextEdit="1"/>
+              </p:cNvSpPr>
+              <p:nvPr/>
+            </p:nvSpPr>
+            <p:spPr>
+              <a:xfrm>
+                <a:off x="4623838" y="3453085"/>
+                <a:ext cx="781240" cy="369332"/>
+              </a:xfrm>
+              <a:prstGeom prst="rect">
+                <a:avLst/>
+              </a:prstGeom>
+              <a:blipFill>
+                <a:blip r:embed="rId8"/>
+                <a:stretch>
+                  <a:fillRect/>
+                </a:stretch>
+              </a:blipFill>
+            </p:spPr>
+            <p:txBody>
+              <a:bodyPr/>
+              <a:lstStyle/>
+              <a:p>
+                <a:r>
+                  <a:rPr lang="en-US">
+                    <a:noFill/>
+                  </a:rPr>
+                  <a:t> </a:t>
+                </a:r>
+              </a:p>
+            </p:txBody>
+          </p:sp>
+        </mc:Fallback>
+      </mc:AlternateContent>
+      <mc:AlternateContent xmlns:mc="http://schemas.openxmlformats.org/markup-compatibility/2006">
+        <mc:Choice xmlns:a14="http://schemas.microsoft.com/office/drawing/2010/main" Requires="a14">
+          <p:sp>
+            <p:nvSpPr>
+              <p:cNvPr id="39" name="TextBox 38">
+                <a:extLst>
+                  <a:ext uri="{FF2B5EF4-FFF2-40B4-BE49-F238E27FC236}">
+                    <a16:creationId xmlns:a16="http://schemas.microsoft.com/office/drawing/2014/main" id="{3A864FC9-2EB5-A9B2-C990-5D75E815353C}"/>
+                  </a:ext>
+                </a:extLst>
+              </p:cNvPr>
+              <p:cNvSpPr txBox="1"/>
+              <p:nvPr/>
+            </p:nvSpPr>
+            <p:spPr>
+              <a:xfrm>
+                <a:off x="3167833" y="2175066"/>
+                <a:ext cx="1434752" cy="369332"/>
+              </a:xfrm>
+              <a:prstGeom prst="rect">
+                <a:avLst/>
+              </a:prstGeom>
+              <a:noFill/>
+            </p:spPr>
+            <p:txBody>
+              <a:bodyPr wrap="none" rtlCol="0">
+                <a:spAutoFit/>
+              </a:bodyPr>
+              <a:lstStyle/>
+              <a:p>
+                <a:pPr/>
+                <a14:m>
+                  <m:oMathPara xmlns:m="http://schemas.openxmlformats.org/officeDocument/2006/math">
+                    <m:oMathParaPr>
+                      <m:jc m:val="centerGroup"/>
+                    </m:oMathParaPr>
+                    <m:oMath xmlns:m="http://schemas.openxmlformats.org/officeDocument/2006/math">
+                      <m:sSup>
+                        <m:sSupPr>
+                          <m:ctrlPr>
+                            <a:rPr lang="en-US" b="0" i="1" smtClean="0">
+                              <a:solidFill>
+                                <a:schemeClr val="accent1"/>
+                              </a:solidFill>
+                              <a:latin typeface="Cambria Math" panose="02040503050406030204" pitchFamily="18" charset="0"/>
+                            </a:rPr>
+                          </m:ctrlPr>
+                        </m:sSupPr>
+                        <m:e>
+                          <m:r>
+                            <a:rPr lang="en-US" b="0" i="1" smtClean="0">
+                              <a:solidFill>
+                                <a:schemeClr val="accent1"/>
+                              </a:solidFill>
+                              <a:latin typeface="Cambria Math" panose="02040503050406030204" pitchFamily="18" charset="0"/>
+                            </a:rPr>
+                            <m:t>𝑥</m:t>
+                          </m:r>
+                        </m:e>
+                        <m:sup>
+                          <m:r>
+                            <a:rPr lang="en-US" b="0" i="1" smtClean="0">
+                              <a:solidFill>
+                                <a:schemeClr val="accent1"/>
+                              </a:solidFill>
+                              <a:latin typeface="Cambria Math" panose="02040503050406030204" pitchFamily="18" charset="0"/>
+                            </a:rPr>
+                            <m:t>2</m:t>
+                          </m:r>
+                        </m:sup>
+                      </m:sSup>
+                      <m:r>
+                        <a:rPr lang="en-US" b="0" i="1" smtClean="0">
+                          <a:solidFill>
+                            <a:schemeClr val="accent1"/>
+                          </a:solidFill>
+                          <a:latin typeface="Cambria Math" panose="02040503050406030204" pitchFamily="18" charset="0"/>
+                        </a:rPr>
+                        <m:t>+</m:t>
+                      </m:r>
+                      <m:sSup>
+                        <m:sSupPr>
+                          <m:ctrlPr>
+                            <a:rPr lang="en-US" b="0" i="1" smtClean="0">
+                              <a:solidFill>
+                                <a:schemeClr val="accent1"/>
+                              </a:solidFill>
+                              <a:latin typeface="Cambria Math" panose="02040503050406030204" pitchFamily="18" charset="0"/>
+                            </a:rPr>
+                          </m:ctrlPr>
+                        </m:sSupPr>
+                        <m:e>
+                          <m:r>
+                            <a:rPr lang="en-US" b="0" i="1" smtClean="0">
+                              <a:solidFill>
+                                <a:schemeClr val="accent1"/>
+                              </a:solidFill>
+                              <a:latin typeface="Cambria Math" panose="02040503050406030204" pitchFamily="18" charset="0"/>
+                            </a:rPr>
+                            <m:t>𝑦</m:t>
+                          </m:r>
+                        </m:e>
+                        <m:sup>
+                          <m:r>
+                            <a:rPr lang="en-US" b="0" i="1" smtClean="0">
+                              <a:solidFill>
+                                <a:schemeClr val="accent1"/>
+                              </a:solidFill>
+                              <a:latin typeface="Cambria Math" panose="02040503050406030204" pitchFamily="18" charset="0"/>
+                            </a:rPr>
+                            <m:t>2</m:t>
+                          </m:r>
+                        </m:sup>
+                      </m:sSup>
+                      <m:r>
+                        <a:rPr lang="en-US" b="0" i="1" smtClean="0">
+                          <a:solidFill>
+                            <a:schemeClr val="accent1"/>
+                          </a:solidFill>
+                          <a:latin typeface="Cambria Math" panose="02040503050406030204" pitchFamily="18" charset="0"/>
+                        </a:rPr>
+                        <m:t>=1</m:t>
+                      </m:r>
+                    </m:oMath>
+                  </m:oMathPara>
+                </a14:m>
+                <a:endParaRPr lang="en-US" dirty="0">
+                  <a:solidFill>
+                    <a:schemeClr val="accent1"/>
+                  </a:solidFill>
+                </a:endParaRPr>
+              </a:p>
+            </p:txBody>
+          </p:sp>
+        </mc:Choice>
+        <mc:Fallback>
+          <p:sp>
+            <p:nvSpPr>
+              <p:cNvPr id="39" name="TextBox 38">
+                <a:extLst>
+                  <a:ext uri="{FF2B5EF4-FFF2-40B4-BE49-F238E27FC236}">
+                    <a16:creationId xmlns:a16="http://schemas.microsoft.com/office/drawing/2014/main" id="{3A864FC9-2EB5-A9B2-C990-5D75E815353C}"/>
+                  </a:ext>
+                </a:extLst>
+              </p:cNvPr>
+              <p:cNvSpPr txBox="1">
+                <a:spLocks noRot="1" noChangeAspect="1" noMove="1" noResize="1" noEditPoints="1" noAdjustHandles="1" noChangeArrowheads="1" noChangeShapeType="1" noTextEdit="1"/>
+              </p:cNvSpPr>
+              <p:nvPr/>
+            </p:nvSpPr>
+            <p:spPr>
+              <a:xfrm>
+                <a:off x="3167833" y="2175066"/>
+                <a:ext cx="1434752" cy="369332"/>
+              </a:xfrm>
+              <a:prstGeom prst="rect">
+                <a:avLst/>
+              </a:prstGeom>
+              <a:blipFill>
+                <a:blip r:embed="rId9"/>
+                <a:stretch>
+                  <a:fillRect b="-6667"/>
+                </a:stretch>
+              </a:blipFill>
+            </p:spPr>
+            <p:txBody>
+              <a:bodyPr/>
+              <a:lstStyle/>
+              <a:p>
+                <a:r>
+                  <a:rPr lang="en-US">
+                    <a:noFill/>
+                  </a:rPr>
+                  <a:t> </a:t>
+                </a:r>
+              </a:p>
+            </p:txBody>
+          </p:sp>
+        </mc:Fallback>
+      </mc:AlternateContent>
+      <p:grpSp>
+        <p:nvGrpSpPr>
+          <p:cNvPr id="42" name="Group 41">
+            <a:extLst>
+              <a:ext uri="{FF2B5EF4-FFF2-40B4-BE49-F238E27FC236}">
+                <a16:creationId xmlns:a16="http://schemas.microsoft.com/office/drawing/2014/main" id="{D4B8C811-F352-857F-BB16-9E627C673041}"/>
+              </a:ext>
+            </a:extLst>
+          </p:cNvPr>
+          <p:cNvGrpSpPr/>
+          <p:nvPr/>
+        </p:nvGrpSpPr>
+        <p:grpSpPr>
+          <a:xfrm>
+            <a:off x="5699828" y="2430559"/>
+            <a:ext cx="1301211" cy="1301211"/>
+            <a:chOff x="5699828" y="2430559"/>
+            <a:chExt cx="1301211" cy="1301211"/>
+          </a:xfrm>
+        </p:grpSpPr>
+        <p:sp>
+          <p:nvSpPr>
+            <p:cNvPr id="20" name="Oval 19">
+              <a:extLst>
+                <a:ext uri="{FF2B5EF4-FFF2-40B4-BE49-F238E27FC236}">
+                  <a16:creationId xmlns:a16="http://schemas.microsoft.com/office/drawing/2014/main" id="{9ED7D993-6FA0-5526-22AB-AEA8D48382B1}"/>
+                </a:ext>
+              </a:extLst>
+            </p:cNvPr>
+            <p:cNvSpPr/>
+            <p:nvPr/>
+          </p:nvSpPr>
+          <p:spPr>
+            <a:xfrm>
+              <a:off x="5699828" y="2430559"/>
+              <a:ext cx="82011" cy="82011"/>
+            </a:xfrm>
+            <a:prstGeom prst="ellipse">
+              <a:avLst/>
+            </a:prstGeom>
+            <a:solidFill>
+              <a:srgbClr val="7030A0"/>
+            </a:solidFill>
+          </p:spPr>
+          <p:style>
+            <a:lnRef idx="2">
+              <a:schemeClr val="accent2">
+                <a:shade val="15000"/>
+              </a:schemeClr>
+            </a:lnRef>
+            <a:fillRef idx="1">
+              <a:schemeClr val="accent2"/>
+            </a:fillRef>
+            <a:effectRef idx="0">
+              <a:schemeClr val="accent2"/>
+            </a:effectRef>
+            <a:fontRef idx="minor">
+              <a:schemeClr val="lt1"/>
+            </a:fontRef>
+          </p:style>
+          <p:txBody>
+            <a:bodyPr rtlCol="0" anchor="ctr"/>
+            <a:lstStyle/>
+            <a:p>
+              <a:pPr algn="ctr"/>
+              <a:endParaRPr lang="en-US"/>
+            </a:p>
+          </p:txBody>
+        </p:sp>
+        <p:sp>
+          <p:nvSpPr>
+            <p:cNvPr id="21" name="Oval 20">
+              <a:extLst>
+                <a:ext uri="{FF2B5EF4-FFF2-40B4-BE49-F238E27FC236}">
+                  <a16:creationId xmlns:a16="http://schemas.microsoft.com/office/drawing/2014/main" id="{E1E971D3-5D3F-CDD8-9068-790A1D9405C1}"/>
+                </a:ext>
+              </a:extLst>
+            </p:cNvPr>
+            <p:cNvSpPr/>
+            <p:nvPr/>
+          </p:nvSpPr>
+          <p:spPr>
+            <a:xfrm>
+              <a:off x="5852228" y="2582959"/>
+              <a:ext cx="82011" cy="82011"/>
+            </a:xfrm>
+            <a:prstGeom prst="ellipse">
+              <a:avLst/>
+            </a:prstGeom>
+            <a:solidFill>
+              <a:srgbClr val="7030A0"/>
+            </a:solidFill>
+          </p:spPr>
+          <p:style>
+            <a:lnRef idx="2">
+              <a:schemeClr val="accent2">
+                <a:shade val="15000"/>
+              </a:schemeClr>
+            </a:lnRef>
+            <a:fillRef idx="1">
+              <a:schemeClr val="accent2"/>
+            </a:fillRef>
+            <a:effectRef idx="0">
+              <a:schemeClr val="accent2"/>
+            </a:effectRef>
+            <a:fontRef idx="minor">
+              <a:schemeClr val="lt1"/>
+            </a:fontRef>
+          </p:style>
+          <p:txBody>
+            <a:bodyPr rtlCol="0" anchor="ctr"/>
+            <a:lstStyle/>
+            <a:p>
+              <a:pPr algn="ctr"/>
+              <a:endParaRPr lang="en-US"/>
+            </a:p>
+          </p:txBody>
+        </p:sp>
+        <p:sp>
+          <p:nvSpPr>
+            <p:cNvPr id="22" name="Oval 21">
+              <a:extLst>
+                <a:ext uri="{FF2B5EF4-FFF2-40B4-BE49-F238E27FC236}">
+                  <a16:creationId xmlns:a16="http://schemas.microsoft.com/office/drawing/2014/main" id="{10900F2D-1461-308B-6605-132F0492A3B5}"/>
+                </a:ext>
+              </a:extLst>
+            </p:cNvPr>
+            <p:cNvSpPr/>
+            <p:nvPr/>
+          </p:nvSpPr>
+          <p:spPr>
+            <a:xfrm>
+              <a:off x="6004628" y="2735359"/>
+              <a:ext cx="82011" cy="82011"/>
+            </a:xfrm>
+            <a:prstGeom prst="ellipse">
+              <a:avLst/>
+            </a:prstGeom>
+            <a:solidFill>
+              <a:srgbClr val="7030A0"/>
+            </a:solidFill>
+          </p:spPr>
+          <p:style>
+            <a:lnRef idx="2">
+              <a:schemeClr val="accent2">
+                <a:shade val="15000"/>
+              </a:schemeClr>
+            </a:lnRef>
+            <a:fillRef idx="1">
+              <a:schemeClr val="accent2"/>
+            </a:fillRef>
+            <a:effectRef idx="0">
+              <a:schemeClr val="accent2"/>
+            </a:effectRef>
+            <a:fontRef idx="minor">
+              <a:schemeClr val="lt1"/>
+            </a:fontRef>
+          </p:style>
+          <p:txBody>
+            <a:bodyPr rtlCol="0" anchor="ctr"/>
+            <a:lstStyle/>
+            <a:p>
+              <a:pPr algn="ctr"/>
+              <a:endParaRPr lang="en-US"/>
+            </a:p>
+          </p:txBody>
+        </p:sp>
+        <p:sp>
+          <p:nvSpPr>
+            <p:cNvPr id="23" name="Oval 22">
+              <a:extLst>
+                <a:ext uri="{FF2B5EF4-FFF2-40B4-BE49-F238E27FC236}">
+                  <a16:creationId xmlns:a16="http://schemas.microsoft.com/office/drawing/2014/main" id="{BD7A184B-34B6-8B0D-067C-919ABFF0CABC}"/>
+                </a:ext>
+              </a:extLst>
+            </p:cNvPr>
+            <p:cNvSpPr/>
+            <p:nvPr/>
+          </p:nvSpPr>
+          <p:spPr>
+            <a:xfrm>
+              <a:off x="6157028" y="2887759"/>
+              <a:ext cx="82011" cy="82011"/>
+            </a:xfrm>
+            <a:prstGeom prst="ellipse">
+              <a:avLst/>
+            </a:prstGeom>
+            <a:solidFill>
+              <a:srgbClr val="7030A0"/>
+            </a:solidFill>
+          </p:spPr>
+          <p:style>
+            <a:lnRef idx="2">
+              <a:schemeClr val="accent2">
+                <a:shade val="15000"/>
+              </a:schemeClr>
+            </a:lnRef>
+            <a:fillRef idx="1">
+              <a:schemeClr val="accent2"/>
+            </a:fillRef>
+            <a:effectRef idx="0">
+              <a:schemeClr val="accent2"/>
+            </a:effectRef>
+            <a:fontRef idx="minor">
+              <a:schemeClr val="lt1"/>
+            </a:fontRef>
+          </p:style>
+          <p:txBody>
+            <a:bodyPr rtlCol="0" anchor="ctr"/>
+            <a:lstStyle/>
+            <a:p>
+              <a:pPr algn="ctr"/>
+              <a:endParaRPr lang="en-US"/>
+            </a:p>
+          </p:txBody>
+        </p:sp>
+        <p:sp>
+          <p:nvSpPr>
+            <p:cNvPr id="24" name="Oval 23">
+              <a:extLst>
+                <a:ext uri="{FF2B5EF4-FFF2-40B4-BE49-F238E27FC236}">
+                  <a16:creationId xmlns:a16="http://schemas.microsoft.com/office/drawing/2014/main" id="{14A1DE30-DCF0-4AE6-ED22-F60E8D65458E}"/>
+                </a:ext>
+              </a:extLst>
+            </p:cNvPr>
+            <p:cNvSpPr/>
+            <p:nvPr/>
+          </p:nvSpPr>
+          <p:spPr>
+            <a:xfrm>
+              <a:off x="6309428" y="3040159"/>
+              <a:ext cx="82011" cy="82011"/>
+            </a:xfrm>
+            <a:prstGeom prst="ellipse">
+              <a:avLst/>
+            </a:prstGeom>
+            <a:solidFill>
+              <a:srgbClr val="7030A0"/>
+            </a:solidFill>
+          </p:spPr>
+          <p:style>
+            <a:lnRef idx="2">
+              <a:schemeClr val="accent2">
+                <a:shade val="15000"/>
+              </a:schemeClr>
+            </a:lnRef>
+            <a:fillRef idx="1">
+              <a:schemeClr val="accent2"/>
+            </a:fillRef>
+            <a:effectRef idx="0">
+              <a:schemeClr val="accent2"/>
+            </a:effectRef>
+            <a:fontRef idx="minor">
+              <a:schemeClr val="lt1"/>
+            </a:fontRef>
+          </p:style>
+          <p:txBody>
+            <a:bodyPr rtlCol="0" anchor="ctr"/>
+            <a:lstStyle/>
+            <a:p>
+              <a:pPr algn="ctr"/>
+              <a:endParaRPr lang="en-US"/>
+            </a:p>
+          </p:txBody>
+        </p:sp>
+        <p:sp>
+          <p:nvSpPr>
+            <p:cNvPr id="25" name="Oval 24">
+              <a:extLst>
+                <a:ext uri="{FF2B5EF4-FFF2-40B4-BE49-F238E27FC236}">
+                  <a16:creationId xmlns:a16="http://schemas.microsoft.com/office/drawing/2014/main" id="{4B4D8A86-5C9D-8A9E-BEB8-1991630E6097}"/>
+                </a:ext>
+              </a:extLst>
+            </p:cNvPr>
+            <p:cNvSpPr/>
+            <p:nvPr/>
+          </p:nvSpPr>
+          <p:spPr>
+            <a:xfrm>
+              <a:off x="6461828" y="3192559"/>
+              <a:ext cx="82011" cy="82011"/>
+            </a:xfrm>
+            <a:prstGeom prst="ellipse">
+              <a:avLst/>
+            </a:prstGeom>
+            <a:solidFill>
+              <a:srgbClr val="7030A0"/>
+            </a:solidFill>
+          </p:spPr>
+          <p:style>
+            <a:lnRef idx="2">
+              <a:schemeClr val="accent2">
+                <a:shade val="15000"/>
+              </a:schemeClr>
+            </a:lnRef>
+            <a:fillRef idx="1">
+              <a:schemeClr val="accent2"/>
+            </a:fillRef>
+            <a:effectRef idx="0">
+              <a:schemeClr val="accent2"/>
+            </a:effectRef>
+            <a:fontRef idx="minor">
+              <a:schemeClr val="lt1"/>
+            </a:fontRef>
+          </p:style>
+          <p:txBody>
+            <a:bodyPr rtlCol="0" anchor="ctr"/>
+            <a:lstStyle/>
+            <a:p>
+              <a:pPr algn="ctr"/>
+              <a:endParaRPr lang="en-US"/>
+            </a:p>
+          </p:txBody>
+        </p:sp>
+        <p:sp>
+          <p:nvSpPr>
+            <p:cNvPr id="26" name="Oval 25">
+              <a:extLst>
+                <a:ext uri="{FF2B5EF4-FFF2-40B4-BE49-F238E27FC236}">
+                  <a16:creationId xmlns:a16="http://schemas.microsoft.com/office/drawing/2014/main" id="{0F6C721D-ECD5-F53A-6E74-69511DB65D3E}"/>
+                </a:ext>
+              </a:extLst>
+            </p:cNvPr>
+            <p:cNvSpPr/>
+            <p:nvPr/>
+          </p:nvSpPr>
+          <p:spPr>
+            <a:xfrm>
+              <a:off x="6614228" y="3344959"/>
+              <a:ext cx="82011" cy="82011"/>
+            </a:xfrm>
+            <a:prstGeom prst="ellipse">
+              <a:avLst/>
+            </a:prstGeom>
+            <a:solidFill>
+              <a:srgbClr val="7030A0"/>
+            </a:solidFill>
+          </p:spPr>
+          <p:style>
+            <a:lnRef idx="2">
+              <a:schemeClr val="accent2">
+                <a:shade val="15000"/>
+              </a:schemeClr>
+            </a:lnRef>
+            <a:fillRef idx="1">
+              <a:schemeClr val="accent2"/>
+            </a:fillRef>
+            <a:effectRef idx="0">
+              <a:schemeClr val="accent2"/>
+            </a:effectRef>
+            <a:fontRef idx="minor">
+              <a:schemeClr val="lt1"/>
+            </a:fontRef>
+          </p:style>
+          <p:txBody>
+            <a:bodyPr rtlCol="0" anchor="ctr"/>
+            <a:lstStyle/>
+            <a:p>
+              <a:pPr algn="ctr"/>
+              <a:endParaRPr lang="en-US"/>
+            </a:p>
+          </p:txBody>
+        </p:sp>
+        <p:sp>
+          <p:nvSpPr>
+            <p:cNvPr id="27" name="Oval 26">
+              <a:extLst>
+                <a:ext uri="{FF2B5EF4-FFF2-40B4-BE49-F238E27FC236}">
+                  <a16:creationId xmlns:a16="http://schemas.microsoft.com/office/drawing/2014/main" id="{04CA00F5-E33A-5956-8862-9A0C0F18389C}"/>
+                </a:ext>
+              </a:extLst>
+            </p:cNvPr>
+            <p:cNvSpPr/>
+            <p:nvPr/>
+          </p:nvSpPr>
+          <p:spPr>
+            <a:xfrm>
+              <a:off x="6766628" y="3497359"/>
+              <a:ext cx="82011" cy="82011"/>
+            </a:xfrm>
+            <a:prstGeom prst="ellipse">
+              <a:avLst/>
+            </a:prstGeom>
+            <a:solidFill>
+              <a:srgbClr val="7030A0"/>
+            </a:solidFill>
+          </p:spPr>
+          <p:style>
+            <a:lnRef idx="2">
+              <a:schemeClr val="accent2">
+                <a:shade val="15000"/>
+              </a:schemeClr>
+            </a:lnRef>
+            <a:fillRef idx="1">
+              <a:schemeClr val="accent2"/>
+            </a:fillRef>
+            <a:effectRef idx="0">
+              <a:schemeClr val="accent2"/>
+            </a:effectRef>
+            <a:fontRef idx="minor">
+              <a:schemeClr val="lt1"/>
+            </a:fontRef>
+          </p:style>
+          <p:txBody>
+            <a:bodyPr rtlCol="0" anchor="ctr"/>
+            <a:lstStyle/>
+            <a:p>
+              <a:pPr algn="ctr"/>
+              <a:endParaRPr lang="en-US"/>
+            </a:p>
+          </p:txBody>
+        </p:sp>
+        <p:sp>
+          <p:nvSpPr>
+            <p:cNvPr id="28" name="Oval 27">
+              <a:extLst>
+                <a:ext uri="{FF2B5EF4-FFF2-40B4-BE49-F238E27FC236}">
+                  <a16:creationId xmlns:a16="http://schemas.microsoft.com/office/drawing/2014/main" id="{B7E0D864-EA70-C3DE-DF13-E49DACF570B4}"/>
+                </a:ext>
+              </a:extLst>
+            </p:cNvPr>
+            <p:cNvSpPr/>
+            <p:nvPr/>
+          </p:nvSpPr>
+          <p:spPr>
+            <a:xfrm>
+              <a:off x="6919028" y="3649759"/>
+              <a:ext cx="82011" cy="82011"/>
+            </a:xfrm>
+            <a:prstGeom prst="ellipse">
+              <a:avLst/>
+            </a:prstGeom>
+            <a:solidFill>
+              <a:srgbClr val="7030A0"/>
+            </a:solidFill>
+          </p:spPr>
+          <p:style>
+            <a:lnRef idx="2">
+              <a:schemeClr val="accent2">
+                <a:shade val="15000"/>
+              </a:schemeClr>
+            </a:lnRef>
+            <a:fillRef idx="1">
+              <a:schemeClr val="accent2"/>
+            </a:fillRef>
+            <a:effectRef idx="0">
+              <a:schemeClr val="accent2"/>
+            </a:effectRef>
+            <a:fontRef idx="minor">
+              <a:schemeClr val="lt1"/>
+            </a:fontRef>
+          </p:style>
+          <p:txBody>
+            <a:bodyPr rtlCol="0" anchor="ctr"/>
+            <a:lstStyle/>
+            <a:p>
+              <a:pPr algn="ctr"/>
+              <a:endParaRPr lang="en-US"/>
+            </a:p>
+          </p:txBody>
+        </p:sp>
+        <p:sp>
+          <p:nvSpPr>
+            <p:cNvPr id="29" name="Oval 28">
+              <a:extLst>
+                <a:ext uri="{FF2B5EF4-FFF2-40B4-BE49-F238E27FC236}">
+                  <a16:creationId xmlns:a16="http://schemas.microsoft.com/office/drawing/2014/main" id="{107D533E-0779-C9AD-57E6-A78B90AB8C8B}"/>
+                </a:ext>
+              </a:extLst>
+            </p:cNvPr>
+            <p:cNvSpPr/>
+            <p:nvPr/>
+          </p:nvSpPr>
+          <p:spPr>
+            <a:xfrm>
+              <a:off x="6033203" y="2563909"/>
+              <a:ext cx="82011" cy="82011"/>
+            </a:xfrm>
+            <a:prstGeom prst="ellipse">
+              <a:avLst/>
+            </a:prstGeom>
+            <a:solidFill>
+              <a:srgbClr val="7030A0"/>
+            </a:solidFill>
+          </p:spPr>
+          <p:style>
+            <a:lnRef idx="2">
+              <a:schemeClr val="accent2">
+                <a:shade val="15000"/>
+              </a:schemeClr>
+            </a:lnRef>
+            <a:fillRef idx="1">
+              <a:schemeClr val="accent2"/>
+            </a:fillRef>
+            <a:effectRef idx="0">
+              <a:schemeClr val="accent2"/>
+            </a:effectRef>
+            <a:fontRef idx="minor">
+              <a:schemeClr val="lt1"/>
+            </a:fontRef>
+          </p:style>
+          <p:txBody>
+            <a:bodyPr rtlCol="0" anchor="ctr"/>
+            <a:lstStyle/>
+            <a:p>
+              <a:pPr algn="ctr"/>
+              <a:endParaRPr lang="en-US"/>
+            </a:p>
+          </p:txBody>
+        </p:sp>
+        <p:sp>
+          <p:nvSpPr>
+            <p:cNvPr id="36" name="Oval 35">
+              <a:extLst>
+                <a:ext uri="{FF2B5EF4-FFF2-40B4-BE49-F238E27FC236}">
+                  <a16:creationId xmlns:a16="http://schemas.microsoft.com/office/drawing/2014/main" id="{F825DC45-EE71-8F46-63C2-698550973923}"/>
+                </a:ext>
+              </a:extLst>
+            </p:cNvPr>
+            <p:cNvSpPr/>
+            <p:nvPr/>
+          </p:nvSpPr>
+          <p:spPr>
+            <a:xfrm>
+              <a:off x="6185603" y="2716309"/>
+              <a:ext cx="82011" cy="82011"/>
+            </a:xfrm>
+            <a:prstGeom prst="ellipse">
+              <a:avLst/>
+            </a:prstGeom>
+            <a:solidFill>
+              <a:srgbClr val="7030A0"/>
+            </a:solidFill>
+          </p:spPr>
+          <p:style>
+            <a:lnRef idx="2">
+              <a:schemeClr val="accent2">
+                <a:shade val="15000"/>
+              </a:schemeClr>
+            </a:lnRef>
+            <a:fillRef idx="1">
+              <a:schemeClr val="accent2"/>
+            </a:fillRef>
+            <a:effectRef idx="0">
+              <a:schemeClr val="accent2"/>
+            </a:effectRef>
+            <a:fontRef idx="minor">
+              <a:schemeClr val="lt1"/>
+            </a:fontRef>
+          </p:style>
+          <p:txBody>
+            <a:bodyPr rtlCol="0" anchor="ctr"/>
+            <a:lstStyle/>
+            <a:p>
+              <a:pPr algn="ctr"/>
+              <a:endParaRPr lang="en-US"/>
+            </a:p>
+          </p:txBody>
+        </p:sp>
+        <p:sp>
+          <p:nvSpPr>
+            <p:cNvPr id="37" name="Oval 36">
+              <a:extLst>
+                <a:ext uri="{FF2B5EF4-FFF2-40B4-BE49-F238E27FC236}">
+                  <a16:creationId xmlns:a16="http://schemas.microsoft.com/office/drawing/2014/main" id="{847C56BE-39D8-E99B-D811-B456CD0CEA76}"/>
+                </a:ext>
+              </a:extLst>
+            </p:cNvPr>
+            <p:cNvSpPr/>
+            <p:nvPr/>
+          </p:nvSpPr>
+          <p:spPr>
+            <a:xfrm>
+              <a:off x="6338003" y="2868709"/>
+              <a:ext cx="82011" cy="82011"/>
+            </a:xfrm>
+            <a:prstGeom prst="ellipse">
+              <a:avLst/>
+            </a:prstGeom>
+            <a:solidFill>
+              <a:srgbClr val="7030A0"/>
+            </a:solidFill>
+          </p:spPr>
+          <p:style>
+            <a:lnRef idx="2">
+              <a:schemeClr val="accent2">
+                <a:shade val="15000"/>
+              </a:schemeClr>
+            </a:lnRef>
+            <a:fillRef idx="1">
+              <a:schemeClr val="accent2"/>
+            </a:fillRef>
+            <a:effectRef idx="0">
+              <a:schemeClr val="accent2"/>
+            </a:effectRef>
+            <a:fontRef idx="minor">
+              <a:schemeClr val="lt1"/>
+            </a:fontRef>
+          </p:style>
+          <p:txBody>
+            <a:bodyPr rtlCol="0" anchor="ctr"/>
+            <a:lstStyle/>
+            <a:p>
+              <a:pPr algn="ctr"/>
+              <a:endParaRPr lang="en-US"/>
+            </a:p>
+          </p:txBody>
+        </p:sp>
+        <p:sp>
+          <p:nvSpPr>
+            <p:cNvPr id="38" name="Oval 37">
+              <a:extLst>
+                <a:ext uri="{FF2B5EF4-FFF2-40B4-BE49-F238E27FC236}">
+                  <a16:creationId xmlns:a16="http://schemas.microsoft.com/office/drawing/2014/main" id="{56F592CE-624E-1F21-BE22-E28A366F57B8}"/>
+                </a:ext>
+              </a:extLst>
+            </p:cNvPr>
+            <p:cNvSpPr/>
+            <p:nvPr/>
+          </p:nvSpPr>
+          <p:spPr>
+            <a:xfrm>
+              <a:off x="6490403" y="3021109"/>
+              <a:ext cx="82011" cy="82011"/>
+            </a:xfrm>
+            <a:prstGeom prst="ellipse">
+              <a:avLst/>
+            </a:prstGeom>
+            <a:solidFill>
+              <a:srgbClr val="7030A0"/>
+            </a:solidFill>
+          </p:spPr>
+          <p:style>
+            <a:lnRef idx="2">
+              <a:schemeClr val="accent2">
+                <a:shade val="15000"/>
+              </a:schemeClr>
+            </a:lnRef>
+            <a:fillRef idx="1">
+              <a:schemeClr val="accent2"/>
+            </a:fillRef>
+            <a:effectRef idx="0">
+              <a:schemeClr val="accent2"/>
+            </a:effectRef>
+            <a:fontRef idx="minor">
+              <a:schemeClr val="lt1"/>
+            </a:fontRef>
+          </p:style>
+          <p:txBody>
+            <a:bodyPr rtlCol="0" anchor="ctr"/>
+            <a:lstStyle/>
+            <a:p>
+              <a:pPr algn="ctr"/>
+              <a:endParaRPr lang="en-US"/>
+            </a:p>
+          </p:txBody>
+        </p:sp>
+        <p:sp>
+          <p:nvSpPr>
+            <p:cNvPr id="40" name="Oval 39">
+              <a:extLst>
+                <a:ext uri="{FF2B5EF4-FFF2-40B4-BE49-F238E27FC236}">
+                  <a16:creationId xmlns:a16="http://schemas.microsoft.com/office/drawing/2014/main" id="{9E92F796-0648-68C8-D6D8-184A17D56045}"/>
+                </a:ext>
+              </a:extLst>
+            </p:cNvPr>
+            <p:cNvSpPr/>
+            <p:nvPr/>
+          </p:nvSpPr>
+          <p:spPr>
+            <a:xfrm>
+              <a:off x="6642803" y="3173509"/>
+              <a:ext cx="82011" cy="82011"/>
+            </a:xfrm>
+            <a:prstGeom prst="ellipse">
+              <a:avLst/>
+            </a:prstGeom>
+            <a:solidFill>
+              <a:srgbClr val="7030A0"/>
+            </a:solidFill>
+          </p:spPr>
+          <p:style>
+            <a:lnRef idx="2">
+              <a:schemeClr val="accent2">
+                <a:shade val="15000"/>
+              </a:schemeClr>
+            </a:lnRef>
+            <a:fillRef idx="1">
+              <a:schemeClr val="accent2"/>
+            </a:fillRef>
+            <a:effectRef idx="0">
+              <a:schemeClr val="accent2"/>
+            </a:effectRef>
+            <a:fontRef idx="minor">
+              <a:schemeClr val="lt1"/>
+            </a:fontRef>
+          </p:style>
+          <p:txBody>
+            <a:bodyPr rtlCol="0" anchor="ctr"/>
+            <a:lstStyle/>
+            <a:p>
+              <a:pPr algn="ctr"/>
+              <a:endParaRPr lang="en-US"/>
+            </a:p>
+          </p:txBody>
+        </p:sp>
+        <p:sp>
+          <p:nvSpPr>
+            <p:cNvPr id="41" name="Oval 40">
+              <a:extLst>
+                <a:ext uri="{FF2B5EF4-FFF2-40B4-BE49-F238E27FC236}">
+                  <a16:creationId xmlns:a16="http://schemas.microsoft.com/office/drawing/2014/main" id="{1925FF10-2ED4-1002-6097-6362B9C2A928}"/>
+                </a:ext>
+              </a:extLst>
+            </p:cNvPr>
+            <p:cNvSpPr/>
+            <p:nvPr/>
+          </p:nvSpPr>
+          <p:spPr>
+            <a:xfrm>
+              <a:off x="6795203" y="3325909"/>
+              <a:ext cx="82011" cy="82011"/>
+            </a:xfrm>
+            <a:prstGeom prst="ellipse">
+              <a:avLst/>
+            </a:prstGeom>
+            <a:solidFill>
+              <a:srgbClr val="7030A0"/>
+            </a:solidFill>
+          </p:spPr>
+          <p:style>
+            <a:lnRef idx="2">
+              <a:schemeClr val="accent2">
+                <a:shade val="15000"/>
+              </a:schemeClr>
+            </a:lnRef>
+            <a:fillRef idx="1">
+              <a:schemeClr val="accent2"/>
+            </a:fillRef>
+            <a:effectRef idx="0">
+              <a:schemeClr val="accent2"/>
+            </a:effectRef>
+            <a:fontRef idx="minor">
+              <a:schemeClr val="lt1"/>
+            </a:fontRef>
+          </p:style>
+          <p:txBody>
+            <a:bodyPr rtlCol="0" anchor="ctr"/>
+            <a:lstStyle/>
+            <a:p>
+              <a:pPr algn="ctr"/>
+              <a:endParaRPr lang="en-US"/>
+            </a:p>
+          </p:txBody>
+        </p:sp>
+      </p:grpSp>
+    </p:spTree>
+    <p:extLst>
+      <p:ext uri="{BB962C8B-B14F-4D97-AF65-F5344CB8AC3E}">
+        <p14:creationId xmlns:p14="http://schemas.microsoft.com/office/powerpoint/2010/main" val="2107191672"/>
+      </p:ext>
+    </p:extLst>
+  </p:cSld>
+  <p:clrMapOvr>
+    <a:masterClrMapping/>
+  </p:clrMapOvr>
+</p:sld>
+</file>
+
+<file path=ppt/slides/slide4.xml><?xml version="1.0" encoding="utf-8"?>
+<p:sld xmlns:a="http://schemas.openxmlformats.org/drawingml/2006/main" xmlns:r="http://schemas.openxmlformats.org/officeDocument/2006/relationships" xmlns:p="http://schemas.openxmlformats.org/presentationml/2006/main">
+  <p:cSld>
+    <p:spTree>
+      <p:nvGrpSpPr>
+        <p:cNvPr id="1" name=""/>
+        <p:cNvGrpSpPr/>
+        <p:nvPr/>
+      </p:nvGrpSpPr>
+      <p:grpSpPr>
+        <a:xfrm>
+          <a:off x="0" y="0"/>
+          <a:ext cx="0" cy="0"/>
+          <a:chOff x="0" y="0"/>
+          <a:chExt cx="0" cy="0"/>
+        </a:xfrm>
+      </p:grpSpPr>
+      <p:sp>
+        <p:nvSpPr>
+          <p:cNvPr id="4" name="Oval 3">
+            <a:extLst>
+              <a:ext uri="{FF2B5EF4-FFF2-40B4-BE49-F238E27FC236}">
+                <a16:creationId xmlns:a16="http://schemas.microsoft.com/office/drawing/2014/main" id="{3DA227D7-C60A-26DD-279C-B1E7D68ACBBA}"/>
+              </a:ext>
+            </a:extLst>
+          </p:cNvPr>
+          <p:cNvSpPr/>
+          <p:nvPr/>
+        </p:nvSpPr>
+        <p:spPr>
+          <a:xfrm>
+            <a:off x="3660375" y="2297745"/>
+            <a:ext cx="3419475" cy="3419475"/>
+          </a:xfrm>
+          <a:prstGeom prst="ellipse">
+            <a:avLst/>
+          </a:prstGeom>
+          <a:noFill/>
+          <a:ln w="19050">
+            <a:solidFill>
+              <a:schemeClr val="accent1"/>
+            </a:solidFill>
+          </a:ln>
+        </p:spPr>
+        <p:style>
+          <a:lnRef idx="2">
+            <a:schemeClr val="accent1">
+              <a:shade val="15000"/>
+            </a:schemeClr>
+          </a:lnRef>
+          <a:fillRef idx="1">
+            <a:schemeClr val="accent1"/>
+          </a:fillRef>
+          <a:effectRef idx="0">
+            <a:schemeClr val="accent1"/>
+          </a:effectRef>
+          <a:fontRef idx="minor">
+            <a:schemeClr val="lt1"/>
+          </a:fontRef>
+        </p:style>
+        <p:txBody>
+          <a:bodyPr rtlCol="0" anchor="ctr"/>
+          <a:lstStyle/>
+          <a:p>
+            <a:pPr algn="ctr"/>
+            <a:endParaRPr lang="en-US"/>
+          </a:p>
+        </p:txBody>
+      </p:sp>
+      <p:sp>
+        <p:nvSpPr>
+          <p:cNvPr id="5" name="Rectangle 4">
+            <a:extLst>
+              <a:ext uri="{FF2B5EF4-FFF2-40B4-BE49-F238E27FC236}">
+                <a16:creationId xmlns:a16="http://schemas.microsoft.com/office/drawing/2014/main" id="{54E146A4-7FAB-C7DC-E32D-4C2C8340D483}"/>
+              </a:ext>
+            </a:extLst>
+          </p:cNvPr>
+          <p:cNvSpPr/>
+          <p:nvPr/>
+        </p:nvSpPr>
+        <p:spPr>
+          <a:xfrm rot="2700000">
+            <a:off x="4165019" y="2796911"/>
+            <a:ext cx="2410185" cy="2410185"/>
+          </a:xfrm>
+          <a:prstGeom prst="rect">
+            <a:avLst/>
+          </a:prstGeom>
+          <a:noFill/>
+          <a:ln w="19050">
+            <a:solidFill>
+              <a:schemeClr val="tx1"/>
+            </a:solidFill>
+          </a:ln>
+        </p:spPr>
+        <p:style>
+          <a:lnRef idx="2">
+            <a:schemeClr val="accent1">
+              <a:shade val="15000"/>
+            </a:schemeClr>
+          </a:lnRef>
+          <a:fillRef idx="1">
+            <a:schemeClr val="accent1"/>
+          </a:fillRef>
+          <a:effectRef idx="0">
+            <a:schemeClr val="accent1"/>
+          </a:effectRef>
+          <a:fontRef idx="minor">
+            <a:schemeClr val="lt1"/>
+          </a:fontRef>
+        </p:style>
+        <p:txBody>
+          <a:bodyPr rtlCol="0" anchor="ctr"/>
+          <a:lstStyle/>
+          <a:p>
+            <a:pPr algn="ctr"/>
+            <a:endParaRPr lang="en-US"/>
+          </a:p>
+        </p:txBody>
+      </p:sp>
+      <p:cxnSp>
+        <p:nvCxnSpPr>
+          <p:cNvPr id="7" name="Straight Arrow Connector 6">
+            <a:extLst>
+              <a:ext uri="{FF2B5EF4-FFF2-40B4-BE49-F238E27FC236}">
+                <a16:creationId xmlns:a16="http://schemas.microsoft.com/office/drawing/2014/main" id="{6D4112FC-F0FA-5B4D-CBE3-91528C08F713}"/>
+              </a:ext>
+            </a:extLst>
+          </p:cNvPr>
+          <p:cNvCxnSpPr>
+            <a:cxnSpLocks/>
+          </p:cNvCxnSpPr>
+          <p:nvPr/>
+        </p:nvCxnSpPr>
+        <p:spPr>
+          <a:xfrm>
+            <a:off x="2995572" y="4000500"/>
+            <a:ext cx="4668358" cy="0"/>
+          </a:xfrm>
+          <a:prstGeom prst="straightConnector1">
+            <a:avLst/>
+          </a:prstGeom>
+          <a:ln w="12700">
+            <a:solidFill>
+              <a:schemeClr val="tx1"/>
+            </a:solidFill>
+            <a:tailEnd type="triangle"/>
+          </a:ln>
+        </p:spPr>
+        <p:style>
+          <a:lnRef idx="1">
+            <a:schemeClr val="accent1"/>
+          </a:lnRef>
+          <a:fillRef idx="0">
+            <a:schemeClr val="accent1"/>
+          </a:fillRef>
+          <a:effectRef idx="0">
+            <a:schemeClr val="accent1"/>
+          </a:effectRef>
+          <a:fontRef idx="minor">
+            <a:schemeClr val="tx1"/>
+          </a:fontRef>
+        </p:style>
+      </p:cxnSp>
+      <p:cxnSp>
+        <p:nvCxnSpPr>
+          <p:cNvPr id="8" name="Straight Arrow Connector 7">
+            <a:extLst>
+              <a:ext uri="{FF2B5EF4-FFF2-40B4-BE49-F238E27FC236}">
+                <a16:creationId xmlns:a16="http://schemas.microsoft.com/office/drawing/2014/main" id="{4D4D02E1-2F5B-9B95-71C1-3582299F2416}"/>
+              </a:ext>
+            </a:extLst>
+          </p:cNvPr>
+          <p:cNvCxnSpPr>
+            <a:cxnSpLocks/>
+          </p:cNvCxnSpPr>
+          <p:nvPr/>
+        </p:nvCxnSpPr>
+        <p:spPr>
+          <a:xfrm flipV="1">
+            <a:off x="5373311" y="1818665"/>
+            <a:ext cx="0" cy="4385569"/>
+          </a:xfrm>
+          <a:prstGeom prst="straightConnector1">
+            <a:avLst/>
+          </a:prstGeom>
+          <a:ln w="12700">
+            <a:solidFill>
+              <a:schemeClr val="tx1"/>
+            </a:solidFill>
+            <a:tailEnd type="triangle"/>
+          </a:ln>
+        </p:spPr>
+        <p:style>
+          <a:lnRef idx="1">
+            <a:schemeClr val="accent1"/>
+          </a:lnRef>
+          <a:fillRef idx="0">
+            <a:schemeClr val="accent1"/>
+          </a:fillRef>
+          <a:effectRef idx="0">
+            <a:schemeClr val="accent1"/>
+          </a:effectRef>
+          <a:fontRef idx="minor">
+            <a:schemeClr val="tx1"/>
+          </a:fontRef>
+        </p:style>
+      </p:cxnSp>
+      <p:sp>
+        <p:nvSpPr>
+          <p:cNvPr id="10" name="TextBox 9">
+            <a:extLst>
+              <a:ext uri="{FF2B5EF4-FFF2-40B4-BE49-F238E27FC236}">
+                <a16:creationId xmlns:a16="http://schemas.microsoft.com/office/drawing/2014/main" id="{611B3285-DA50-4EFA-B3CD-C452CD322D18}"/>
+              </a:ext>
+            </a:extLst>
+          </p:cNvPr>
+          <p:cNvSpPr txBox="1"/>
+          <p:nvPr/>
+        </p:nvSpPr>
+        <p:spPr>
+          <a:xfrm>
+            <a:off x="5311140" y="3968234"/>
+            <a:ext cx="632459" cy="369332"/>
+          </a:xfrm>
+          <a:prstGeom prst="rect">
+            <a:avLst/>
+          </a:prstGeom>
+          <a:noFill/>
+        </p:spPr>
+        <p:txBody>
+          <a:bodyPr wrap="square" rtlCol="0">
+            <a:spAutoFit/>
+          </a:bodyPr>
+          <a:lstStyle/>
+          <a:p>
+            <a:r>
+              <a:rPr lang="en-US" dirty="0"/>
+              <a:t>(0,0)</a:t>
+            </a:r>
+          </a:p>
+        </p:txBody>
+      </p:sp>
+      <p:sp>
+        <p:nvSpPr>
+          <p:cNvPr id="11" name="TextBox 10">
+            <a:extLst>
+              <a:ext uri="{FF2B5EF4-FFF2-40B4-BE49-F238E27FC236}">
+                <a16:creationId xmlns:a16="http://schemas.microsoft.com/office/drawing/2014/main" id="{21B20CB3-D8AF-4594-FD55-0146CBCB04BD}"/>
+              </a:ext>
+            </a:extLst>
+          </p:cNvPr>
+          <p:cNvSpPr txBox="1"/>
+          <p:nvPr/>
+        </p:nvSpPr>
+        <p:spPr>
+          <a:xfrm>
+            <a:off x="2995572" y="3968234"/>
+            <a:ext cx="745847" cy="369332"/>
+          </a:xfrm>
+          <a:prstGeom prst="rect">
+            <a:avLst/>
+          </a:prstGeom>
+          <a:noFill/>
+        </p:spPr>
+        <p:txBody>
+          <a:bodyPr wrap="square" rtlCol="0">
+            <a:spAutoFit/>
+          </a:bodyPr>
+          <a:lstStyle/>
+          <a:p>
+            <a:r>
+              <a:rPr lang="en-US" dirty="0"/>
+              <a:t>(-1,0)</a:t>
+            </a:r>
+          </a:p>
+        </p:txBody>
+      </p:sp>
+      <p:sp>
+        <p:nvSpPr>
+          <p:cNvPr id="12" name="TextBox 11">
+            <a:extLst>
+              <a:ext uri="{FF2B5EF4-FFF2-40B4-BE49-F238E27FC236}">
+                <a16:creationId xmlns:a16="http://schemas.microsoft.com/office/drawing/2014/main" id="{34C25464-7DF7-A005-C3C1-AD918C2D8407}"/>
+              </a:ext>
+            </a:extLst>
+          </p:cNvPr>
+          <p:cNvSpPr txBox="1"/>
+          <p:nvPr/>
+        </p:nvSpPr>
+        <p:spPr>
+          <a:xfrm>
+            <a:off x="7031471" y="3968234"/>
+            <a:ext cx="632459" cy="369332"/>
+          </a:xfrm>
+          <a:prstGeom prst="rect">
+            <a:avLst/>
+          </a:prstGeom>
+          <a:noFill/>
+        </p:spPr>
+        <p:txBody>
+          <a:bodyPr wrap="square" rtlCol="0">
+            <a:spAutoFit/>
+          </a:bodyPr>
+          <a:lstStyle/>
+          <a:p>
+            <a:r>
+              <a:rPr lang="en-US" dirty="0"/>
+              <a:t>(1,0)</a:t>
+            </a:r>
+          </a:p>
+        </p:txBody>
+      </p:sp>
+      <p:sp>
+        <p:nvSpPr>
+          <p:cNvPr id="13" name="TextBox 12">
+            <a:extLst>
+              <a:ext uri="{FF2B5EF4-FFF2-40B4-BE49-F238E27FC236}">
+                <a16:creationId xmlns:a16="http://schemas.microsoft.com/office/drawing/2014/main" id="{C81AC9A2-09BF-EA57-3E86-89DB4CC7A318}"/>
+              </a:ext>
+            </a:extLst>
+          </p:cNvPr>
+          <p:cNvSpPr txBox="1"/>
+          <p:nvPr/>
+        </p:nvSpPr>
+        <p:spPr>
+          <a:xfrm>
+            <a:off x="5291138" y="5670989"/>
+            <a:ext cx="705802" cy="369332"/>
+          </a:xfrm>
+          <a:prstGeom prst="rect">
+            <a:avLst/>
+          </a:prstGeom>
+          <a:noFill/>
+        </p:spPr>
+        <p:txBody>
+          <a:bodyPr wrap="square" rtlCol="0">
+            <a:spAutoFit/>
+          </a:bodyPr>
+          <a:lstStyle/>
+          <a:p>
+            <a:r>
+              <a:rPr lang="en-US" dirty="0"/>
+              <a:t>(0,-1)</a:t>
+            </a:r>
+          </a:p>
+        </p:txBody>
+      </p:sp>
+      <p:sp>
+        <p:nvSpPr>
+          <p:cNvPr id="14" name="TextBox 13">
+            <a:extLst>
+              <a:ext uri="{FF2B5EF4-FFF2-40B4-BE49-F238E27FC236}">
+                <a16:creationId xmlns:a16="http://schemas.microsoft.com/office/drawing/2014/main" id="{62352F70-E3D9-2D37-B984-9B8BF4DFE406}"/>
+              </a:ext>
+            </a:extLst>
+          </p:cNvPr>
+          <p:cNvSpPr txBox="1"/>
+          <p:nvPr/>
+        </p:nvSpPr>
+        <p:spPr>
+          <a:xfrm>
+            <a:off x="5291138" y="1948010"/>
+            <a:ext cx="632459" cy="369332"/>
+          </a:xfrm>
+          <a:prstGeom prst="rect">
+            <a:avLst/>
+          </a:prstGeom>
+          <a:noFill/>
+        </p:spPr>
+        <p:txBody>
+          <a:bodyPr wrap="square" rtlCol="0">
+            <a:spAutoFit/>
+          </a:bodyPr>
+          <a:lstStyle/>
+          <a:p>
+            <a:r>
+              <a:rPr lang="en-US" dirty="0"/>
+              <a:t>(0,1)</a:t>
+            </a:r>
+          </a:p>
+        </p:txBody>
+      </p:sp>
+      <p:sp>
+        <p:nvSpPr>
+          <p:cNvPr id="15" name="Partial Circle 14">
+            <a:extLst>
+              <a:ext uri="{FF2B5EF4-FFF2-40B4-BE49-F238E27FC236}">
+                <a16:creationId xmlns:a16="http://schemas.microsoft.com/office/drawing/2014/main" id="{C26662B3-98FE-F03B-FEB2-493377681500}"/>
+              </a:ext>
+            </a:extLst>
+          </p:cNvPr>
+          <p:cNvSpPr/>
+          <p:nvPr/>
+        </p:nvSpPr>
+        <p:spPr>
+          <a:xfrm flipH="1">
+            <a:off x="4781162" y="3437878"/>
+            <a:ext cx="1167317" cy="1127227"/>
+          </a:xfrm>
+          <a:prstGeom prst="pie">
+            <a:avLst>
+              <a:gd name="adj1" fmla="val 10800000"/>
+              <a:gd name="adj2" fmla="val 16200000"/>
+            </a:avLst>
+          </a:prstGeom>
+        </p:spPr>
+        <p:style>
+          <a:lnRef idx="2">
+            <a:schemeClr val="accent1">
+              <a:shade val="15000"/>
+            </a:schemeClr>
+          </a:lnRef>
+          <a:fillRef idx="1">
+            <a:schemeClr val="accent1"/>
+          </a:fillRef>
+          <a:effectRef idx="0">
+            <a:schemeClr val="accent1"/>
+          </a:effectRef>
+          <a:fontRef idx="minor">
+            <a:schemeClr val="lt1"/>
+          </a:fontRef>
+        </p:style>
+        <p:txBody>
+          <a:bodyPr rtlCol="0" anchor="ctr"/>
+          <a:lstStyle/>
+          <a:p>
+            <a:pPr algn="ctr"/>
+            <a:endParaRPr lang="en-US">
+              <a:solidFill>
+                <a:schemeClr val="tx1"/>
+              </a:solidFill>
+            </a:endParaRPr>
+          </a:p>
+        </p:txBody>
+      </p:sp>
+      <mc:AlternateContent xmlns:mc="http://schemas.openxmlformats.org/markup-compatibility/2006">
+        <mc:Choice xmlns:a14="http://schemas.microsoft.com/office/drawing/2010/main" Requires="a14">
+          <p:sp>
+            <p:nvSpPr>
+              <p:cNvPr id="16" name="TextBox 15">
+                <a:extLst>
+                  <a:ext uri="{FF2B5EF4-FFF2-40B4-BE49-F238E27FC236}">
+                    <a16:creationId xmlns:a16="http://schemas.microsoft.com/office/drawing/2014/main" id="{7ADE32A1-8B9E-DB24-2771-7E7709A10EA1}"/>
+                  </a:ext>
+                </a:extLst>
+              </p:cNvPr>
+              <p:cNvSpPr txBox="1"/>
+              <p:nvPr/>
+            </p:nvSpPr>
+            <p:spPr>
+              <a:xfrm>
+                <a:off x="5304702" y="3632172"/>
+                <a:ext cx="632459" cy="369332"/>
+              </a:xfrm>
+              <a:prstGeom prst="rect">
+                <a:avLst/>
+              </a:prstGeom>
+              <a:noFill/>
+            </p:spPr>
+            <p:txBody>
+              <a:bodyPr wrap="square" rtlCol="0">
+                <a:spAutoFit/>
+              </a:bodyPr>
+              <a:lstStyle/>
+              <a:p>
+                <a:pPr/>
+                <a14:m>
+                  <m:oMathPara xmlns:m="http://schemas.openxmlformats.org/officeDocument/2006/math">
+                    <m:oMathParaPr>
+                      <m:jc m:val="centerGroup"/>
+                    </m:oMathParaPr>
+                    <m:oMath xmlns:m="http://schemas.openxmlformats.org/officeDocument/2006/math">
+                      <m:r>
+                        <a:rPr lang="en-US" i="1" dirty="0" smtClean="0">
+                          <a:latin typeface="Cambria Math" panose="02040503050406030204" pitchFamily="18" charset="0"/>
+                        </a:rPr>
+                        <m:t>90</m:t>
+                      </m:r>
+                      <m:r>
+                        <a:rPr lang="en-US" i="1" dirty="0" smtClean="0">
+                          <a:latin typeface="Cambria Math" panose="02040503050406030204" pitchFamily="18" charset="0"/>
+                          <a:ea typeface="Cambria Math" panose="02040503050406030204" pitchFamily="18" charset="0"/>
+                        </a:rPr>
+                        <m:t>°</m:t>
+                      </m:r>
+                    </m:oMath>
+                  </m:oMathPara>
+                </a14:m>
+                <a:endParaRPr lang="en-US" dirty="0"/>
+              </a:p>
+            </p:txBody>
+          </p:sp>
+        </mc:Choice>
+        <mc:Fallback>
+          <p:sp>
+            <p:nvSpPr>
+              <p:cNvPr id="16" name="TextBox 15">
+                <a:extLst>
+                  <a:ext uri="{FF2B5EF4-FFF2-40B4-BE49-F238E27FC236}">
+                    <a16:creationId xmlns:a16="http://schemas.microsoft.com/office/drawing/2014/main" id="{7ADE32A1-8B9E-DB24-2771-7E7709A10EA1}"/>
+                  </a:ext>
+                </a:extLst>
+              </p:cNvPr>
+              <p:cNvSpPr txBox="1">
+                <a:spLocks noRot="1" noChangeAspect="1" noMove="1" noResize="1" noEditPoints="1" noAdjustHandles="1" noChangeArrowheads="1" noChangeShapeType="1" noTextEdit="1"/>
+              </p:cNvSpPr>
+              <p:nvPr/>
+            </p:nvSpPr>
+            <p:spPr>
+              <a:xfrm>
+                <a:off x="5304702" y="3632172"/>
+                <a:ext cx="632459" cy="369332"/>
+              </a:xfrm>
+              <a:prstGeom prst="rect">
+                <a:avLst/>
+              </a:prstGeom>
+              <a:blipFill>
+                <a:blip r:embed="rId2"/>
+                <a:stretch>
+                  <a:fillRect/>
+                </a:stretch>
+              </a:blipFill>
+            </p:spPr>
+            <p:txBody>
+              <a:bodyPr/>
+              <a:lstStyle/>
+              <a:p>
+                <a:r>
+                  <a:rPr lang="en-US">
+                    <a:noFill/>
+                  </a:rPr>
+                  <a:t> </a:t>
+                </a:r>
+              </a:p>
+            </p:txBody>
+          </p:sp>
+        </mc:Fallback>
+      </mc:AlternateContent>
+      <p:sp>
+        <p:nvSpPr>
+          <p:cNvPr id="17" name="Partial Circle 16">
+            <a:extLst>
+              <a:ext uri="{FF2B5EF4-FFF2-40B4-BE49-F238E27FC236}">
+                <a16:creationId xmlns:a16="http://schemas.microsoft.com/office/drawing/2014/main" id="{1923A457-7383-514C-F582-1BE00682A4A3}"/>
+              </a:ext>
+            </a:extLst>
+          </p:cNvPr>
+          <p:cNvSpPr/>
+          <p:nvPr/>
+        </p:nvSpPr>
+        <p:spPr>
+          <a:xfrm rot="8111416" flipH="1">
+            <a:off x="4784547" y="1743244"/>
+            <a:ext cx="1167317" cy="1127227"/>
+          </a:xfrm>
+          <a:prstGeom prst="pie">
+            <a:avLst>
+              <a:gd name="adj1" fmla="val 10800000"/>
+              <a:gd name="adj2" fmla="val 16200000"/>
+            </a:avLst>
+          </a:prstGeom>
+        </p:spPr>
+        <p:style>
+          <a:lnRef idx="2">
+            <a:schemeClr val="accent1">
+              <a:shade val="15000"/>
+            </a:schemeClr>
+          </a:lnRef>
+          <a:fillRef idx="1">
+            <a:schemeClr val="accent1"/>
+          </a:fillRef>
+          <a:effectRef idx="0">
+            <a:schemeClr val="accent1"/>
+          </a:effectRef>
+          <a:fontRef idx="minor">
+            <a:schemeClr val="lt1"/>
+          </a:fontRef>
+        </p:style>
+        <p:txBody>
+          <a:bodyPr rtlCol="0" anchor="ctr"/>
+          <a:lstStyle/>
+          <a:p>
+            <a:pPr algn="ctr"/>
+            <a:endParaRPr lang="en-US">
+              <a:solidFill>
+                <a:schemeClr val="tx1"/>
+              </a:solidFill>
+            </a:endParaRPr>
+          </a:p>
+        </p:txBody>
+      </p:sp>
+      <mc:AlternateContent xmlns:mc="http://schemas.openxmlformats.org/markup-compatibility/2006">
+        <mc:Choice xmlns:a14="http://schemas.microsoft.com/office/drawing/2010/main" Requires="a14">
+          <p:sp>
+            <p:nvSpPr>
+              <p:cNvPr id="18" name="TextBox 17">
+                <a:extLst>
+                  <a:ext uri="{FF2B5EF4-FFF2-40B4-BE49-F238E27FC236}">
+                    <a16:creationId xmlns:a16="http://schemas.microsoft.com/office/drawing/2014/main" id="{A10B60A4-C97E-4E0F-49B5-4399B6298766}"/>
+                  </a:ext>
+                </a:extLst>
+              </p:cNvPr>
+              <p:cNvSpPr txBox="1"/>
+              <p:nvPr/>
+            </p:nvSpPr>
+            <p:spPr>
+              <a:xfrm>
+                <a:off x="5080970" y="2466339"/>
+                <a:ext cx="620137" cy="369332"/>
+              </a:xfrm>
+              <a:prstGeom prst="rect">
+                <a:avLst/>
+              </a:prstGeom>
+              <a:noFill/>
+            </p:spPr>
+            <p:txBody>
+              <a:bodyPr wrap="square" rtlCol="0">
+                <a:spAutoFit/>
+              </a:bodyPr>
+              <a:lstStyle/>
+              <a:p>
+                <a:pPr/>
+                <a14:m>
+                  <m:oMathPara xmlns:m="http://schemas.openxmlformats.org/officeDocument/2006/math">
+                    <m:oMathParaPr>
+                      <m:jc m:val="centerGroup"/>
+                    </m:oMathParaPr>
+                    <m:oMath xmlns:m="http://schemas.openxmlformats.org/officeDocument/2006/math">
+                      <m:r>
+                        <a:rPr lang="en-US" i="1" dirty="0" smtClean="0">
+                          <a:latin typeface="Cambria Math" panose="02040503050406030204" pitchFamily="18" charset="0"/>
+                        </a:rPr>
+                        <m:t>90</m:t>
+                      </m:r>
+                      <m:r>
+                        <a:rPr lang="en-US" i="1" dirty="0" smtClean="0">
+                          <a:latin typeface="Cambria Math" panose="02040503050406030204" pitchFamily="18" charset="0"/>
+                          <a:ea typeface="Cambria Math" panose="02040503050406030204" pitchFamily="18" charset="0"/>
+                        </a:rPr>
+                        <m:t>°</m:t>
+                      </m:r>
+                    </m:oMath>
+                  </m:oMathPara>
+                </a14:m>
+                <a:endParaRPr lang="en-US" dirty="0"/>
+              </a:p>
+            </p:txBody>
+          </p:sp>
+        </mc:Choice>
+        <mc:Fallback>
+          <p:sp>
+            <p:nvSpPr>
+              <p:cNvPr id="18" name="TextBox 17">
+                <a:extLst>
+                  <a:ext uri="{FF2B5EF4-FFF2-40B4-BE49-F238E27FC236}">
+                    <a16:creationId xmlns:a16="http://schemas.microsoft.com/office/drawing/2014/main" id="{A10B60A4-C97E-4E0F-49B5-4399B6298766}"/>
+                  </a:ext>
+                </a:extLst>
+              </p:cNvPr>
+              <p:cNvSpPr txBox="1">
+                <a:spLocks noRot="1" noChangeAspect="1" noMove="1" noResize="1" noEditPoints="1" noAdjustHandles="1" noChangeArrowheads="1" noChangeShapeType="1" noTextEdit="1"/>
+              </p:cNvSpPr>
+              <p:nvPr/>
+            </p:nvSpPr>
+            <p:spPr>
+              <a:xfrm>
+                <a:off x="5080970" y="2466339"/>
+                <a:ext cx="620137" cy="369332"/>
+              </a:xfrm>
+              <a:prstGeom prst="rect">
+                <a:avLst/>
+              </a:prstGeom>
+              <a:blipFill>
+                <a:blip r:embed="rId3"/>
+                <a:stretch>
+                  <a:fillRect/>
+                </a:stretch>
+              </a:blipFill>
+            </p:spPr>
+            <p:txBody>
+              <a:bodyPr/>
+              <a:lstStyle/>
+              <a:p>
+                <a:r>
+                  <a:rPr lang="en-US">
+                    <a:noFill/>
+                  </a:rPr>
+                  <a:t> </a:t>
+                </a:r>
+              </a:p>
+            </p:txBody>
+          </p:sp>
+        </mc:Fallback>
+      </mc:AlternateContent>
+      <mc:AlternateContent xmlns:mc="http://schemas.openxmlformats.org/markup-compatibility/2006">
+        <mc:Choice xmlns:a14="http://schemas.microsoft.com/office/drawing/2010/main" Requires="a14">
+          <p:sp>
+            <p:nvSpPr>
+              <p:cNvPr id="2" name="TextBox 1">
+                <a:extLst>
+                  <a:ext uri="{FF2B5EF4-FFF2-40B4-BE49-F238E27FC236}">
+                    <a16:creationId xmlns:a16="http://schemas.microsoft.com/office/drawing/2014/main" id="{1E459FE5-25FF-FDE4-EE07-906F371F4390}"/>
+                  </a:ext>
+                </a:extLst>
+              </p:cNvPr>
+              <p:cNvSpPr txBox="1"/>
+              <p:nvPr/>
+            </p:nvSpPr>
+            <p:spPr>
+              <a:xfrm rot="18900000">
+                <a:off x="3968601" y="3096522"/>
+                <a:ext cx="1207125" cy="369332"/>
+              </a:xfrm>
+              <a:prstGeom prst="rect">
+                <a:avLst/>
+              </a:prstGeom>
+              <a:noFill/>
+            </p:spPr>
+            <p:txBody>
+              <a:bodyPr wrap="none" rtlCol="0">
+                <a:spAutoFit/>
+              </a:bodyPr>
+              <a:lstStyle/>
+              <a:p>
+                <a:pPr/>
+                <a14:m>
+                  <m:oMathPara xmlns:m="http://schemas.openxmlformats.org/officeDocument/2006/math">
+                    <m:oMathParaPr>
+                      <m:jc m:val="centerGroup"/>
+                    </m:oMathParaPr>
+                    <m:oMath xmlns:m="http://schemas.openxmlformats.org/officeDocument/2006/math">
+                      <m:r>
+                        <a:rPr lang="en-US" b="0" i="1" smtClean="0">
+                          <a:latin typeface="Cambria Math" panose="02040503050406030204" pitchFamily="18" charset="0"/>
+                        </a:rPr>
+                        <m:t>𝑦</m:t>
+                      </m:r>
+                      <m:r>
+                        <a:rPr lang="en-US" b="0" i="1" smtClean="0">
+                          <a:latin typeface="Cambria Math" panose="02040503050406030204" pitchFamily="18" charset="0"/>
+                        </a:rPr>
+                        <m:t>=</m:t>
+                      </m:r>
+                      <m:r>
+                        <a:rPr lang="en-US" b="0" i="1" smtClean="0">
+                          <a:latin typeface="Cambria Math" panose="02040503050406030204" pitchFamily="18" charset="0"/>
+                        </a:rPr>
+                        <m:t>𝑥</m:t>
+                      </m:r>
+                      <m:r>
+                        <a:rPr lang="en-US" b="0" i="1" smtClean="0">
+                          <a:latin typeface="Cambria Math" panose="02040503050406030204" pitchFamily="18" charset="0"/>
+                        </a:rPr>
+                        <m:t>+1</m:t>
+                      </m:r>
+                    </m:oMath>
+                  </m:oMathPara>
+                </a14:m>
+                <a:endParaRPr lang="en-US" dirty="0"/>
+              </a:p>
+            </p:txBody>
+          </p:sp>
+        </mc:Choice>
+        <mc:Fallback>
+          <p:sp>
+            <p:nvSpPr>
+              <p:cNvPr id="2" name="TextBox 1">
+                <a:extLst>
+                  <a:ext uri="{FF2B5EF4-FFF2-40B4-BE49-F238E27FC236}">
+                    <a16:creationId xmlns:a16="http://schemas.microsoft.com/office/drawing/2014/main" id="{1E459FE5-25FF-FDE4-EE07-906F371F4390}"/>
+                  </a:ext>
+                </a:extLst>
+              </p:cNvPr>
+              <p:cNvSpPr txBox="1">
+                <a:spLocks noRot="1" noChangeAspect="1" noMove="1" noResize="1" noEditPoints="1" noAdjustHandles="1" noChangeArrowheads="1" noChangeShapeType="1" noTextEdit="1"/>
+              </p:cNvSpPr>
+              <p:nvPr/>
+            </p:nvSpPr>
+            <p:spPr>
+              <a:xfrm rot="18900000">
+                <a:off x="3968601" y="3096522"/>
+                <a:ext cx="1207125" cy="369332"/>
+              </a:xfrm>
+              <a:prstGeom prst="rect">
+                <a:avLst/>
+              </a:prstGeom>
+              <a:blipFill>
+                <a:blip r:embed="rId4"/>
+                <a:stretch>
+                  <a:fillRect/>
+                </a:stretch>
+              </a:blipFill>
+            </p:spPr>
+            <p:txBody>
+              <a:bodyPr/>
+              <a:lstStyle/>
+              <a:p>
+                <a:r>
+                  <a:rPr lang="en-US">
+                    <a:noFill/>
+                  </a:rPr>
+                  <a:t> </a:t>
+                </a:r>
+              </a:p>
+            </p:txBody>
+          </p:sp>
+        </mc:Fallback>
+      </mc:AlternateContent>
+      <mc:AlternateContent xmlns:mc="http://schemas.openxmlformats.org/markup-compatibility/2006">
+        <mc:Choice xmlns:a14="http://schemas.microsoft.com/office/drawing/2010/main" Requires="a14">
+          <p:sp>
+            <p:nvSpPr>
+              <p:cNvPr id="3" name="TextBox 2">
+                <a:extLst>
+                  <a:ext uri="{FF2B5EF4-FFF2-40B4-BE49-F238E27FC236}">
+                    <a16:creationId xmlns:a16="http://schemas.microsoft.com/office/drawing/2014/main" id="{3E664735-B63C-39A1-EB7F-EF694AEF7AAD}"/>
+                  </a:ext>
+                </a:extLst>
+              </p:cNvPr>
+              <p:cNvSpPr txBox="1"/>
+              <p:nvPr/>
+            </p:nvSpPr>
+            <p:spPr>
+              <a:xfrm rot="2700000">
+                <a:off x="5520944" y="3178103"/>
+                <a:ext cx="1380250" cy="369332"/>
+              </a:xfrm>
+              <a:prstGeom prst="rect">
+                <a:avLst/>
+              </a:prstGeom>
+              <a:noFill/>
+            </p:spPr>
+            <p:txBody>
+              <a:bodyPr wrap="none" rtlCol="0">
+                <a:spAutoFit/>
+              </a:bodyPr>
+              <a:lstStyle/>
+              <a:p>
+                <a:pPr/>
+                <a14:m>
+                  <m:oMathPara xmlns:m="http://schemas.openxmlformats.org/officeDocument/2006/math">
+                    <m:oMathParaPr>
+                      <m:jc m:val="centerGroup"/>
+                    </m:oMathParaPr>
+                    <m:oMath xmlns:m="http://schemas.openxmlformats.org/officeDocument/2006/math">
+                      <m:r>
+                        <a:rPr lang="en-US" b="0" i="1" smtClean="0">
+                          <a:latin typeface="Cambria Math" panose="02040503050406030204" pitchFamily="18" charset="0"/>
+                        </a:rPr>
+                        <m:t>𝑦</m:t>
+                      </m:r>
+                      <m:r>
+                        <a:rPr lang="en-US" b="0" i="1" smtClean="0">
+                          <a:latin typeface="Cambria Math" panose="02040503050406030204" pitchFamily="18" charset="0"/>
+                        </a:rPr>
+                        <m:t>=−</m:t>
+                      </m:r>
+                      <m:r>
+                        <a:rPr lang="en-US" b="0" i="1" smtClean="0">
+                          <a:latin typeface="Cambria Math" panose="02040503050406030204" pitchFamily="18" charset="0"/>
+                        </a:rPr>
+                        <m:t>𝑥</m:t>
+                      </m:r>
+                      <m:r>
+                        <a:rPr lang="en-US" b="0" i="1" smtClean="0">
+                          <a:latin typeface="Cambria Math" panose="02040503050406030204" pitchFamily="18" charset="0"/>
+                        </a:rPr>
+                        <m:t>+1</m:t>
+                      </m:r>
+                    </m:oMath>
+                  </m:oMathPara>
+                </a14:m>
+                <a:endParaRPr lang="en-US" dirty="0"/>
+              </a:p>
+            </p:txBody>
+          </p:sp>
+        </mc:Choice>
+        <mc:Fallback>
+          <p:sp>
+            <p:nvSpPr>
+              <p:cNvPr id="3" name="TextBox 2">
+                <a:extLst>
+                  <a:ext uri="{FF2B5EF4-FFF2-40B4-BE49-F238E27FC236}">
+                    <a16:creationId xmlns:a16="http://schemas.microsoft.com/office/drawing/2014/main" id="{3E664735-B63C-39A1-EB7F-EF694AEF7AAD}"/>
+                  </a:ext>
+                </a:extLst>
+              </p:cNvPr>
+              <p:cNvSpPr txBox="1">
+                <a:spLocks noRot="1" noChangeAspect="1" noMove="1" noResize="1" noEditPoints="1" noAdjustHandles="1" noChangeArrowheads="1" noChangeShapeType="1" noTextEdit="1"/>
+              </p:cNvSpPr>
+              <p:nvPr/>
+            </p:nvSpPr>
+            <p:spPr>
+              <a:xfrm rot="2700000">
+                <a:off x="5520944" y="3178103"/>
+                <a:ext cx="1380250" cy="369332"/>
+              </a:xfrm>
+              <a:prstGeom prst="rect">
+                <a:avLst/>
+              </a:prstGeom>
+              <a:blipFill>
+                <a:blip r:embed="rId5"/>
+                <a:stretch>
+                  <a:fillRect/>
+                </a:stretch>
+              </a:blipFill>
+            </p:spPr>
+            <p:txBody>
+              <a:bodyPr/>
+              <a:lstStyle/>
+              <a:p>
+                <a:r>
+                  <a:rPr lang="en-US">
+                    <a:noFill/>
+                  </a:rPr>
+                  <a:t> </a:t>
+                </a:r>
+              </a:p>
+            </p:txBody>
+          </p:sp>
+        </mc:Fallback>
+      </mc:AlternateContent>
+      <mc:AlternateContent xmlns:mc="http://schemas.openxmlformats.org/markup-compatibility/2006">
+        <mc:Choice xmlns:a14="http://schemas.microsoft.com/office/drawing/2010/main" Requires="a14">
+          <p:sp>
+            <p:nvSpPr>
+              <p:cNvPr id="6" name="TextBox 5">
+                <a:extLst>
+                  <a:ext uri="{FF2B5EF4-FFF2-40B4-BE49-F238E27FC236}">
+                    <a16:creationId xmlns:a16="http://schemas.microsoft.com/office/drawing/2014/main" id="{6C81D1D5-257A-B91E-B3A3-2E4A9C832CB2}"/>
+                  </a:ext>
+                </a:extLst>
+              </p:cNvPr>
+              <p:cNvSpPr txBox="1"/>
+              <p:nvPr/>
+            </p:nvSpPr>
+            <p:spPr>
+              <a:xfrm rot="18900000">
+                <a:off x="5575928" y="4439867"/>
+                <a:ext cx="1207125" cy="369332"/>
+              </a:xfrm>
+              <a:prstGeom prst="rect">
+                <a:avLst/>
+              </a:prstGeom>
+              <a:noFill/>
+            </p:spPr>
+            <p:txBody>
+              <a:bodyPr wrap="none" rtlCol="0">
+                <a:spAutoFit/>
+              </a:bodyPr>
+              <a:lstStyle/>
+              <a:p>
+                <a:pPr/>
+                <a14:m>
+                  <m:oMathPara xmlns:m="http://schemas.openxmlformats.org/officeDocument/2006/math">
+                    <m:oMathParaPr>
+                      <m:jc m:val="centerGroup"/>
+                    </m:oMathParaPr>
+                    <m:oMath xmlns:m="http://schemas.openxmlformats.org/officeDocument/2006/math">
+                      <m:r>
+                        <a:rPr lang="en-US" b="0" i="1" smtClean="0">
+                          <a:latin typeface="Cambria Math" panose="02040503050406030204" pitchFamily="18" charset="0"/>
+                        </a:rPr>
+                        <m:t>𝑦</m:t>
+                      </m:r>
+                      <m:r>
+                        <a:rPr lang="en-US" b="0" i="1" smtClean="0">
+                          <a:latin typeface="Cambria Math" panose="02040503050406030204" pitchFamily="18" charset="0"/>
+                        </a:rPr>
+                        <m:t>=</m:t>
+                      </m:r>
+                      <m:r>
+                        <a:rPr lang="en-US" b="0" i="1" smtClean="0">
+                          <a:latin typeface="Cambria Math" panose="02040503050406030204" pitchFamily="18" charset="0"/>
+                        </a:rPr>
+                        <m:t>𝑥</m:t>
+                      </m:r>
+                      <m:r>
+                        <a:rPr lang="en-US" b="0" i="1" smtClean="0">
+                          <a:latin typeface="Cambria Math" panose="02040503050406030204" pitchFamily="18" charset="0"/>
+                        </a:rPr>
+                        <m:t>−1</m:t>
+                      </m:r>
+                    </m:oMath>
+                  </m:oMathPara>
+                </a14:m>
+                <a:endParaRPr lang="en-US" dirty="0"/>
+              </a:p>
+            </p:txBody>
+          </p:sp>
+        </mc:Choice>
+        <mc:Fallback>
+          <p:sp>
+            <p:nvSpPr>
+              <p:cNvPr id="6" name="TextBox 5">
+                <a:extLst>
+                  <a:ext uri="{FF2B5EF4-FFF2-40B4-BE49-F238E27FC236}">
+                    <a16:creationId xmlns:a16="http://schemas.microsoft.com/office/drawing/2014/main" id="{6C81D1D5-257A-B91E-B3A3-2E4A9C832CB2}"/>
+                  </a:ext>
+                </a:extLst>
+              </p:cNvPr>
+              <p:cNvSpPr txBox="1">
+                <a:spLocks noRot="1" noChangeAspect="1" noMove="1" noResize="1" noEditPoints="1" noAdjustHandles="1" noChangeArrowheads="1" noChangeShapeType="1" noTextEdit="1"/>
+              </p:cNvSpPr>
+              <p:nvPr/>
+            </p:nvSpPr>
+            <p:spPr>
+              <a:xfrm rot="18900000">
+                <a:off x="5575928" y="4439867"/>
+                <a:ext cx="1207125" cy="369332"/>
+              </a:xfrm>
+              <a:prstGeom prst="rect">
+                <a:avLst/>
+              </a:prstGeom>
+              <a:blipFill>
+                <a:blip r:embed="rId6"/>
+                <a:stretch>
+                  <a:fillRect/>
+                </a:stretch>
+              </a:blipFill>
+            </p:spPr>
+            <p:txBody>
+              <a:bodyPr/>
+              <a:lstStyle/>
+              <a:p>
+                <a:r>
+                  <a:rPr lang="en-US">
+                    <a:noFill/>
+                  </a:rPr>
+                  <a:t> </a:t>
+                </a:r>
+              </a:p>
+            </p:txBody>
+          </p:sp>
+        </mc:Fallback>
+      </mc:AlternateContent>
+      <mc:AlternateContent xmlns:mc="http://schemas.openxmlformats.org/markup-compatibility/2006">
+        <mc:Choice xmlns:a14="http://schemas.microsoft.com/office/drawing/2010/main" Requires="a14">
+          <p:sp>
+            <p:nvSpPr>
+              <p:cNvPr id="9" name="TextBox 8">
+                <a:extLst>
+                  <a:ext uri="{FF2B5EF4-FFF2-40B4-BE49-F238E27FC236}">
+                    <a16:creationId xmlns:a16="http://schemas.microsoft.com/office/drawing/2014/main" id="{18634B99-9E8A-E630-BF08-53B4FF5F31C5}"/>
+                  </a:ext>
+                </a:extLst>
+              </p:cNvPr>
+              <p:cNvSpPr txBox="1"/>
+              <p:nvPr/>
+            </p:nvSpPr>
+            <p:spPr>
+              <a:xfrm rot="2700000">
+                <a:off x="3955613" y="4555071"/>
+                <a:ext cx="1380250" cy="369332"/>
+              </a:xfrm>
+              <a:prstGeom prst="rect">
+                <a:avLst/>
+              </a:prstGeom>
+              <a:noFill/>
+            </p:spPr>
+            <p:txBody>
+              <a:bodyPr wrap="none" rtlCol="0">
+                <a:spAutoFit/>
+              </a:bodyPr>
+              <a:lstStyle/>
+              <a:p>
+                <a:pPr/>
+                <a14:m>
+                  <m:oMathPara xmlns:m="http://schemas.openxmlformats.org/officeDocument/2006/math">
+                    <m:oMathParaPr>
+                      <m:jc m:val="centerGroup"/>
+                    </m:oMathParaPr>
+                    <m:oMath xmlns:m="http://schemas.openxmlformats.org/officeDocument/2006/math">
+                      <m:r>
+                        <a:rPr lang="en-US" b="0" i="1" smtClean="0">
+                          <a:latin typeface="Cambria Math" panose="02040503050406030204" pitchFamily="18" charset="0"/>
+                        </a:rPr>
+                        <m:t>𝑦</m:t>
+                      </m:r>
+                      <m:r>
+                        <a:rPr lang="en-US" b="0" i="1" smtClean="0">
+                          <a:latin typeface="Cambria Math" panose="02040503050406030204" pitchFamily="18" charset="0"/>
+                        </a:rPr>
+                        <m:t>=−</m:t>
+                      </m:r>
+                      <m:r>
+                        <a:rPr lang="en-US" b="0" i="1" smtClean="0">
+                          <a:latin typeface="Cambria Math" panose="02040503050406030204" pitchFamily="18" charset="0"/>
+                        </a:rPr>
+                        <m:t>𝑥</m:t>
+                      </m:r>
+                      <m:r>
+                        <a:rPr lang="en-US" b="0" i="1" smtClean="0">
+                          <a:latin typeface="Cambria Math" panose="02040503050406030204" pitchFamily="18" charset="0"/>
+                        </a:rPr>
+                        <m:t>−1</m:t>
+                      </m:r>
+                    </m:oMath>
+                  </m:oMathPara>
+                </a14:m>
+                <a:endParaRPr lang="en-US" dirty="0"/>
+              </a:p>
+            </p:txBody>
+          </p:sp>
+        </mc:Choice>
+        <mc:Fallback>
+          <p:sp>
+            <p:nvSpPr>
+              <p:cNvPr id="9" name="TextBox 8">
+                <a:extLst>
+                  <a:ext uri="{FF2B5EF4-FFF2-40B4-BE49-F238E27FC236}">
+                    <a16:creationId xmlns:a16="http://schemas.microsoft.com/office/drawing/2014/main" id="{18634B99-9E8A-E630-BF08-53B4FF5F31C5}"/>
+                  </a:ext>
+                </a:extLst>
+              </p:cNvPr>
+              <p:cNvSpPr txBox="1">
+                <a:spLocks noRot="1" noChangeAspect="1" noMove="1" noResize="1" noEditPoints="1" noAdjustHandles="1" noChangeArrowheads="1" noChangeShapeType="1" noTextEdit="1"/>
+              </p:cNvSpPr>
+              <p:nvPr/>
+            </p:nvSpPr>
+            <p:spPr>
+              <a:xfrm rot="2700000">
+                <a:off x="3955613" y="4555071"/>
+                <a:ext cx="1380250" cy="369332"/>
+              </a:xfrm>
+              <a:prstGeom prst="rect">
+                <a:avLst/>
+              </a:prstGeom>
+              <a:blipFill>
+                <a:blip r:embed="rId7"/>
+                <a:stretch>
+                  <a:fillRect/>
+                </a:stretch>
+              </a:blipFill>
+            </p:spPr>
+            <p:txBody>
+              <a:bodyPr/>
+              <a:lstStyle/>
+              <a:p>
+                <a:r>
+                  <a:rPr lang="en-US">
+                    <a:noFill/>
+                  </a:rPr>
+                  <a:t> </a:t>
+                </a:r>
+              </a:p>
+            </p:txBody>
+          </p:sp>
+        </mc:Fallback>
+      </mc:AlternateContent>
+      <p:sp>
+        <p:nvSpPr>
+          <p:cNvPr id="19" name="Right Brace 18">
+            <a:extLst>
+              <a:ext uri="{FF2B5EF4-FFF2-40B4-BE49-F238E27FC236}">
+                <a16:creationId xmlns:a16="http://schemas.microsoft.com/office/drawing/2014/main" id="{DB0E5740-4454-ACB1-8F00-E0B1225F6D5C}"/>
+              </a:ext>
+            </a:extLst>
+          </p:cNvPr>
+          <p:cNvSpPr/>
+          <p:nvPr/>
+        </p:nvSpPr>
+        <p:spPr>
+          <a:xfrm rot="16200000">
+            <a:off x="4353900" y="3014615"/>
+            <a:ext cx="313685" cy="1689775"/>
+          </a:xfrm>
+          <a:prstGeom prst="rightBrace">
+            <a:avLst>
+              <a:gd name="adj1" fmla="val 166774"/>
+              <a:gd name="adj2" fmla="val 78111"/>
+            </a:avLst>
+          </a:prstGeom>
+        </p:spPr>
+        <p:style>
+          <a:lnRef idx="1">
+            <a:schemeClr val="accent1"/>
+          </a:lnRef>
+          <a:fillRef idx="0">
+            <a:schemeClr val="accent1"/>
+          </a:fillRef>
+          <a:effectRef idx="0">
+            <a:schemeClr val="accent1"/>
+          </a:effectRef>
+          <a:fontRef idx="minor">
+            <a:schemeClr val="tx1"/>
+          </a:fontRef>
+        </p:style>
+        <p:txBody>
+          <a:bodyPr rtlCol="0" anchor="ctr"/>
+          <a:lstStyle/>
+          <a:p>
+            <a:pPr algn="ctr"/>
+            <a:endParaRPr lang="en-US"/>
+          </a:p>
+        </p:txBody>
+      </p:sp>
+      <mc:AlternateContent xmlns:mc="http://schemas.openxmlformats.org/markup-compatibility/2006">
+        <mc:Choice xmlns:a14="http://schemas.microsoft.com/office/drawing/2010/main" Requires="a14">
+          <p:sp>
+            <p:nvSpPr>
+              <p:cNvPr id="34" name="TextBox 33">
+                <a:extLst>
+                  <a:ext uri="{FF2B5EF4-FFF2-40B4-BE49-F238E27FC236}">
+                    <a16:creationId xmlns:a16="http://schemas.microsoft.com/office/drawing/2014/main" id="{A432872C-A53A-5363-0927-D55A8DA9361C}"/>
+                  </a:ext>
+                </a:extLst>
+              </p:cNvPr>
+              <p:cNvSpPr txBox="1"/>
+              <p:nvPr/>
+            </p:nvSpPr>
+            <p:spPr>
+              <a:xfrm>
+                <a:off x="4623838" y="3453085"/>
+                <a:ext cx="781240" cy="369332"/>
+              </a:xfrm>
+              <a:prstGeom prst="rect">
+                <a:avLst/>
+              </a:prstGeom>
+              <a:noFill/>
+            </p:spPr>
+            <p:txBody>
+              <a:bodyPr wrap="none" rtlCol="0">
+                <a:spAutoFit/>
+              </a:bodyPr>
+              <a:lstStyle/>
+              <a:p>
+                <a:pPr/>
+                <a14:m>
+                  <m:oMathPara xmlns:m="http://schemas.openxmlformats.org/officeDocument/2006/math">
+                    <m:oMathParaPr>
+                      <m:jc m:val="centerGroup"/>
+                    </m:oMathParaPr>
+                    <m:oMath xmlns:m="http://schemas.openxmlformats.org/officeDocument/2006/math">
+                      <m:r>
+                        <a:rPr lang="en-US" b="0" i="1" smtClean="0">
+                          <a:solidFill>
+                            <a:schemeClr val="accent1"/>
+                          </a:solidFill>
+                          <a:latin typeface="Cambria Math" panose="02040503050406030204" pitchFamily="18" charset="0"/>
+                        </a:rPr>
+                        <m:t>𝑟</m:t>
+                      </m:r>
+                      <m:r>
+                        <a:rPr lang="en-US" b="0" i="1" smtClean="0">
+                          <a:solidFill>
+                            <a:schemeClr val="accent1"/>
+                          </a:solidFill>
+                          <a:latin typeface="Cambria Math" panose="02040503050406030204" pitchFamily="18" charset="0"/>
+                        </a:rPr>
+                        <m:t>=1</m:t>
+                      </m:r>
+                    </m:oMath>
+                  </m:oMathPara>
+                </a14:m>
+                <a:endParaRPr lang="en-US" dirty="0"/>
+              </a:p>
+            </p:txBody>
+          </p:sp>
+        </mc:Choice>
+        <mc:Fallback>
+          <p:sp>
+            <p:nvSpPr>
+              <p:cNvPr id="34" name="TextBox 33">
+                <a:extLst>
+                  <a:ext uri="{FF2B5EF4-FFF2-40B4-BE49-F238E27FC236}">
+                    <a16:creationId xmlns:a16="http://schemas.microsoft.com/office/drawing/2014/main" id="{A432872C-A53A-5363-0927-D55A8DA9361C}"/>
+                  </a:ext>
+                </a:extLst>
+              </p:cNvPr>
+              <p:cNvSpPr txBox="1">
+                <a:spLocks noRot="1" noChangeAspect="1" noMove="1" noResize="1" noEditPoints="1" noAdjustHandles="1" noChangeArrowheads="1" noChangeShapeType="1" noTextEdit="1"/>
+              </p:cNvSpPr>
+              <p:nvPr/>
+            </p:nvSpPr>
+            <p:spPr>
+              <a:xfrm>
+                <a:off x="4623838" y="3453085"/>
+                <a:ext cx="781240" cy="369332"/>
+              </a:xfrm>
+              <a:prstGeom prst="rect">
+                <a:avLst/>
+              </a:prstGeom>
+              <a:blipFill>
+                <a:blip r:embed="rId8"/>
+                <a:stretch>
+                  <a:fillRect/>
+                </a:stretch>
+              </a:blipFill>
+            </p:spPr>
+            <p:txBody>
+              <a:bodyPr/>
+              <a:lstStyle/>
+              <a:p>
+                <a:r>
+                  <a:rPr lang="en-US">
+                    <a:noFill/>
+                  </a:rPr>
+                  <a:t> </a:t>
+                </a:r>
+              </a:p>
+            </p:txBody>
+          </p:sp>
+        </mc:Fallback>
+      </mc:AlternateContent>
+      <mc:AlternateContent xmlns:mc="http://schemas.openxmlformats.org/markup-compatibility/2006">
+        <mc:Choice xmlns:a14="http://schemas.microsoft.com/office/drawing/2010/main" Requires="a14">
+          <p:sp>
+            <p:nvSpPr>
+              <p:cNvPr id="39" name="TextBox 38">
+                <a:extLst>
+                  <a:ext uri="{FF2B5EF4-FFF2-40B4-BE49-F238E27FC236}">
+                    <a16:creationId xmlns:a16="http://schemas.microsoft.com/office/drawing/2014/main" id="{3A864FC9-2EB5-A9B2-C990-5D75E815353C}"/>
+                  </a:ext>
+                </a:extLst>
+              </p:cNvPr>
+              <p:cNvSpPr txBox="1"/>
+              <p:nvPr/>
+            </p:nvSpPr>
+            <p:spPr>
+              <a:xfrm>
+                <a:off x="3167833" y="2175066"/>
+                <a:ext cx="1434752" cy="369332"/>
+              </a:xfrm>
+              <a:prstGeom prst="rect">
+                <a:avLst/>
+              </a:prstGeom>
+              <a:noFill/>
+            </p:spPr>
+            <p:txBody>
+              <a:bodyPr wrap="none" rtlCol="0">
+                <a:spAutoFit/>
+              </a:bodyPr>
+              <a:lstStyle/>
+              <a:p>
+                <a:pPr/>
+                <a14:m>
+                  <m:oMathPara xmlns:m="http://schemas.openxmlformats.org/officeDocument/2006/math">
+                    <m:oMathParaPr>
+                      <m:jc m:val="centerGroup"/>
+                    </m:oMathParaPr>
+                    <m:oMath xmlns:m="http://schemas.openxmlformats.org/officeDocument/2006/math">
+                      <m:sSup>
+                        <m:sSupPr>
+                          <m:ctrlPr>
+                            <a:rPr lang="en-US" b="0" i="1" smtClean="0">
+                              <a:solidFill>
+                                <a:schemeClr val="accent1"/>
+                              </a:solidFill>
+                              <a:latin typeface="Cambria Math" panose="02040503050406030204" pitchFamily="18" charset="0"/>
+                            </a:rPr>
+                          </m:ctrlPr>
+                        </m:sSupPr>
+                        <m:e>
+                          <m:r>
+                            <a:rPr lang="en-US" b="0" i="1" smtClean="0">
+                              <a:solidFill>
+                                <a:schemeClr val="accent1"/>
+                              </a:solidFill>
+                              <a:latin typeface="Cambria Math" panose="02040503050406030204" pitchFamily="18" charset="0"/>
+                            </a:rPr>
+                            <m:t>𝑥</m:t>
+                          </m:r>
+                        </m:e>
+                        <m:sup>
+                          <m:r>
+                            <a:rPr lang="en-US" b="0" i="1" smtClean="0">
+                              <a:solidFill>
+                                <a:schemeClr val="accent1"/>
+                              </a:solidFill>
+                              <a:latin typeface="Cambria Math" panose="02040503050406030204" pitchFamily="18" charset="0"/>
+                            </a:rPr>
+                            <m:t>2</m:t>
+                          </m:r>
+                        </m:sup>
+                      </m:sSup>
+                      <m:r>
+                        <a:rPr lang="en-US" b="0" i="1" smtClean="0">
+                          <a:solidFill>
+                            <a:schemeClr val="accent1"/>
+                          </a:solidFill>
+                          <a:latin typeface="Cambria Math" panose="02040503050406030204" pitchFamily="18" charset="0"/>
+                        </a:rPr>
+                        <m:t>+</m:t>
+                      </m:r>
+                      <m:sSup>
+                        <m:sSupPr>
+                          <m:ctrlPr>
+                            <a:rPr lang="en-US" b="0" i="1" smtClean="0">
+                              <a:solidFill>
+                                <a:schemeClr val="accent1"/>
+                              </a:solidFill>
+                              <a:latin typeface="Cambria Math" panose="02040503050406030204" pitchFamily="18" charset="0"/>
+                            </a:rPr>
+                          </m:ctrlPr>
+                        </m:sSupPr>
+                        <m:e>
+                          <m:r>
+                            <a:rPr lang="en-US" b="0" i="1" smtClean="0">
+                              <a:solidFill>
+                                <a:schemeClr val="accent1"/>
+                              </a:solidFill>
+                              <a:latin typeface="Cambria Math" panose="02040503050406030204" pitchFamily="18" charset="0"/>
+                            </a:rPr>
+                            <m:t>𝑦</m:t>
+                          </m:r>
+                        </m:e>
+                        <m:sup>
+                          <m:r>
+                            <a:rPr lang="en-US" b="0" i="1" smtClean="0">
+                              <a:solidFill>
+                                <a:schemeClr val="accent1"/>
+                              </a:solidFill>
+                              <a:latin typeface="Cambria Math" panose="02040503050406030204" pitchFamily="18" charset="0"/>
+                            </a:rPr>
+                            <m:t>2</m:t>
+                          </m:r>
+                        </m:sup>
+                      </m:sSup>
+                      <m:r>
+                        <a:rPr lang="en-US" b="0" i="1" smtClean="0">
+                          <a:solidFill>
+                            <a:schemeClr val="accent1"/>
+                          </a:solidFill>
+                          <a:latin typeface="Cambria Math" panose="02040503050406030204" pitchFamily="18" charset="0"/>
+                        </a:rPr>
+                        <m:t>=1</m:t>
+                      </m:r>
+                    </m:oMath>
+                  </m:oMathPara>
+                </a14:m>
+                <a:endParaRPr lang="en-US" dirty="0">
+                  <a:solidFill>
+                    <a:schemeClr val="accent1"/>
+                  </a:solidFill>
+                </a:endParaRPr>
+              </a:p>
+            </p:txBody>
+          </p:sp>
+        </mc:Choice>
+        <mc:Fallback>
+          <p:sp>
+            <p:nvSpPr>
+              <p:cNvPr id="39" name="TextBox 38">
+                <a:extLst>
+                  <a:ext uri="{FF2B5EF4-FFF2-40B4-BE49-F238E27FC236}">
+                    <a16:creationId xmlns:a16="http://schemas.microsoft.com/office/drawing/2014/main" id="{3A864FC9-2EB5-A9B2-C990-5D75E815353C}"/>
+                  </a:ext>
+                </a:extLst>
+              </p:cNvPr>
+              <p:cNvSpPr txBox="1">
+                <a:spLocks noRot="1" noChangeAspect="1" noMove="1" noResize="1" noEditPoints="1" noAdjustHandles="1" noChangeArrowheads="1" noChangeShapeType="1" noTextEdit="1"/>
+              </p:cNvSpPr>
+              <p:nvPr/>
+            </p:nvSpPr>
+            <p:spPr>
+              <a:xfrm>
+                <a:off x="3167833" y="2175066"/>
+                <a:ext cx="1434752" cy="369332"/>
+              </a:xfrm>
+              <a:prstGeom prst="rect">
+                <a:avLst/>
+              </a:prstGeom>
+              <a:blipFill>
+                <a:blip r:embed="rId9"/>
+                <a:stretch>
+                  <a:fillRect b="-6667"/>
+                </a:stretch>
+              </a:blipFill>
+            </p:spPr>
+            <p:txBody>
+              <a:bodyPr/>
+              <a:lstStyle/>
+              <a:p>
+                <a:r>
+                  <a:rPr lang="en-US">
+                    <a:noFill/>
+                  </a:rPr>
+                  <a:t> </a:t>
+                </a:r>
+              </a:p>
+            </p:txBody>
+          </p:sp>
+        </mc:Fallback>
+      </mc:AlternateContent>
+      <p:grpSp>
+        <p:nvGrpSpPr>
+          <p:cNvPr id="42" name="Group 41">
+            <a:extLst>
+              <a:ext uri="{FF2B5EF4-FFF2-40B4-BE49-F238E27FC236}">
+                <a16:creationId xmlns:a16="http://schemas.microsoft.com/office/drawing/2014/main" id="{D4B8C811-F352-857F-BB16-9E627C673041}"/>
+              </a:ext>
+            </a:extLst>
+          </p:cNvPr>
+          <p:cNvGrpSpPr/>
+          <p:nvPr/>
+        </p:nvGrpSpPr>
+        <p:grpSpPr>
+          <a:xfrm>
+            <a:off x="5699828" y="2430559"/>
+            <a:ext cx="1301211" cy="1301211"/>
+            <a:chOff x="5699828" y="2430559"/>
+            <a:chExt cx="1301211" cy="1301211"/>
+          </a:xfrm>
+          <a:solidFill>
+            <a:srgbClr val="7030A0"/>
+          </a:solidFill>
+        </p:grpSpPr>
+        <p:sp>
+          <p:nvSpPr>
+            <p:cNvPr id="20" name="Oval 19">
+              <a:extLst>
+                <a:ext uri="{FF2B5EF4-FFF2-40B4-BE49-F238E27FC236}">
+                  <a16:creationId xmlns:a16="http://schemas.microsoft.com/office/drawing/2014/main" id="{9ED7D993-6FA0-5526-22AB-AEA8D48382B1}"/>
+                </a:ext>
+              </a:extLst>
+            </p:cNvPr>
+            <p:cNvSpPr/>
+            <p:nvPr/>
+          </p:nvSpPr>
+          <p:spPr>
+            <a:xfrm>
+              <a:off x="5699828" y="2430559"/>
+              <a:ext cx="82011" cy="82011"/>
+            </a:xfrm>
+            <a:prstGeom prst="ellipse">
+              <a:avLst/>
+            </a:prstGeom>
+            <a:grpFill/>
+          </p:spPr>
+          <p:style>
+            <a:lnRef idx="2">
+              <a:schemeClr val="accent2">
+                <a:shade val="15000"/>
+              </a:schemeClr>
+            </a:lnRef>
+            <a:fillRef idx="1">
+              <a:schemeClr val="accent2"/>
+            </a:fillRef>
+            <a:effectRef idx="0">
+              <a:schemeClr val="accent2"/>
+            </a:effectRef>
+            <a:fontRef idx="minor">
+              <a:schemeClr val="lt1"/>
+            </a:fontRef>
+          </p:style>
+          <p:txBody>
+            <a:bodyPr rtlCol="0" anchor="ctr"/>
+            <a:lstStyle/>
+            <a:p>
+              <a:pPr algn="ctr"/>
+              <a:endParaRPr lang="en-US"/>
+            </a:p>
+          </p:txBody>
+        </p:sp>
+        <p:sp>
+          <p:nvSpPr>
+            <p:cNvPr id="21" name="Oval 20">
+              <a:extLst>
+                <a:ext uri="{FF2B5EF4-FFF2-40B4-BE49-F238E27FC236}">
+                  <a16:creationId xmlns:a16="http://schemas.microsoft.com/office/drawing/2014/main" id="{E1E971D3-5D3F-CDD8-9068-790A1D9405C1}"/>
+                </a:ext>
+              </a:extLst>
+            </p:cNvPr>
+            <p:cNvSpPr/>
+            <p:nvPr/>
+          </p:nvSpPr>
+          <p:spPr>
+            <a:xfrm>
+              <a:off x="5852228" y="2582959"/>
+              <a:ext cx="82011" cy="82011"/>
+            </a:xfrm>
+            <a:prstGeom prst="ellipse">
+              <a:avLst/>
+            </a:prstGeom>
+            <a:grpFill/>
+          </p:spPr>
+          <p:style>
+            <a:lnRef idx="2">
+              <a:schemeClr val="accent2">
+                <a:shade val="15000"/>
+              </a:schemeClr>
+            </a:lnRef>
+            <a:fillRef idx="1">
+              <a:schemeClr val="accent2"/>
+            </a:fillRef>
+            <a:effectRef idx="0">
+              <a:schemeClr val="accent2"/>
+            </a:effectRef>
+            <a:fontRef idx="minor">
+              <a:schemeClr val="lt1"/>
+            </a:fontRef>
+          </p:style>
+          <p:txBody>
+            <a:bodyPr rtlCol="0" anchor="ctr"/>
+            <a:lstStyle/>
+            <a:p>
+              <a:pPr algn="ctr"/>
+              <a:endParaRPr lang="en-US"/>
+            </a:p>
+          </p:txBody>
+        </p:sp>
+        <p:sp>
+          <p:nvSpPr>
+            <p:cNvPr id="22" name="Oval 21">
+              <a:extLst>
+                <a:ext uri="{FF2B5EF4-FFF2-40B4-BE49-F238E27FC236}">
+                  <a16:creationId xmlns:a16="http://schemas.microsoft.com/office/drawing/2014/main" id="{10900F2D-1461-308B-6605-132F0492A3B5}"/>
+                </a:ext>
+              </a:extLst>
+            </p:cNvPr>
+            <p:cNvSpPr/>
+            <p:nvPr/>
+          </p:nvSpPr>
+          <p:spPr>
+            <a:xfrm>
+              <a:off x="6004628" y="2735359"/>
+              <a:ext cx="82011" cy="82011"/>
+            </a:xfrm>
+            <a:prstGeom prst="ellipse">
+              <a:avLst/>
+            </a:prstGeom>
+            <a:grpFill/>
+          </p:spPr>
+          <p:style>
+            <a:lnRef idx="2">
+              <a:schemeClr val="accent2">
+                <a:shade val="15000"/>
+              </a:schemeClr>
+            </a:lnRef>
+            <a:fillRef idx="1">
+              <a:schemeClr val="accent2"/>
+            </a:fillRef>
+            <a:effectRef idx="0">
+              <a:schemeClr val="accent2"/>
+            </a:effectRef>
+            <a:fontRef idx="minor">
+              <a:schemeClr val="lt1"/>
+            </a:fontRef>
+          </p:style>
+          <p:txBody>
+            <a:bodyPr rtlCol="0" anchor="ctr"/>
+            <a:lstStyle/>
+            <a:p>
+              <a:pPr algn="ctr"/>
+              <a:endParaRPr lang="en-US"/>
+            </a:p>
+          </p:txBody>
+        </p:sp>
+        <p:sp>
+          <p:nvSpPr>
+            <p:cNvPr id="23" name="Oval 22">
+              <a:extLst>
+                <a:ext uri="{FF2B5EF4-FFF2-40B4-BE49-F238E27FC236}">
+                  <a16:creationId xmlns:a16="http://schemas.microsoft.com/office/drawing/2014/main" id="{BD7A184B-34B6-8B0D-067C-919ABFF0CABC}"/>
+                </a:ext>
+              </a:extLst>
+            </p:cNvPr>
+            <p:cNvSpPr/>
+            <p:nvPr/>
+          </p:nvSpPr>
+          <p:spPr>
+            <a:xfrm>
+              <a:off x="6157028" y="2887759"/>
+              <a:ext cx="82011" cy="82011"/>
+            </a:xfrm>
+            <a:prstGeom prst="ellipse">
+              <a:avLst/>
+            </a:prstGeom>
+            <a:grpFill/>
+          </p:spPr>
+          <p:style>
+            <a:lnRef idx="2">
+              <a:schemeClr val="accent2">
+                <a:shade val="15000"/>
+              </a:schemeClr>
+            </a:lnRef>
+            <a:fillRef idx="1">
+              <a:schemeClr val="accent2"/>
+            </a:fillRef>
+            <a:effectRef idx="0">
+              <a:schemeClr val="accent2"/>
+            </a:effectRef>
+            <a:fontRef idx="minor">
+              <a:schemeClr val="lt1"/>
+            </a:fontRef>
+          </p:style>
+          <p:txBody>
+            <a:bodyPr rtlCol="0" anchor="ctr"/>
+            <a:lstStyle/>
+            <a:p>
+              <a:pPr algn="ctr"/>
+              <a:endParaRPr lang="en-US"/>
+            </a:p>
+          </p:txBody>
+        </p:sp>
+        <p:sp>
+          <p:nvSpPr>
+            <p:cNvPr id="24" name="Oval 23">
+              <a:extLst>
+                <a:ext uri="{FF2B5EF4-FFF2-40B4-BE49-F238E27FC236}">
+                  <a16:creationId xmlns:a16="http://schemas.microsoft.com/office/drawing/2014/main" id="{14A1DE30-DCF0-4AE6-ED22-F60E8D65458E}"/>
+                </a:ext>
+              </a:extLst>
+            </p:cNvPr>
+            <p:cNvSpPr/>
+            <p:nvPr/>
+          </p:nvSpPr>
+          <p:spPr>
+            <a:xfrm>
+              <a:off x="6309428" y="3040159"/>
+              <a:ext cx="82011" cy="82011"/>
+            </a:xfrm>
+            <a:prstGeom prst="ellipse">
+              <a:avLst/>
+            </a:prstGeom>
+            <a:grpFill/>
+          </p:spPr>
+          <p:style>
+            <a:lnRef idx="2">
+              <a:schemeClr val="accent2">
+                <a:shade val="15000"/>
+              </a:schemeClr>
+            </a:lnRef>
+            <a:fillRef idx="1">
+              <a:schemeClr val="accent2"/>
+            </a:fillRef>
+            <a:effectRef idx="0">
+              <a:schemeClr val="accent2"/>
+            </a:effectRef>
+            <a:fontRef idx="minor">
+              <a:schemeClr val="lt1"/>
+            </a:fontRef>
+          </p:style>
+          <p:txBody>
+            <a:bodyPr rtlCol="0" anchor="ctr"/>
+            <a:lstStyle/>
+            <a:p>
+              <a:pPr algn="ctr"/>
+              <a:endParaRPr lang="en-US"/>
+            </a:p>
+          </p:txBody>
+        </p:sp>
+        <p:sp>
+          <p:nvSpPr>
+            <p:cNvPr id="25" name="Oval 24">
+              <a:extLst>
+                <a:ext uri="{FF2B5EF4-FFF2-40B4-BE49-F238E27FC236}">
+                  <a16:creationId xmlns:a16="http://schemas.microsoft.com/office/drawing/2014/main" id="{4B4D8A86-5C9D-8A9E-BEB8-1991630E6097}"/>
+                </a:ext>
+              </a:extLst>
+            </p:cNvPr>
+            <p:cNvSpPr/>
+            <p:nvPr/>
+          </p:nvSpPr>
+          <p:spPr>
+            <a:xfrm>
+              <a:off x="6461828" y="3192559"/>
+              <a:ext cx="82011" cy="82011"/>
+            </a:xfrm>
+            <a:prstGeom prst="ellipse">
+              <a:avLst/>
+            </a:prstGeom>
+            <a:grpFill/>
+          </p:spPr>
+          <p:style>
+            <a:lnRef idx="2">
+              <a:schemeClr val="accent2">
+                <a:shade val="15000"/>
+              </a:schemeClr>
+            </a:lnRef>
+            <a:fillRef idx="1">
+              <a:schemeClr val="accent2"/>
+            </a:fillRef>
+            <a:effectRef idx="0">
+              <a:schemeClr val="accent2"/>
+            </a:effectRef>
+            <a:fontRef idx="minor">
+              <a:schemeClr val="lt1"/>
+            </a:fontRef>
+          </p:style>
+          <p:txBody>
+            <a:bodyPr rtlCol="0" anchor="ctr"/>
+            <a:lstStyle/>
+            <a:p>
+              <a:pPr algn="ctr"/>
+              <a:endParaRPr lang="en-US"/>
+            </a:p>
+          </p:txBody>
+        </p:sp>
+        <p:sp>
+          <p:nvSpPr>
+            <p:cNvPr id="26" name="Oval 25">
+              <a:extLst>
+                <a:ext uri="{FF2B5EF4-FFF2-40B4-BE49-F238E27FC236}">
+                  <a16:creationId xmlns:a16="http://schemas.microsoft.com/office/drawing/2014/main" id="{0F6C721D-ECD5-F53A-6E74-69511DB65D3E}"/>
+                </a:ext>
+              </a:extLst>
+            </p:cNvPr>
+            <p:cNvSpPr/>
+            <p:nvPr/>
+          </p:nvSpPr>
+          <p:spPr>
+            <a:xfrm>
+              <a:off x="6614228" y="3344959"/>
+              <a:ext cx="82011" cy="82011"/>
+            </a:xfrm>
+            <a:prstGeom prst="ellipse">
+              <a:avLst/>
+            </a:prstGeom>
+            <a:grpFill/>
+          </p:spPr>
+          <p:style>
+            <a:lnRef idx="2">
+              <a:schemeClr val="accent2">
+                <a:shade val="15000"/>
+              </a:schemeClr>
+            </a:lnRef>
+            <a:fillRef idx="1">
+              <a:schemeClr val="accent2"/>
+            </a:fillRef>
+            <a:effectRef idx="0">
+              <a:schemeClr val="accent2"/>
+            </a:effectRef>
+            <a:fontRef idx="minor">
+              <a:schemeClr val="lt1"/>
+            </a:fontRef>
+          </p:style>
+          <p:txBody>
+            <a:bodyPr rtlCol="0" anchor="ctr"/>
+            <a:lstStyle/>
+            <a:p>
+              <a:pPr algn="ctr"/>
+              <a:endParaRPr lang="en-US"/>
+            </a:p>
+          </p:txBody>
+        </p:sp>
+        <p:sp>
+          <p:nvSpPr>
+            <p:cNvPr id="27" name="Oval 26">
+              <a:extLst>
+                <a:ext uri="{FF2B5EF4-FFF2-40B4-BE49-F238E27FC236}">
+                  <a16:creationId xmlns:a16="http://schemas.microsoft.com/office/drawing/2014/main" id="{04CA00F5-E33A-5956-8862-9A0C0F18389C}"/>
+                </a:ext>
+              </a:extLst>
+            </p:cNvPr>
+            <p:cNvSpPr/>
+            <p:nvPr/>
+          </p:nvSpPr>
+          <p:spPr>
+            <a:xfrm>
+              <a:off x="6766628" y="3497359"/>
+              <a:ext cx="82011" cy="82011"/>
+            </a:xfrm>
+            <a:prstGeom prst="ellipse">
+              <a:avLst/>
+            </a:prstGeom>
+            <a:grpFill/>
+          </p:spPr>
+          <p:style>
+            <a:lnRef idx="2">
+              <a:schemeClr val="accent2">
+                <a:shade val="15000"/>
+              </a:schemeClr>
+            </a:lnRef>
+            <a:fillRef idx="1">
+              <a:schemeClr val="accent2"/>
+            </a:fillRef>
+            <a:effectRef idx="0">
+              <a:schemeClr val="accent2"/>
+            </a:effectRef>
+            <a:fontRef idx="minor">
+              <a:schemeClr val="lt1"/>
+            </a:fontRef>
+          </p:style>
+          <p:txBody>
+            <a:bodyPr rtlCol="0" anchor="ctr"/>
+            <a:lstStyle/>
+            <a:p>
+              <a:pPr algn="ctr"/>
+              <a:endParaRPr lang="en-US"/>
+            </a:p>
+          </p:txBody>
+        </p:sp>
+        <p:sp>
+          <p:nvSpPr>
+            <p:cNvPr id="28" name="Oval 27">
+              <a:extLst>
+                <a:ext uri="{FF2B5EF4-FFF2-40B4-BE49-F238E27FC236}">
+                  <a16:creationId xmlns:a16="http://schemas.microsoft.com/office/drawing/2014/main" id="{B7E0D864-EA70-C3DE-DF13-E49DACF570B4}"/>
+                </a:ext>
+              </a:extLst>
+            </p:cNvPr>
+            <p:cNvSpPr/>
+            <p:nvPr/>
+          </p:nvSpPr>
+          <p:spPr>
+            <a:xfrm>
+              <a:off x="6919028" y="3649759"/>
+              <a:ext cx="82011" cy="82011"/>
+            </a:xfrm>
+            <a:prstGeom prst="ellipse">
+              <a:avLst/>
+            </a:prstGeom>
+            <a:grpFill/>
+          </p:spPr>
+          <p:style>
+            <a:lnRef idx="2">
+              <a:schemeClr val="accent2">
+                <a:shade val="15000"/>
+              </a:schemeClr>
+            </a:lnRef>
+            <a:fillRef idx="1">
+              <a:schemeClr val="accent2"/>
+            </a:fillRef>
+            <a:effectRef idx="0">
+              <a:schemeClr val="accent2"/>
+            </a:effectRef>
+            <a:fontRef idx="minor">
+              <a:schemeClr val="lt1"/>
+            </a:fontRef>
+          </p:style>
+          <p:txBody>
+            <a:bodyPr rtlCol="0" anchor="ctr"/>
+            <a:lstStyle/>
+            <a:p>
+              <a:pPr algn="ctr"/>
+              <a:endParaRPr lang="en-US"/>
+            </a:p>
+          </p:txBody>
+        </p:sp>
+        <p:sp>
+          <p:nvSpPr>
+            <p:cNvPr id="29" name="Oval 28">
+              <a:extLst>
+                <a:ext uri="{FF2B5EF4-FFF2-40B4-BE49-F238E27FC236}">
+                  <a16:creationId xmlns:a16="http://schemas.microsoft.com/office/drawing/2014/main" id="{107D533E-0779-C9AD-57E6-A78B90AB8C8B}"/>
+                </a:ext>
+              </a:extLst>
+            </p:cNvPr>
+            <p:cNvSpPr/>
+            <p:nvPr/>
+          </p:nvSpPr>
+          <p:spPr>
+            <a:xfrm>
+              <a:off x="6033203" y="2563909"/>
+              <a:ext cx="82011" cy="82011"/>
+            </a:xfrm>
+            <a:prstGeom prst="ellipse">
+              <a:avLst/>
+            </a:prstGeom>
+            <a:grpFill/>
+          </p:spPr>
+          <p:style>
+            <a:lnRef idx="2">
+              <a:schemeClr val="accent2">
+                <a:shade val="15000"/>
+              </a:schemeClr>
+            </a:lnRef>
+            <a:fillRef idx="1">
+              <a:schemeClr val="accent2"/>
+            </a:fillRef>
+            <a:effectRef idx="0">
+              <a:schemeClr val="accent2"/>
+            </a:effectRef>
+            <a:fontRef idx="minor">
+              <a:schemeClr val="lt1"/>
+            </a:fontRef>
+          </p:style>
+          <p:txBody>
+            <a:bodyPr rtlCol="0" anchor="ctr"/>
+            <a:lstStyle/>
+            <a:p>
+              <a:pPr algn="ctr"/>
+              <a:endParaRPr lang="en-US"/>
+            </a:p>
+          </p:txBody>
+        </p:sp>
+        <p:sp>
+          <p:nvSpPr>
+            <p:cNvPr id="36" name="Oval 35">
+              <a:extLst>
+                <a:ext uri="{FF2B5EF4-FFF2-40B4-BE49-F238E27FC236}">
+                  <a16:creationId xmlns:a16="http://schemas.microsoft.com/office/drawing/2014/main" id="{F825DC45-EE71-8F46-63C2-698550973923}"/>
+                </a:ext>
+              </a:extLst>
+            </p:cNvPr>
+            <p:cNvSpPr/>
+            <p:nvPr/>
+          </p:nvSpPr>
+          <p:spPr>
+            <a:xfrm>
+              <a:off x="6185603" y="2716309"/>
+              <a:ext cx="82011" cy="82011"/>
+            </a:xfrm>
+            <a:prstGeom prst="ellipse">
+              <a:avLst/>
+            </a:prstGeom>
+            <a:grpFill/>
+          </p:spPr>
+          <p:style>
+            <a:lnRef idx="2">
+              <a:schemeClr val="accent2">
+                <a:shade val="15000"/>
+              </a:schemeClr>
+            </a:lnRef>
+            <a:fillRef idx="1">
+              <a:schemeClr val="accent2"/>
+            </a:fillRef>
+            <a:effectRef idx="0">
+              <a:schemeClr val="accent2"/>
+            </a:effectRef>
+            <a:fontRef idx="minor">
+              <a:schemeClr val="lt1"/>
+            </a:fontRef>
+          </p:style>
+          <p:txBody>
+            <a:bodyPr rtlCol="0" anchor="ctr"/>
+            <a:lstStyle/>
+            <a:p>
+              <a:pPr algn="ctr"/>
+              <a:endParaRPr lang="en-US"/>
+            </a:p>
+          </p:txBody>
+        </p:sp>
+        <p:sp>
+          <p:nvSpPr>
+            <p:cNvPr id="37" name="Oval 36">
+              <a:extLst>
+                <a:ext uri="{FF2B5EF4-FFF2-40B4-BE49-F238E27FC236}">
+                  <a16:creationId xmlns:a16="http://schemas.microsoft.com/office/drawing/2014/main" id="{847C56BE-39D8-E99B-D811-B456CD0CEA76}"/>
+                </a:ext>
+              </a:extLst>
+            </p:cNvPr>
+            <p:cNvSpPr/>
+            <p:nvPr/>
+          </p:nvSpPr>
+          <p:spPr>
+            <a:xfrm>
+              <a:off x="6338003" y="2868709"/>
+              <a:ext cx="82011" cy="82011"/>
+            </a:xfrm>
+            <a:prstGeom prst="ellipse">
+              <a:avLst/>
+            </a:prstGeom>
+            <a:grpFill/>
+          </p:spPr>
+          <p:style>
+            <a:lnRef idx="2">
+              <a:schemeClr val="accent2">
+                <a:shade val="15000"/>
+              </a:schemeClr>
+            </a:lnRef>
+            <a:fillRef idx="1">
+              <a:schemeClr val="accent2"/>
+            </a:fillRef>
+            <a:effectRef idx="0">
+              <a:schemeClr val="accent2"/>
+            </a:effectRef>
+            <a:fontRef idx="minor">
+              <a:schemeClr val="lt1"/>
+            </a:fontRef>
+          </p:style>
+          <p:txBody>
+            <a:bodyPr rtlCol="0" anchor="ctr"/>
+            <a:lstStyle/>
+            <a:p>
+              <a:pPr algn="ctr"/>
+              <a:endParaRPr lang="en-US"/>
+            </a:p>
+          </p:txBody>
+        </p:sp>
+        <p:sp>
+          <p:nvSpPr>
+            <p:cNvPr id="38" name="Oval 37">
+              <a:extLst>
+                <a:ext uri="{FF2B5EF4-FFF2-40B4-BE49-F238E27FC236}">
+                  <a16:creationId xmlns:a16="http://schemas.microsoft.com/office/drawing/2014/main" id="{56F592CE-624E-1F21-BE22-E28A366F57B8}"/>
+                </a:ext>
+              </a:extLst>
+            </p:cNvPr>
+            <p:cNvSpPr/>
+            <p:nvPr/>
+          </p:nvSpPr>
+          <p:spPr>
+            <a:xfrm>
+              <a:off x="6490403" y="3021109"/>
+              <a:ext cx="82011" cy="82011"/>
+            </a:xfrm>
+            <a:prstGeom prst="ellipse">
+              <a:avLst/>
+            </a:prstGeom>
+            <a:grpFill/>
+          </p:spPr>
+          <p:style>
+            <a:lnRef idx="2">
+              <a:schemeClr val="accent2">
+                <a:shade val="15000"/>
+              </a:schemeClr>
+            </a:lnRef>
+            <a:fillRef idx="1">
+              <a:schemeClr val="accent2"/>
+            </a:fillRef>
+            <a:effectRef idx="0">
+              <a:schemeClr val="accent2"/>
+            </a:effectRef>
+            <a:fontRef idx="minor">
+              <a:schemeClr val="lt1"/>
+            </a:fontRef>
+          </p:style>
+          <p:txBody>
+            <a:bodyPr rtlCol="0" anchor="ctr"/>
+            <a:lstStyle/>
+            <a:p>
+              <a:pPr algn="ctr"/>
+              <a:endParaRPr lang="en-US"/>
+            </a:p>
+          </p:txBody>
+        </p:sp>
+        <p:sp>
+          <p:nvSpPr>
+            <p:cNvPr id="40" name="Oval 39">
+              <a:extLst>
+                <a:ext uri="{FF2B5EF4-FFF2-40B4-BE49-F238E27FC236}">
+                  <a16:creationId xmlns:a16="http://schemas.microsoft.com/office/drawing/2014/main" id="{9E92F796-0648-68C8-D6D8-184A17D56045}"/>
+                </a:ext>
+              </a:extLst>
+            </p:cNvPr>
+            <p:cNvSpPr/>
+            <p:nvPr/>
+          </p:nvSpPr>
+          <p:spPr>
+            <a:xfrm>
+              <a:off x="6642803" y="3173509"/>
+              <a:ext cx="82011" cy="82011"/>
+            </a:xfrm>
+            <a:prstGeom prst="ellipse">
+              <a:avLst/>
+            </a:prstGeom>
+            <a:grpFill/>
+          </p:spPr>
+          <p:style>
+            <a:lnRef idx="2">
+              <a:schemeClr val="accent2">
+                <a:shade val="15000"/>
+              </a:schemeClr>
+            </a:lnRef>
+            <a:fillRef idx="1">
+              <a:schemeClr val="accent2"/>
+            </a:fillRef>
+            <a:effectRef idx="0">
+              <a:schemeClr val="accent2"/>
+            </a:effectRef>
+            <a:fontRef idx="minor">
+              <a:schemeClr val="lt1"/>
+            </a:fontRef>
+          </p:style>
+          <p:txBody>
+            <a:bodyPr rtlCol="0" anchor="ctr"/>
+            <a:lstStyle/>
+            <a:p>
+              <a:pPr algn="ctr"/>
+              <a:endParaRPr lang="en-US"/>
+            </a:p>
+          </p:txBody>
+        </p:sp>
+        <p:sp>
+          <p:nvSpPr>
+            <p:cNvPr id="41" name="Oval 40">
+              <a:extLst>
+                <a:ext uri="{FF2B5EF4-FFF2-40B4-BE49-F238E27FC236}">
+                  <a16:creationId xmlns:a16="http://schemas.microsoft.com/office/drawing/2014/main" id="{1925FF10-2ED4-1002-6097-6362B9C2A928}"/>
+                </a:ext>
+              </a:extLst>
+            </p:cNvPr>
+            <p:cNvSpPr/>
+            <p:nvPr/>
+          </p:nvSpPr>
+          <p:spPr>
+            <a:xfrm>
+              <a:off x="6795203" y="3325909"/>
+              <a:ext cx="82011" cy="82011"/>
+            </a:xfrm>
+            <a:prstGeom prst="ellipse">
+              <a:avLst/>
+            </a:prstGeom>
+            <a:grpFill/>
+          </p:spPr>
+          <p:style>
+            <a:lnRef idx="2">
+              <a:schemeClr val="accent2">
+                <a:shade val="15000"/>
+              </a:schemeClr>
+            </a:lnRef>
+            <a:fillRef idx="1">
+              <a:schemeClr val="accent2"/>
+            </a:fillRef>
+            <a:effectRef idx="0">
+              <a:schemeClr val="accent2"/>
+            </a:effectRef>
+            <a:fontRef idx="minor">
+              <a:schemeClr val="lt1"/>
+            </a:fontRef>
+          </p:style>
+          <p:txBody>
+            <a:bodyPr rtlCol="0" anchor="ctr"/>
+            <a:lstStyle/>
+            <a:p>
+              <a:pPr algn="ctr"/>
+              <a:endParaRPr lang="en-US"/>
+            </a:p>
+          </p:txBody>
+        </p:sp>
+      </p:grpSp>
+      <p:grpSp>
+        <p:nvGrpSpPr>
+          <p:cNvPr id="30" name="Group 29">
+            <a:extLst>
+              <a:ext uri="{FF2B5EF4-FFF2-40B4-BE49-F238E27FC236}">
+                <a16:creationId xmlns:a16="http://schemas.microsoft.com/office/drawing/2014/main" id="{2A046A9C-03BD-9182-89D2-413DB9385A3A}"/>
+              </a:ext>
+            </a:extLst>
+          </p:cNvPr>
+          <p:cNvGrpSpPr/>
+          <p:nvPr/>
+        </p:nvGrpSpPr>
+        <p:grpSpPr>
+          <a:xfrm rot="10800000">
+            <a:off x="3771525" y="4299611"/>
+            <a:ext cx="1301211" cy="1301211"/>
+            <a:chOff x="5699828" y="2430559"/>
+            <a:chExt cx="1301211" cy="1301211"/>
+          </a:xfrm>
+        </p:grpSpPr>
+        <p:sp>
+          <p:nvSpPr>
+            <p:cNvPr id="31" name="Oval 30">
+              <a:extLst>
+                <a:ext uri="{FF2B5EF4-FFF2-40B4-BE49-F238E27FC236}">
+                  <a16:creationId xmlns:a16="http://schemas.microsoft.com/office/drawing/2014/main" id="{D3D3DB5A-3DCB-15B7-90AF-35C7302C07CA}"/>
+                </a:ext>
+              </a:extLst>
+            </p:cNvPr>
+            <p:cNvSpPr/>
+            <p:nvPr/>
+          </p:nvSpPr>
+          <p:spPr>
+            <a:xfrm>
+              <a:off x="5699828" y="2430559"/>
+              <a:ext cx="82011" cy="82011"/>
+            </a:xfrm>
+            <a:prstGeom prst="ellipse">
+              <a:avLst/>
+            </a:prstGeom>
+            <a:solidFill>
+              <a:srgbClr val="7030A0"/>
+            </a:solidFill>
+          </p:spPr>
+          <p:style>
+            <a:lnRef idx="2">
+              <a:schemeClr val="accent2">
+                <a:shade val="15000"/>
+              </a:schemeClr>
+            </a:lnRef>
+            <a:fillRef idx="1">
+              <a:schemeClr val="accent2"/>
+            </a:fillRef>
+            <a:effectRef idx="0">
+              <a:schemeClr val="accent2"/>
+            </a:effectRef>
+            <a:fontRef idx="minor">
+              <a:schemeClr val="lt1"/>
+            </a:fontRef>
+          </p:style>
+          <p:txBody>
+            <a:bodyPr rtlCol="0" anchor="ctr"/>
+            <a:lstStyle/>
+            <a:p>
+              <a:pPr algn="ctr"/>
+              <a:endParaRPr lang="en-US"/>
+            </a:p>
+          </p:txBody>
+        </p:sp>
+        <p:sp>
+          <p:nvSpPr>
+            <p:cNvPr id="32" name="Oval 31">
+              <a:extLst>
+                <a:ext uri="{FF2B5EF4-FFF2-40B4-BE49-F238E27FC236}">
+                  <a16:creationId xmlns:a16="http://schemas.microsoft.com/office/drawing/2014/main" id="{52CDB996-0814-1034-8EA1-DE6C823AF7F1}"/>
+                </a:ext>
+              </a:extLst>
+            </p:cNvPr>
+            <p:cNvSpPr/>
+            <p:nvPr/>
+          </p:nvSpPr>
+          <p:spPr>
+            <a:xfrm>
+              <a:off x="5852228" y="2582959"/>
+              <a:ext cx="82011" cy="82011"/>
+            </a:xfrm>
+            <a:prstGeom prst="ellipse">
+              <a:avLst/>
+            </a:prstGeom>
+            <a:solidFill>
+              <a:srgbClr val="7030A0"/>
+            </a:solidFill>
+          </p:spPr>
+          <p:style>
+            <a:lnRef idx="2">
+              <a:schemeClr val="accent2">
+                <a:shade val="15000"/>
+              </a:schemeClr>
+            </a:lnRef>
+            <a:fillRef idx="1">
+              <a:schemeClr val="accent2"/>
+            </a:fillRef>
+            <a:effectRef idx="0">
+              <a:schemeClr val="accent2"/>
+            </a:effectRef>
+            <a:fontRef idx="minor">
+              <a:schemeClr val="lt1"/>
+            </a:fontRef>
+          </p:style>
+          <p:txBody>
+            <a:bodyPr rtlCol="0" anchor="ctr"/>
+            <a:lstStyle/>
+            <a:p>
+              <a:pPr algn="ctr"/>
+              <a:endParaRPr lang="en-US"/>
+            </a:p>
+          </p:txBody>
+        </p:sp>
+        <p:sp>
+          <p:nvSpPr>
+            <p:cNvPr id="33" name="Oval 32">
+              <a:extLst>
+                <a:ext uri="{FF2B5EF4-FFF2-40B4-BE49-F238E27FC236}">
+                  <a16:creationId xmlns:a16="http://schemas.microsoft.com/office/drawing/2014/main" id="{14982946-1E20-622A-1C46-757BCDA25277}"/>
+                </a:ext>
+              </a:extLst>
+            </p:cNvPr>
+            <p:cNvSpPr/>
+            <p:nvPr/>
+          </p:nvSpPr>
+          <p:spPr>
+            <a:xfrm>
+              <a:off x="6004628" y="2735359"/>
+              <a:ext cx="82011" cy="82011"/>
+            </a:xfrm>
+            <a:prstGeom prst="ellipse">
+              <a:avLst/>
+            </a:prstGeom>
+            <a:solidFill>
+              <a:srgbClr val="7030A0"/>
+            </a:solidFill>
+          </p:spPr>
+          <p:style>
+            <a:lnRef idx="2">
+              <a:schemeClr val="accent2">
+                <a:shade val="15000"/>
+              </a:schemeClr>
+            </a:lnRef>
+            <a:fillRef idx="1">
+              <a:schemeClr val="accent2"/>
+            </a:fillRef>
+            <a:effectRef idx="0">
+              <a:schemeClr val="accent2"/>
+            </a:effectRef>
+            <a:fontRef idx="minor">
+              <a:schemeClr val="lt1"/>
+            </a:fontRef>
+          </p:style>
+          <p:txBody>
+            <a:bodyPr rtlCol="0" anchor="ctr"/>
+            <a:lstStyle/>
+            <a:p>
+              <a:pPr algn="ctr"/>
+              <a:endParaRPr lang="en-US"/>
+            </a:p>
+          </p:txBody>
+        </p:sp>
+        <p:sp>
+          <p:nvSpPr>
+            <p:cNvPr id="35" name="Oval 34">
+              <a:extLst>
+                <a:ext uri="{FF2B5EF4-FFF2-40B4-BE49-F238E27FC236}">
+                  <a16:creationId xmlns:a16="http://schemas.microsoft.com/office/drawing/2014/main" id="{0D75AF5E-C627-4A9F-F14E-D2D1FA75C4C7}"/>
+                </a:ext>
+              </a:extLst>
+            </p:cNvPr>
+            <p:cNvSpPr/>
+            <p:nvPr/>
+          </p:nvSpPr>
+          <p:spPr>
+            <a:xfrm>
+              <a:off x="6157028" y="2887759"/>
+              <a:ext cx="82011" cy="82011"/>
+            </a:xfrm>
+            <a:prstGeom prst="ellipse">
+              <a:avLst/>
+            </a:prstGeom>
+            <a:solidFill>
+              <a:srgbClr val="7030A0"/>
+            </a:solidFill>
+          </p:spPr>
+          <p:style>
+            <a:lnRef idx="2">
+              <a:schemeClr val="accent2">
+                <a:shade val="15000"/>
+              </a:schemeClr>
+            </a:lnRef>
+            <a:fillRef idx="1">
+              <a:schemeClr val="accent2"/>
+            </a:fillRef>
+            <a:effectRef idx="0">
+              <a:schemeClr val="accent2"/>
+            </a:effectRef>
+            <a:fontRef idx="minor">
+              <a:schemeClr val="lt1"/>
+            </a:fontRef>
+          </p:style>
+          <p:txBody>
+            <a:bodyPr rtlCol="0" anchor="ctr"/>
+            <a:lstStyle/>
+            <a:p>
+              <a:pPr algn="ctr"/>
+              <a:endParaRPr lang="en-US"/>
+            </a:p>
+          </p:txBody>
+        </p:sp>
+        <p:sp>
+          <p:nvSpPr>
+            <p:cNvPr id="43" name="Oval 42">
+              <a:extLst>
+                <a:ext uri="{FF2B5EF4-FFF2-40B4-BE49-F238E27FC236}">
+                  <a16:creationId xmlns:a16="http://schemas.microsoft.com/office/drawing/2014/main" id="{65F52A53-F4CF-E4C2-A742-7547B10C67E3}"/>
+                </a:ext>
+              </a:extLst>
+            </p:cNvPr>
+            <p:cNvSpPr/>
+            <p:nvPr/>
+          </p:nvSpPr>
+          <p:spPr>
+            <a:xfrm>
+              <a:off x="6309428" y="3040159"/>
+              <a:ext cx="82011" cy="82011"/>
+            </a:xfrm>
+            <a:prstGeom prst="ellipse">
+              <a:avLst/>
+            </a:prstGeom>
+            <a:solidFill>
+              <a:srgbClr val="7030A0"/>
+            </a:solidFill>
+          </p:spPr>
+          <p:style>
+            <a:lnRef idx="2">
+              <a:schemeClr val="accent2">
+                <a:shade val="15000"/>
+              </a:schemeClr>
+            </a:lnRef>
+            <a:fillRef idx="1">
+              <a:schemeClr val="accent2"/>
+            </a:fillRef>
+            <a:effectRef idx="0">
+              <a:schemeClr val="accent2"/>
+            </a:effectRef>
+            <a:fontRef idx="minor">
+              <a:schemeClr val="lt1"/>
+            </a:fontRef>
+          </p:style>
+          <p:txBody>
+            <a:bodyPr rtlCol="0" anchor="ctr"/>
+            <a:lstStyle/>
+            <a:p>
+              <a:pPr algn="ctr"/>
+              <a:endParaRPr lang="en-US"/>
+            </a:p>
+          </p:txBody>
+        </p:sp>
+        <p:sp>
+          <p:nvSpPr>
+            <p:cNvPr id="44" name="Oval 43">
+              <a:extLst>
+                <a:ext uri="{FF2B5EF4-FFF2-40B4-BE49-F238E27FC236}">
+                  <a16:creationId xmlns:a16="http://schemas.microsoft.com/office/drawing/2014/main" id="{CF368668-2878-ABA0-6D7B-4B43385E927C}"/>
+                </a:ext>
+              </a:extLst>
+            </p:cNvPr>
+            <p:cNvSpPr/>
+            <p:nvPr/>
+          </p:nvSpPr>
+          <p:spPr>
+            <a:xfrm>
+              <a:off x="6461828" y="3192559"/>
+              <a:ext cx="82011" cy="82011"/>
+            </a:xfrm>
+            <a:prstGeom prst="ellipse">
+              <a:avLst/>
+            </a:prstGeom>
+            <a:solidFill>
+              <a:srgbClr val="7030A0"/>
+            </a:solidFill>
+          </p:spPr>
+          <p:style>
+            <a:lnRef idx="2">
+              <a:schemeClr val="accent2">
+                <a:shade val="15000"/>
+              </a:schemeClr>
+            </a:lnRef>
+            <a:fillRef idx="1">
+              <a:schemeClr val="accent2"/>
+            </a:fillRef>
+            <a:effectRef idx="0">
+              <a:schemeClr val="accent2"/>
+            </a:effectRef>
+            <a:fontRef idx="minor">
+              <a:schemeClr val="lt1"/>
+            </a:fontRef>
+          </p:style>
+          <p:txBody>
+            <a:bodyPr rtlCol="0" anchor="ctr"/>
+            <a:lstStyle/>
+            <a:p>
+              <a:pPr algn="ctr"/>
+              <a:endParaRPr lang="en-US"/>
+            </a:p>
+          </p:txBody>
+        </p:sp>
+        <p:sp>
+          <p:nvSpPr>
+            <p:cNvPr id="45" name="Oval 44">
+              <a:extLst>
+                <a:ext uri="{FF2B5EF4-FFF2-40B4-BE49-F238E27FC236}">
+                  <a16:creationId xmlns:a16="http://schemas.microsoft.com/office/drawing/2014/main" id="{13755ACD-4ADC-151D-C601-417ABDE99E1C}"/>
+                </a:ext>
+              </a:extLst>
+            </p:cNvPr>
+            <p:cNvSpPr/>
+            <p:nvPr/>
+          </p:nvSpPr>
+          <p:spPr>
+            <a:xfrm>
+              <a:off x="6614228" y="3344959"/>
+              <a:ext cx="82011" cy="82011"/>
+            </a:xfrm>
+            <a:prstGeom prst="ellipse">
+              <a:avLst/>
+            </a:prstGeom>
+            <a:solidFill>
+              <a:srgbClr val="7030A0"/>
+            </a:solidFill>
+          </p:spPr>
+          <p:style>
+            <a:lnRef idx="2">
+              <a:schemeClr val="accent2">
+                <a:shade val="15000"/>
+              </a:schemeClr>
+            </a:lnRef>
+            <a:fillRef idx="1">
+              <a:schemeClr val="accent2"/>
+            </a:fillRef>
+            <a:effectRef idx="0">
+              <a:schemeClr val="accent2"/>
+            </a:effectRef>
+            <a:fontRef idx="minor">
+              <a:schemeClr val="lt1"/>
+            </a:fontRef>
+          </p:style>
+          <p:txBody>
+            <a:bodyPr rtlCol="0" anchor="ctr"/>
+            <a:lstStyle/>
+            <a:p>
+              <a:pPr algn="ctr"/>
+              <a:endParaRPr lang="en-US"/>
+            </a:p>
+          </p:txBody>
+        </p:sp>
+        <p:sp>
+          <p:nvSpPr>
+            <p:cNvPr id="46" name="Oval 45">
+              <a:extLst>
+                <a:ext uri="{FF2B5EF4-FFF2-40B4-BE49-F238E27FC236}">
+                  <a16:creationId xmlns:a16="http://schemas.microsoft.com/office/drawing/2014/main" id="{EE0148BD-694D-0BDC-74D8-FCA2A2F7F7D1}"/>
+                </a:ext>
+              </a:extLst>
+            </p:cNvPr>
+            <p:cNvSpPr/>
+            <p:nvPr/>
+          </p:nvSpPr>
+          <p:spPr>
+            <a:xfrm>
+              <a:off x="6766628" y="3497359"/>
+              <a:ext cx="82011" cy="82011"/>
+            </a:xfrm>
+            <a:prstGeom prst="ellipse">
+              <a:avLst/>
+            </a:prstGeom>
+            <a:solidFill>
+              <a:srgbClr val="7030A0"/>
+            </a:solidFill>
+          </p:spPr>
+          <p:style>
+            <a:lnRef idx="2">
+              <a:schemeClr val="accent2">
+                <a:shade val="15000"/>
+              </a:schemeClr>
+            </a:lnRef>
+            <a:fillRef idx="1">
+              <a:schemeClr val="accent2"/>
+            </a:fillRef>
+            <a:effectRef idx="0">
+              <a:schemeClr val="accent2"/>
+            </a:effectRef>
+            <a:fontRef idx="minor">
+              <a:schemeClr val="lt1"/>
+            </a:fontRef>
+          </p:style>
+          <p:txBody>
+            <a:bodyPr rtlCol="0" anchor="ctr"/>
+            <a:lstStyle/>
+            <a:p>
+              <a:pPr algn="ctr"/>
+              <a:endParaRPr lang="en-US"/>
+            </a:p>
+          </p:txBody>
+        </p:sp>
+        <p:sp>
+          <p:nvSpPr>
+            <p:cNvPr id="47" name="Oval 46">
+              <a:extLst>
+                <a:ext uri="{FF2B5EF4-FFF2-40B4-BE49-F238E27FC236}">
+                  <a16:creationId xmlns:a16="http://schemas.microsoft.com/office/drawing/2014/main" id="{A1EA0BC3-4F5E-0913-873A-37388BFD3848}"/>
+                </a:ext>
+              </a:extLst>
+            </p:cNvPr>
+            <p:cNvSpPr/>
+            <p:nvPr/>
+          </p:nvSpPr>
+          <p:spPr>
+            <a:xfrm>
+              <a:off x="6919028" y="3649759"/>
+              <a:ext cx="82011" cy="82011"/>
+            </a:xfrm>
+            <a:prstGeom prst="ellipse">
+              <a:avLst/>
+            </a:prstGeom>
+            <a:solidFill>
+              <a:srgbClr val="7030A0"/>
+            </a:solidFill>
+          </p:spPr>
+          <p:style>
+            <a:lnRef idx="2">
+              <a:schemeClr val="accent2">
+                <a:shade val="15000"/>
+              </a:schemeClr>
+            </a:lnRef>
+            <a:fillRef idx="1">
+              <a:schemeClr val="accent2"/>
+            </a:fillRef>
+            <a:effectRef idx="0">
+              <a:schemeClr val="accent2"/>
+            </a:effectRef>
+            <a:fontRef idx="minor">
+              <a:schemeClr val="lt1"/>
+            </a:fontRef>
+          </p:style>
+          <p:txBody>
+            <a:bodyPr rtlCol="0" anchor="ctr"/>
+            <a:lstStyle/>
+            <a:p>
+              <a:pPr algn="ctr"/>
+              <a:endParaRPr lang="en-US"/>
+            </a:p>
+          </p:txBody>
+        </p:sp>
+        <p:sp>
+          <p:nvSpPr>
+            <p:cNvPr id="48" name="Oval 47">
+              <a:extLst>
+                <a:ext uri="{FF2B5EF4-FFF2-40B4-BE49-F238E27FC236}">
+                  <a16:creationId xmlns:a16="http://schemas.microsoft.com/office/drawing/2014/main" id="{A6C6E00D-7ABE-5F30-A933-773929E52656}"/>
+                </a:ext>
+              </a:extLst>
+            </p:cNvPr>
+            <p:cNvSpPr/>
+            <p:nvPr/>
+          </p:nvSpPr>
+          <p:spPr>
+            <a:xfrm>
+              <a:off x="6033203" y="2563909"/>
+              <a:ext cx="82011" cy="82011"/>
+            </a:xfrm>
+            <a:prstGeom prst="ellipse">
+              <a:avLst/>
+            </a:prstGeom>
+            <a:solidFill>
+              <a:srgbClr val="7030A0"/>
+            </a:solidFill>
+          </p:spPr>
+          <p:style>
+            <a:lnRef idx="2">
+              <a:schemeClr val="accent2">
+                <a:shade val="15000"/>
+              </a:schemeClr>
+            </a:lnRef>
+            <a:fillRef idx="1">
+              <a:schemeClr val="accent2"/>
+            </a:fillRef>
+            <a:effectRef idx="0">
+              <a:schemeClr val="accent2"/>
+            </a:effectRef>
+            <a:fontRef idx="minor">
+              <a:schemeClr val="lt1"/>
+            </a:fontRef>
+          </p:style>
+          <p:txBody>
+            <a:bodyPr rtlCol="0" anchor="ctr"/>
+            <a:lstStyle/>
+            <a:p>
+              <a:pPr algn="ctr"/>
+              <a:endParaRPr lang="en-US"/>
+            </a:p>
+          </p:txBody>
+        </p:sp>
+        <p:sp>
+          <p:nvSpPr>
+            <p:cNvPr id="49" name="Oval 48">
+              <a:extLst>
+                <a:ext uri="{FF2B5EF4-FFF2-40B4-BE49-F238E27FC236}">
+                  <a16:creationId xmlns:a16="http://schemas.microsoft.com/office/drawing/2014/main" id="{C3712BA2-B7F6-C213-6F58-975AD67A79F3}"/>
+                </a:ext>
+              </a:extLst>
+            </p:cNvPr>
+            <p:cNvSpPr/>
+            <p:nvPr/>
+          </p:nvSpPr>
+          <p:spPr>
+            <a:xfrm>
+              <a:off x="6185603" y="2716309"/>
+              <a:ext cx="82011" cy="82011"/>
+            </a:xfrm>
+            <a:prstGeom prst="ellipse">
+              <a:avLst/>
+            </a:prstGeom>
+            <a:solidFill>
+              <a:srgbClr val="7030A0"/>
+            </a:solidFill>
+          </p:spPr>
+          <p:style>
+            <a:lnRef idx="2">
+              <a:schemeClr val="accent2">
+                <a:shade val="15000"/>
+              </a:schemeClr>
+            </a:lnRef>
+            <a:fillRef idx="1">
+              <a:schemeClr val="accent2"/>
+            </a:fillRef>
+            <a:effectRef idx="0">
+              <a:schemeClr val="accent2"/>
+            </a:effectRef>
+            <a:fontRef idx="minor">
+              <a:schemeClr val="lt1"/>
+            </a:fontRef>
+          </p:style>
+          <p:txBody>
+            <a:bodyPr rtlCol="0" anchor="ctr"/>
+            <a:lstStyle/>
+            <a:p>
+              <a:pPr algn="ctr"/>
+              <a:endParaRPr lang="en-US"/>
+            </a:p>
+          </p:txBody>
+        </p:sp>
+        <p:sp>
+          <p:nvSpPr>
+            <p:cNvPr id="50" name="Oval 49">
+              <a:extLst>
+                <a:ext uri="{FF2B5EF4-FFF2-40B4-BE49-F238E27FC236}">
+                  <a16:creationId xmlns:a16="http://schemas.microsoft.com/office/drawing/2014/main" id="{B2A4C00F-DA23-C008-8F34-65A4719DE98D}"/>
+                </a:ext>
+              </a:extLst>
+            </p:cNvPr>
+            <p:cNvSpPr/>
+            <p:nvPr/>
+          </p:nvSpPr>
+          <p:spPr>
+            <a:xfrm>
+              <a:off x="6338003" y="2868709"/>
+              <a:ext cx="82011" cy="82011"/>
+            </a:xfrm>
+            <a:prstGeom prst="ellipse">
+              <a:avLst/>
+            </a:prstGeom>
+            <a:solidFill>
+              <a:srgbClr val="7030A0"/>
+            </a:solidFill>
+          </p:spPr>
+          <p:style>
+            <a:lnRef idx="2">
+              <a:schemeClr val="accent2">
+                <a:shade val="15000"/>
+              </a:schemeClr>
+            </a:lnRef>
+            <a:fillRef idx="1">
+              <a:schemeClr val="accent2"/>
+            </a:fillRef>
+            <a:effectRef idx="0">
+              <a:schemeClr val="accent2"/>
+            </a:effectRef>
+            <a:fontRef idx="minor">
+              <a:schemeClr val="lt1"/>
+            </a:fontRef>
+          </p:style>
+          <p:txBody>
+            <a:bodyPr rtlCol="0" anchor="ctr"/>
+            <a:lstStyle/>
+            <a:p>
+              <a:pPr algn="ctr"/>
+              <a:endParaRPr lang="en-US"/>
+            </a:p>
+          </p:txBody>
+        </p:sp>
+        <p:sp>
+          <p:nvSpPr>
+            <p:cNvPr id="51" name="Oval 50">
+              <a:extLst>
+                <a:ext uri="{FF2B5EF4-FFF2-40B4-BE49-F238E27FC236}">
+                  <a16:creationId xmlns:a16="http://schemas.microsoft.com/office/drawing/2014/main" id="{C4D9FD48-BE1E-337F-F481-97098195AB00}"/>
+                </a:ext>
+              </a:extLst>
+            </p:cNvPr>
+            <p:cNvSpPr/>
+            <p:nvPr/>
+          </p:nvSpPr>
+          <p:spPr>
+            <a:xfrm>
+              <a:off x="6490403" y="3021109"/>
+              <a:ext cx="82011" cy="82011"/>
+            </a:xfrm>
+            <a:prstGeom prst="ellipse">
+              <a:avLst/>
+            </a:prstGeom>
+            <a:solidFill>
+              <a:srgbClr val="7030A0"/>
+            </a:solidFill>
+          </p:spPr>
+          <p:style>
+            <a:lnRef idx="2">
+              <a:schemeClr val="accent2">
+                <a:shade val="15000"/>
+              </a:schemeClr>
+            </a:lnRef>
+            <a:fillRef idx="1">
+              <a:schemeClr val="accent2"/>
+            </a:fillRef>
+            <a:effectRef idx="0">
+              <a:schemeClr val="accent2"/>
+            </a:effectRef>
+            <a:fontRef idx="minor">
+              <a:schemeClr val="lt1"/>
+            </a:fontRef>
+          </p:style>
+          <p:txBody>
+            <a:bodyPr rtlCol="0" anchor="ctr"/>
+            <a:lstStyle/>
+            <a:p>
+              <a:pPr algn="ctr"/>
+              <a:endParaRPr lang="en-US"/>
+            </a:p>
+          </p:txBody>
+        </p:sp>
+        <p:sp>
+          <p:nvSpPr>
+            <p:cNvPr id="52" name="Oval 51">
+              <a:extLst>
+                <a:ext uri="{FF2B5EF4-FFF2-40B4-BE49-F238E27FC236}">
+                  <a16:creationId xmlns:a16="http://schemas.microsoft.com/office/drawing/2014/main" id="{88A3E1FD-0BCF-9129-F069-922AE1872971}"/>
+                </a:ext>
+              </a:extLst>
+            </p:cNvPr>
+            <p:cNvSpPr/>
+            <p:nvPr/>
+          </p:nvSpPr>
+          <p:spPr>
+            <a:xfrm>
+              <a:off x="6642803" y="3173509"/>
+              <a:ext cx="82011" cy="82011"/>
+            </a:xfrm>
+            <a:prstGeom prst="ellipse">
+              <a:avLst/>
+            </a:prstGeom>
+            <a:solidFill>
+              <a:srgbClr val="7030A0"/>
+            </a:solidFill>
+          </p:spPr>
+          <p:style>
+            <a:lnRef idx="2">
+              <a:schemeClr val="accent2">
+                <a:shade val="15000"/>
+              </a:schemeClr>
+            </a:lnRef>
+            <a:fillRef idx="1">
+              <a:schemeClr val="accent2"/>
+            </a:fillRef>
+            <a:effectRef idx="0">
+              <a:schemeClr val="accent2"/>
+            </a:effectRef>
+            <a:fontRef idx="minor">
+              <a:schemeClr val="lt1"/>
+            </a:fontRef>
+          </p:style>
+          <p:txBody>
+            <a:bodyPr rtlCol="0" anchor="ctr"/>
+            <a:lstStyle/>
+            <a:p>
+              <a:pPr algn="ctr"/>
+              <a:endParaRPr lang="en-US"/>
+            </a:p>
+          </p:txBody>
+        </p:sp>
+        <p:sp>
+          <p:nvSpPr>
+            <p:cNvPr id="53" name="Oval 52">
+              <a:extLst>
+                <a:ext uri="{FF2B5EF4-FFF2-40B4-BE49-F238E27FC236}">
+                  <a16:creationId xmlns:a16="http://schemas.microsoft.com/office/drawing/2014/main" id="{E2CABFE3-5B2B-E2D0-1AC9-65707E173AF4}"/>
+                </a:ext>
+              </a:extLst>
+            </p:cNvPr>
+            <p:cNvSpPr/>
+            <p:nvPr/>
+          </p:nvSpPr>
+          <p:spPr>
+            <a:xfrm>
+              <a:off x="6795203" y="3325909"/>
+              <a:ext cx="82011" cy="82011"/>
+            </a:xfrm>
+            <a:prstGeom prst="ellipse">
+              <a:avLst/>
+            </a:prstGeom>
+            <a:solidFill>
+              <a:srgbClr val="7030A0"/>
+            </a:solidFill>
+          </p:spPr>
+          <p:style>
+            <a:lnRef idx="2">
+              <a:schemeClr val="accent2">
+                <a:shade val="15000"/>
+              </a:schemeClr>
+            </a:lnRef>
+            <a:fillRef idx="1">
+              <a:schemeClr val="accent2"/>
+            </a:fillRef>
+            <a:effectRef idx="0">
+              <a:schemeClr val="accent2"/>
+            </a:effectRef>
+            <a:fontRef idx="minor">
+              <a:schemeClr val="lt1"/>
+            </a:fontRef>
+          </p:style>
+          <p:txBody>
+            <a:bodyPr rtlCol="0" anchor="ctr"/>
+            <a:lstStyle/>
+            <a:p>
+              <a:pPr algn="ctr"/>
+              <a:endParaRPr lang="en-US"/>
+            </a:p>
+          </p:txBody>
+        </p:sp>
+      </p:grpSp>
+      <p:grpSp>
+        <p:nvGrpSpPr>
+          <p:cNvPr id="54" name="Group 53">
+            <a:extLst>
+              <a:ext uri="{FF2B5EF4-FFF2-40B4-BE49-F238E27FC236}">
+                <a16:creationId xmlns:a16="http://schemas.microsoft.com/office/drawing/2014/main" id="{6545275A-6A4D-11A0-0957-965C29956008}"/>
+              </a:ext>
+            </a:extLst>
+          </p:cNvPr>
+          <p:cNvGrpSpPr/>
+          <p:nvPr/>
+        </p:nvGrpSpPr>
+        <p:grpSpPr>
+          <a:xfrm rot="5400000">
+            <a:off x="5655316" y="4296025"/>
+            <a:ext cx="1301211" cy="1301211"/>
+            <a:chOff x="5699828" y="2430559"/>
+            <a:chExt cx="1301211" cy="1301211"/>
+          </a:xfrm>
+        </p:grpSpPr>
+        <p:sp>
+          <p:nvSpPr>
+            <p:cNvPr id="55" name="Oval 54">
+              <a:extLst>
+                <a:ext uri="{FF2B5EF4-FFF2-40B4-BE49-F238E27FC236}">
+                  <a16:creationId xmlns:a16="http://schemas.microsoft.com/office/drawing/2014/main" id="{92D61E4C-EC5B-0877-52BA-63DE33FC688E}"/>
+                </a:ext>
+              </a:extLst>
+            </p:cNvPr>
+            <p:cNvSpPr/>
+            <p:nvPr/>
+          </p:nvSpPr>
+          <p:spPr>
+            <a:xfrm>
+              <a:off x="5699828" y="2430559"/>
+              <a:ext cx="82011" cy="82011"/>
+            </a:xfrm>
+            <a:prstGeom prst="ellipse">
+              <a:avLst/>
+            </a:prstGeom>
+            <a:solidFill>
+              <a:srgbClr val="7030A0"/>
+            </a:solidFill>
+          </p:spPr>
+          <p:style>
+            <a:lnRef idx="2">
+              <a:schemeClr val="accent2">
+                <a:shade val="15000"/>
+              </a:schemeClr>
+            </a:lnRef>
+            <a:fillRef idx="1">
+              <a:schemeClr val="accent2"/>
+            </a:fillRef>
+            <a:effectRef idx="0">
+              <a:schemeClr val="accent2"/>
+            </a:effectRef>
+            <a:fontRef idx="minor">
+              <a:schemeClr val="lt1"/>
+            </a:fontRef>
+          </p:style>
+          <p:txBody>
+            <a:bodyPr rtlCol="0" anchor="ctr"/>
+            <a:lstStyle/>
+            <a:p>
+              <a:pPr algn="ctr"/>
+              <a:endParaRPr lang="en-US"/>
+            </a:p>
+          </p:txBody>
+        </p:sp>
+        <p:sp>
+          <p:nvSpPr>
+            <p:cNvPr id="56" name="Oval 55">
+              <a:extLst>
+                <a:ext uri="{FF2B5EF4-FFF2-40B4-BE49-F238E27FC236}">
+                  <a16:creationId xmlns:a16="http://schemas.microsoft.com/office/drawing/2014/main" id="{93A2CDDB-CE63-ECB8-D69C-70D59B4CA49E}"/>
+                </a:ext>
+              </a:extLst>
+            </p:cNvPr>
+            <p:cNvSpPr/>
+            <p:nvPr/>
+          </p:nvSpPr>
+          <p:spPr>
+            <a:xfrm>
+              <a:off x="5852228" y="2582959"/>
+              <a:ext cx="82011" cy="82011"/>
+            </a:xfrm>
+            <a:prstGeom prst="ellipse">
+              <a:avLst/>
+            </a:prstGeom>
+            <a:solidFill>
+              <a:srgbClr val="7030A0"/>
+            </a:solidFill>
+          </p:spPr>
+          <p:style>
+            <a:lnRef idx="2">
+              <a:schemeClr val="accent2">
+                <a:shade val="15000"/>
+              </a:schemeClr>
+            </a:lnRef>
+            <a:fillRef idx="1">
+              <a:schemeClr val="accent2"/>
+            </a:fillRef>
+            <a:effectRef idx="0">
+              <a:schemeClr val="accent2"/>
+            </a:effectRef>
+            <a:fontRef idx="minor">
+              <a:schemeClr val="lt1"/>
+            </a:fontRef>
+          </p:style>
+          <p:txBody>
+            <a:bodyPr rtlCol="0" anchor="ctr"/>
+            <a:lstStyle/>
+            <a:p>
+              <a:pPr algn="ctr"/>
+              <a:endParaRPr lang="en-US"/>
+            </a:p>
+          </p:txBody>
+        </p:sp>
+        <p:sp>
+          <p:nvSpPr>
+            <p:cNvPr id="57" name="Oval 56">
+              <a:extLst>
+                <a:ext uri="{FF2B5EF4-FFF2-40B4-BE49-F238E27FC236}">
+                  <a16:creationId xmlns:a16="http://schemas.microsoft.com/office/drawing/2014/main" id="{CD46794A-3626-743E-19E4-661678C8DA9F}"/>
+                </a:ext>
+              </a:extLst>
+            </p:cNvPr>
+            <p:cNvSpPr/>
+            <p:nvPr/>
+          </p:nvSpPr>
+          <p:spPr>
+            <a:xfrm>
+              <a:off x="6004628" y="2735359"/>
+              <a:ext cx="82011" cy="82011"/>
+            </a:xfrm>
+            <a:prstGeom prst="ellipse">
+              <a:avLst/>
+            </a:prstGeom>
+            <a:solidFill>
+              <a:srgbClr val="7030A0"/>
+            </a:solidFill>
+          </p:spPr>
+          <p:style>
+            <a:lnRef idx="2">
+              <a:schemeClr val="accent2">
+                <a:shade val="15000"/>
+              </a:schemeClr>
+            </a:lnRef>
+            <a:fillRef idx="1">
+              <a:schemeClr val="accent2"/>
+            </a:fillRef>
+            <a:effectRef idx="0">
+              <a:schemeClr val="accent2"/>
+            </a:effectRef>
+            <a:fontRef idx="minor">
+              <a:schemeClr val="lt1"/>
+            </a:fontRef>
+          </p:style>
+          <p:txBody>
+            <a:bodyPr rtlCol="0" anchor="ctr"/>
+            <a:lstStyle/>
+            <a:p>
+              <a:pPr algn="ctr"/>
+              <a:endParaRPr lang="en-US"/>
+            </a:p>
+          </p:txBody>
+        </p:sp>
+        <p:sp>
+          <p:nvSpPr>
+            <p:cNvPr id="58" name="Oval 57">
+              <a:extLst>
+                <a:ext uri="{FF2B5EF4-FFF2-40B4-BE49-F238E27FC236}">
+                  <a16:creationId xmlns:a16="http://schemas.microsoft.com/office/drawing/2014/main" id="{1138B1FC-2B4A-BDD6-6D83-4CB64427A8CC}"/>
+                </a:ext>
+              </a:extLst>
+            </p:cNvPr>
+            <p:cNvSpPr/>
+            <p:nvPr/>
+          </p:nvSpPr>
+          <p:spPr>
+            <a:xfrm>
+              <a:off x="6157028" y="2887759"/>
+              <a:ext cx="82011" cy="82011"/>
+            </a:xfrm>
+            <a:prstGeom prst="ellipse">
+              <a:avLst/>
+            </a:prstGeom>
+            <a:solidFill>
+              <a:srgbClr val="7030A0"/>
+            </a:solidFill>
+          </p:spPr>
+          <p:style>
+            <a:lnRef idx="2">
+              <a:schemeClr val="accent2">
+                <a:shade val="15000"/>
+              </a:schemeClr>
+            </a:lnRef>
+            <a:fillRef idx="1">
+              <a:schemeClr val="accent2"/>
+            </a:fillRef>
+            <a:effectRef idx="0">
+              <a:schemeClr val="accent2"/>
+            </a:effectRef>
+            <a:fontRef idx="minor">
+              <a:schemeClr val="lt1"/>
+            </a:fontRef>
+          </p:style>
+          <p:txBody>
+            <a:bodyPr rtlCol="0" anchor="ctr"/>
+            <a:lstStyle/>
+            <a:p>
+              <a:pPr algn="ctr"/>
+              <a:endParaRPr lang="en-US"/>
+            </a:p>
+          </p:txBody>
+        </p:sp>
+        <p:sp>
+          <p:nvSpPr>
+            <p:cNvPr id="59" name="Oval 58">
+              <a:extLst>
+                <a:ext uri="{FF2B5EF4-FFF2-40B4-BE49-F238E27FC236}">
+                  <a16:creationId xmlns:a16="http://schemas.microsoft.com/office/drawing/2014/main" id="{972B2130-38D0-FCA8-E97F-58CCDAA5C026}"/>
+                </a:ext>
+              </a:extLst>
+            </p:cNvPr>
+            <p:cNvSpPr/>
+            <p:nvPr/>
+          </p:nvSpPr>
+          <p:spPr>
+            <a:xfrm>
+              <a:off x="6309428" y="3040159"/>
+              <a:ext cx="82011" cy="82011"/>
+            </a:xfrm>
+            <a:prstGeom prst="ellipse">
+              <a:avLst/>
+            </a:prstGeom>
+            <a:solidFill>
+              <a:srgbClr val="7030A0"/>
+            </a:solidFill>
+          </p:spPr>
+          <p:style>
+            <a:lnRef idx="2">
+              <a:schemeClr val="accent2">
+                <a:shade val="15000"/>
+              </a:schemeClr>
+            </a:lnRef>
+            <a:fillRef idx="1">
+              <a:schemeClr val="accent2"/>
+            </a:fillRef>
+            <a:effectRef idx="0">
+              <a:schemeClr val="accent2"/>
+            </a:effectRef>
+            <a:fontRef idx="minor">
+              <a:schemeClr val="lt1"/>
+            </a:fontRef>
+          </p:style>
+          <p:txBody>
+            <a:bodyPr rtlCol="0" anchor="ctr"/>
+            <a:lstStyle/>
+            <a:p>
+              <a:pPr algn="ctr"/>
+              <a:endParaRPr lang="en-US"/>
+            </a:p>
+          </p:txBody>
+        </p:sp>
+        <p:sp>
+          <p:nvSpPr>
+            <p:cNvPr id="60" name="Oval 59">
+              <a:extLst>
+                <a:ext uri="{FF2B5EF4-FFF2-40B4-BE49-F238E27FC236}">
+                  <a16:creationId xmlns:a16="http://schemas.microsoft.com/office/drawing/2014/main" id="{0F7A23A0-E26D-87F4-8B12-C515F6158951}"/>
+                </a:ext>
+              </a:extLst>
+            </p:cNvPr>
+            <p:cNvSpPr/>
+            <p:nvPr/>
+          </p:nvSpPr>
+          <p:spPr>
+            <a:xfrm>
+              <a:off x="6461828" y="3192559"/>
+              <a:ext cx="82011" cy="82011"/>
+            </a:xfrm>
+            <a:prstGeom prst="ellipse">
+              <a:avLst/>
+            </a:prstGeom>
+            <a:solidFill>
+              <a:srgbClr val="7030A0"/>
+            </a:solidFill>
+          </p:spPr>
+          <p:style>
+            <a:lnRef idx="2">
+              <a:schemeClr val="accent2">
+                <a:shade val="15000"/>
+              </a:schemeClr>
+            </a:lnRef>
+            <a:fillRef idx="1">
+              <a:schemeClr val="accent2"/>
+            </a:fillRef>
+            <a:effectRef idx="0">
+              <a:schemeClr val="accent2"/>
+            </a:effectRef>
+            <a:fontRef idx="minor">
+              <a:schemeClr val="lt1"/>
+            </a:fontRef>
+          </p:style>
+          <p:txBody>
+            <a:bodyPr rtlCol="0" anchor="ctr"/>
+            <a:lstStyle/>
+            <a:p>
+              <a:pPr algn="ctr"/>
+              <a:endParaRPr lang="en-US"/>
+            </a:p>
+          </p:txBody>
+        </p:sp>
+        <p:sp>
+          <p:nvSpPr>
+            <p:cNvPr id="61" name="Oval 60">
+              <a:extLst>
+                <a:ext uri="{FF2B5EF4-FFF2-40B4-BE49-F238E27FC236}">
+                  <a16:creationId xmlns:a16="http://schemas.microsoft.com/office/drawing/2014/main" id="{D65A0565-4AF7-A034-51DC-2CE89A0A5F6C}"/>
+                </a:ext>
+              </a:extLst>
+            </p:cNvPr>
+            <p:cNvSpPr/>
+            <p:nvPr/>
+          </p:nvSpPr>
+          <p:spPr>
+            <a:xfrm>
+              <a:off x="6614228" y="3344959"/>
+              <a:ext cx="82011" cy="82011"/>
+            </a:xfrm>
+            <a:prstGeom prst="ellipse">
+              <a:avLst/>
+            </a:prstGeom>
+            <a:solidFill>
+              <a:srgbClr val="7030A0"/>
+            </a:solidFill>
+          </p:spPr>
+          <p:style>
+            <a:lnRef idx="2">
+              <a:schemeClr val="accent2">
+                <a:shade val="15000"/>
+              </a:schemeClr>
+            </a:lnRef>
+            <a:fillRef idx="1">
+              <a:schemeClr val="accent2"/>
+            </a:fillRef>
+            <a:effectRef idx="0">
+              <a:schemeClr val="accent2"/>
+            </a:effectRef>
+            <a:fontRef idx="minor">
+              <a:schemeClr val="lt1"/>
+            </a:fontRef>
+          </p:style>
+          <p:txBody>
+            <a:bodyPr rtlCol="0" anchor="ctr"/>
+            <a:lstStyle/>
+            <a:p>
+              <a:pPr algn="ctr"/>
+              <a:endParaRPr lang="en-US"/>
+            </a:p>
+          </p:txBody>
+        </p:sp>
+        <p:sp>
+          <p:nvSpPr>
+            <p:cNvPr id="62" name="Oval 61">
+              <a:extLst>
+                <a:ext uri="{FF2B5EF4-FFF2-40B4-BE49-F238E27FC236}">
+                  <a16:creationId xmlns:a16="http://schemas.microsoft.com/office/drawing/2014/main" id="{D1EA007E-F622-605A-2A1A-ED09A9E04221}"/>
+                </a:ext>
+              </a:extLst>
+            </p:cNvPr>
+            <p:cNvSpPr/>
+            <p:nvPr/>
+          </p:nvSpPr>
+          <p:spPr>
+            <a:xfrm>
+              <a:off x="6766628" y="3497359"/>
+              <a:ext cx="82011" cy="82011"/>
+            </a:xfrm>
+            <a:prstGeom prst="ellipse">
+              <a:avLst/>
+            </a:prstGeom>
+            <a:solidFill>
+              <a:srgbClr val="7030A0"/>
+            </a:solidFill>
+          </p:spPr>
+          <p:style>
+            <a:lnRef idx="2">
+              <a:schemeClr val="accent2">
+                <a:shade val="15000"/>
+              </a:schemeClr>
+            </a:lnRef>
+            <a:fillRef idx="1">
+              <a:schemeClr val="accent2"/>
+            </a:fillRef>
+            <a:effectRef idx="0">
+              <a:schemeClr val="accent2"/>
+            </a:effectRef>
+            <a:fontRef idx="minor">
+              <a:schemeClr val="lt1"/>
+            </a:fontRef>
+          </p:style>
+          <p:txBody>
+            <a:bodyPr rtlCol="0" anchor="ctr"/>
+            <a:lstStyle/>
+            <a:p>
+              <a:pPr algn="ctr"/>
+              <a:endParaRPr lang="en-US"/>
+            </a:p>
+          </p:txBody>
+        </p:sp>
+        <p:sp>
+          <p:nvSpPr>
+            <p:cNvPr id="63" name="Oval 62">
+              <a:extLst>
+                <a:ext uri="{FF2B5EF4-FFF2-40B4-BE49-F238E27FC236}">
+                  <a16:creationId xmlns:a16="http://schemas.microsoft.com/office/drawing/2014/main" id="{A92BC875-E2C9-1A8C-BA55-B8F58A20E659}"/>
+                </a:ext>
+              </a:extLst>
+            </p:cNvPr>
+            <p:cNvSpPr/>
+            <p:nvPr/>
+          </p:nvSpPr>
+          <p:spPr>
+            <a:xfrm>
+              <a:off x="6919028" y="3649759"/>
+              <a:ext cx="82011" cy="82011"/>
+            </a:xfrm>
+            <a:prstGeom prst="ellipse">
+              <a:avLst/>
+            </a:prstGeom>
+            <a:solidFill>
+              <a:srgbClr val="7030A0"/>
+            </a:solidFill>
+          </p:spPr>
+          <p:style>
+            <a:lnRef idx="2">
+              <a:schemeClr val="accent2">
+                <a:shade val="15000"/>
+              </a:schemeClr>
+            </a:lnRef>
+            <a:fillRef idx="1">
+              <a:schemeClr val="accent2"/>
+            </a:fillRef>
+            <a:effectRef idx="0">
+              <a:schemeClr val="accent2"/>
+            </a:effectRef>
+            <a:fontRef idx="minor">
+              <a:schemeClr val="lt1"/>
+            </a:fontRef>
+          </p:style>
+          <p:txBody>
+            <a:bodyPr rtlCol="0" anchor="ctr"/>
+            <a:lstStyle/>
+            <a:p>
+              <a:pPr algn="ctr"/>
+              <a:endParaRPr lang="en-US"/>
+            </a:p>
+          </p:txBody>
+        </p:sp>
+        <p:sp>
+          <p:nvSpPr>
+            <p:cNvPr id="64" name="Oval 63">
+              <a:extLst>
+                <a:ext uri="{FF2B5EF4-FFF2-40B4-BE49-F238E27FC236}">
+                  <a16:creationId xmlns:a16="http://schemas.microsoft.com/office/drawing/2014/main" id="{61413736-2217-38D8-28BF-8DC1EE19E991}"/>
+                </a:ext>
+              </a:extLst>
+            </p:cNvPr>
+            <p:cNvSpPr/>
+            <p:nvPr/>
+          </p:nvSpPr>
+          <p:spPr>
+            <a:xfrm>
+              <a:off x="6033203" y="2563909"/>
+              <a:ext cx="82011" cy="82011"/>
+            </a:xfrm>
+            <a:prstGeom prst="ellipse">
+              <a:avLst/>
+            </a:prstGeom>
+            <a:solidFill>
+              <a:srgbClr val="7030A0"/>
+            </a:solidFill>
+          </p:spPr>
+          <p:style>
+            <a:lnRef idx="2">
+              <a:schemeClr val="accent2">
+                <a:shade val="15000"/>
+              </a:schemeClr>
+            </a:lnRef>
+            <a:fillRef idx="1">
+              <a:schemeClr val="accent2"/>
+            </a:fillRef>
+            <a:effectRef idx="0">
+              <a:schemeClr val="accent2"/>
+            </a:effectRef>
+            <a:fontRef idx="minor">
+              <a:schemeClr val="lt1"/>
+            </a:fontRef>
+          </p:style>
+          <p:txBody>
+            <a:bodyPr rtlCol="0" anchor="ctr"/>
+            <a:lstStyle/>
+            <a:p>
+              <a:pPr algn="ctr"/>
+              <a:endParaRPr lang="en-US"/>
+            </a:p>
+          </p:txBody>
+        </p:sp>
+        <p:sp>
+          <p:nvSpPr>
+            <p:cNvPr id="65" name="Oval 64">
+              <a:extLst>
+                <a:ext uri="{FF2B5EF4-FFF2-40B4-BE49-F238E27FC236}">
+                  <a16:creationId xmlns:a16="http://schemas.microsoft.com/office/drawing/2014/main" id="{52F42B68-E875-5910-CDC2-71B36FBBB8C7}"/>
+                </a:ext>
+              </a:extLst>
+            </p:cNvPr>
+            <p:cNvSpPr/>
+            <p:nvPr/>
+          </p:nvSpPr>
+          <p:spPr>
+            <a:xfrm>
+              <a:off x="6185603" y="2716309"/>
+              <a:ext cx="82011" cy="82011"/>
+            </a:xfrm>
+            <a:prstGeom prst="ellipse">
+              <a:avLst/>
+            </a:prstGeom>
+            <a:solidFill>
+              <a:srgbClr val="7030A0"/>
+            </a:solidFill>
+          </p:spPr>
+          <p:style>
+            <a:lnRef idx="2">
+              <a:schemeClr val="accent2">
+                <a:shade val="15000"/>
+              </a:schemeClr>
+            </a:lnRef>
+            <a:fillRef idx="1">
+              <a:schemeClr val="accent2"/>
+            </a:fillRef>
+            <a:effectRef idx="0">
+              <a:schemeClr val="accent2"/>
+            </a:effectRef>
+            <a:fontRef idx="minor">
+              <a:schemeClr val="lt1"/>
+            </a:fontRef>
+          </p:style>
+          <p:txBody>
+            <a:bodyPr rtlCol="0" anchor="ctr"/>
+            <a:lstStyle/>
+            <a:p>
+              <a:pPr algn="ctr"/>
+              <a:endParaRPr lang="en-US"/>
+            </a:p>
+          </p:txBody>
+        </p:sp>
+        <p:sp>
+          <p:nvSpPr>
+            <p:cNvPr id="66" name="Oval 65">
+              <a:extLst>
+                <a:ext uri="{FF2B5EF4-FFF2-40B4-BE49-F238E27FC236}">
+                  <a16:creationId xmlns:a16="http://schemas.microsoft.com/office/drawing/2014/main" id="{99F16D38-B3D4-8F3F-8AA7-456A703F9B6F}"/>
+                </a:ext>
+              </a:extLst>
+            </p:cNvPr>
+            <p:cNvSpPr/>
+            <p:nvPr/>
+          </p:nvSpPr>
+          <p:spPr>
+            <a:xfrm>
+              <a:off x="6338003" y="2868709"/>
+              <a:ext cx="82011" cy="82011"/>
+            </a:xfrm>
+            <a:prstGeom prst="ellipse">
+              <a:avLst/>
+            </a:prstGeom>
+            <a:solidFill>
+              <a:srgbClr val="7030A0"/>
+            </a:solidFill>
+          </p:spPr>
+          <p:style>
+            <a:lnRef idx="2">
+              <a:schemeClr val="accent2">
+                <a:shade val="15000"/>
+              </a:schemeClr>
+            </a:lnRef>
+            <a:fillRef idx="1">
+              <a:schemeClr val="accent2"/>
+            </a:fillRef>
+            <a:effectRef idx="0">
+              <a:schemeClr val="accent2"/>
+            </a:effectRef>
+            <a:fontRef idx="minor">
+              <a:schemeClr val="lt1"/>
+            </a:fontRef>
+          </p:style>
+          <p:txBody>
+            <a:bodyPr rtlCol="0" anchor="ctr"/>
+            <a:lstStyle/>
+            <a:p>
+              <a:pPr algn="ctr"/>
+              <a:endParaRPr lang="en-US"/>
+            </a:p>
+          </p:txBody>
+        </p:sp>
+        <p:sp>
+          <p:nvSpPr>
+            <p:cNvPr id="67" name="Oval 66">
+              <a:extLst>
+                <a:ext uri="{FF2B5EF4-FFF2-40B4-BE49-F238E27FC236}">
+                  <a16:creationId xmlns:a16="http://schemas.microsoft.com/office/drawing/2014/main" id="{108A2222-8592-2A1B-808B-5C1953F35E59}"/>
+                </a:ext>
+              </a:extLst>
+            </p:cNvPr>
+            <p:cNvSpPr/>
+            <p:nvPr/>
+          </p:nvSpPr>
+          <p:spPr>
+            <a:xfrm>
+              <a:off x="6490403" y="3021109"/>
+              <a:ext cx="82011" cy="82011"/>
+            </a:xfrm>
+            <a:prstGeom prst="ellipse">
+              <a:avLst/>
+            </a:prstGeom>
+            <a:solidFill>
+              <a:srgbClr val="7030A0"/>
+            </a:solidFill>
+          </p:spPr>
+          <p:style>
+            <a:lnRef idx="2">
+              <a:schemeClr val="accent2">
+                <a:shade val="15000"/>
+              </a:schemeClr>
+            </a:lnRef>
+            <a:fillRef idx="1">
+              <a:schemeClr val="accent2"/>
+            </a:fillRef>
+            <a:effectRef idx="0">
+              <a:schemeClr val="accent2"/>
+            </a:effectRef>
+            <a:fontRef idx="minor">
+              <a:schemeClr val="lt1"/>
+            </a:fontRef>
+          </p:style>
+          <p:txBody>
+            <a:bodyPr rtlCol="0" anchor="ctr"/>
+            <a:lstStyle/>
+            <a:p>
+              <a:pPr algn="ctr"/>
+              <a:endParaRPr lang="en-US"/>
+            </a:p>
+          </p:txBody>
+        </p:sp>
+        <p:sp>
+          <p:nvSpPr>
+            <p:cNvPr id="68" name="Oval 67">
+              <a:extLst>
+                <a:ext uri="{FF2B5EF4-FFF2-40B4-BE49-F238E27FC236}">
+                  <a16:creationId xmlns:a16="http://schemas.microsoft.com/office/drawing/2014/main" id="{3121EBAE-23B6-FB5F-57F8-53817B7D34EC}"/>
+                </a:ext>
+              </a:extLst>
+            </p:cNvPr>
+            <p:cNvSpPr/>
+            <p:nvPr/>
+          </p:nvSpPr>
+          <p:spPr>
+            <a:xfrm>
+              <a:off x="6642803" y="3173509"/>
+              <a:ext cx="82011" cy="82011"/>
+            </a:xfrm>
+            <a:prstGeom prst="ellipse">
+              <a:avLst/>
+            </a:prstGeom>
+            <a:solidFill>
+              <a:srgbClr val="7030A0"/>
+            </a:solidFill>
+          </p:spPr>
+          <p:style>
+            <a:lnRef idx="2">
+              <a:schemeClr val="accent2">
+                <a:shade val="15000"/>
+              </a:schemeClr>
+            </a:lnRef>
+            <a:fillRef idx="1">
+              <a:schemeClr val="accent2"/>
+            </a:fillRef>
+            <a:effectRef idx="0">
+              <a:schemeClr val="accent2"/>
+            </a:effectRef>
+            <a:fontRef idx="minor">
+              <a:schemeClr val="lt1"/>
+            </a:fontRef>
+          </p:style>
+          <p:txBody>
+            <a:bodyPr rtlCol="0" anchor="ctr"/>
+            <a:lstStyle/>
+            <a:p>
+              <a:pPr algn="ctr"/>
+              <a:endParaRPr lang="en-US"/>
+            </a:p>
+          </p:txBody>
+        </p:sp>
+        <p:sp>
+          <p:nvSpPr>
+            <p:cNvPr id="69" name="Oval 68">
+              <a:extLst>
+                <a:ext uri="{FF2B5EF4-FFF2-40B4-BE49-F238E27FC236}">
+                  <a16:creationId xmlns:a16="http://schemas.microsoft.com/office/drawing/2014/main" id="{E9D2DB82-7A22-8505-A2EE-E7A72CC9354F}"/>
+                </a:ext>
+              </a:extLst>
+            </p:cNvPr>
+            <p:cNvSpPr/>
+            <p:nvPr/>
+          </p:nvSpPr>
+          <p:spPr>
+            <a:xfrm>
+              <a:off x="6795203" y="3325909"/>
+              <a:ext cx="82011" cy="82011"/>
+            </a:xfrm>
+            <a:prstGeom prst="ellipse">
+              <a:avLst/>
+            </a:prstGeom>
+            <a:solidFill>
+              <a:srgbClr val="7030A0"/>
+            </a:solidFill>
+          </p:spPr>
+          <p:style>
+            <a:lnRef idx="2">
+              <a:schemeClr val="accent2">
+                <a:shade val="15000"/>
+              </a:schemeClr>
+            </a:lnRef>
+            <a:fillRef idx="1">
+              <a:schemeClr val="accent2"/>
+            </a:fillRef>
+            <a:effectRef idx="0">
+              <a:schemeClr val="accent2"/>
+            </a:effectRef>
+            <a:fontRef idx="minor">
+              <a:schemeClr val="lt1"/>
+            </a:fontRef>
+          </p:style>
+          <p:txBody>
+            <a:bodyPr rtlCol="0" anchor="ctr"/>
+            <a:lstStyle/>
+            <a:p>
+              <a:pPr algn="ctr"/>
+              <a:endParaRPr lang="en-US"/>
+            </a:p>
+          </p:txBody>
+        </p:sp>
+      </p:grpSp>
+      <p:grpSp>
+        <p:nvGrpSpPr>
+          <p:cNvPr id="70" name="Group 69">
+            <a:extLst>
+              <a:ext uri="{FF2B5EF4-FFF2-40B4-BE49-F238E27FC236}">
+                <a16:creationId xmlns:a16="http://schemas.microsoft.com/office/drawing/2014/main" id="{0D16F0CC-2EBA-5566-80B3-2D0CDF62BB71}"/>
+              </a:ext>
+            </a:extLst>
+          </p:cNvPr>
+          <p:cNvGrpSpPr/>
+          <p:nvPr/>
+        </p:nvGrpSpPr>
+        <p:grpSpPr>
+          <a:xfrm rot="16200000">
+            <a:off x="3766134" y="2406618"/>
+            <a:ext cx="1301211" cy="1301211"/>
+            <a:chOff x="5699828" y="2430559"/>
+            <a:chExt cx="1301211" cy="1301211"/>
+          </a:xfrm>
+        </p:grpSpPr>
+        <p:sp>
+          <p:nvSpPr>
+            <p:cNvPr id="71" name="Oval 70">
+              <a:extLst>
+                <a:ext uri="{FF2B5EF4-FFF2-40B4-BE49-F238E27FC236}">
+                  <a16:creationId xmlns:a16="http://schemas.microsoft.com/office/drawing/2014/main" id="{A5DA180D-7E81-A7DD-E7B2-9EC8E9D979C5}"/>
+                </a:ext>
+              </a:extLst>
+            </p:cNvPr>
+            <p:cNvSpPr/>
+            <p:nvPr/>
+          </p:nvSpPr>
+          <p:spPr>
+            <a:xfrm>
+              <a:off x="5699828" y="2430559"/>
+              <a:ext cx="82011" cy="82011"/>
+            </a:xfrm>
+            <a:prstGeom prst="ellipse">
+              <a:avLst/>
+            </a:prstGeom>
+            <a:solidFill>
+              <a:srgbClr val="7030A0"/>
+            </a:solidFill>
+          </p:spPr>
+          <p:style>
+            <a:lnRef idx="2">
+              <a:schemeClr val="accent2">
+                <a:shade val="15000"/>
+              </a:schemeClr>
+            </a:lnRef>
+            <a:fillRef idx="1">
+              <a:schemeClr val="accent2"/>
+            </a:fillRef>
+            <a:effectRef idx="0">
+              <a:schemeClr val="accent2"/>
+            </a:effectRef>
+            <a:fontRef idx="minor">
+              <a:schemeClr val="lt1"/>
+            </a:fontRef>
+          </p:style>
+          <p:txBody>
+            <a:bodyPr rtlCol="0" anchor="ctr"/>
+            <a:lstStyle/>
+            <a:p>
+              <a:pPr algn="ctr"/>
+              <a:endParaRPr lang="en-US"/>
+            </a:p>
+          </p:txBody>
+        </p:sp>
+        <p:sp>
+          <p:nvSpPr>
+            <p:cNvPr id="72" name="Oval 71">
+              <a:extLst>
+                <a:ext uri="{FF2B5EF4-FFF2-40B4-BE49-F238E27FC236}">
+                  <a16:creationId xmlns:a16="http://schemas.microsoft.com/office/drawing/2014/main" id="{8A6F2A1F-8638-67AB-B736-CC560B4B7046}"/>
+                </a:ext>
+              </a:extLst>
+            </p:cNvPr>
+            <p:cNvSpPr/>
+            <p:nvPr/>
+          </p:nvSpPr>
+          <p:spPr>
+            <a:xfrm>
+              <a:off x="5852228" y="2582959"/>
+              <a:ext cx="82011" cy="82011"/>
+            </a:xfrm>
+            <a:prstGeom prst="ellipse">
+              <a:avLst/>
+            </a:prstGeom>
+            <a:solidFill>
+              <a:srgbClr val="7030A0"/>
+            </a:solidFill>
+          </p:spPr>
+          <p:style>
+            <a:lnRef idx="2">
+              <a:schemeClr val="accent2">
+                <a:shade val="15000"/>
+              </a:schemeClr>
+            </a:lnRef>
+            <a:fillRef idx="1">
+              <a:schemeClr val="accent2"/>
+            </a:fillRef>
+            <a:effectRef idx="0">
+              <a:schemeClr val="accent2"/>
+            </a:effectRef>
+            <a:fontRef idx="minor">
+              <a:schemeClr val="lt1"/>
+            </a:fontRef>
+          </p:style>
+          <p:txBody>
+            <a:bodyPr rtlCol="0" anchor="ctr"/>
+            <a:lstStyle/>
+            <a:p>
+              <a:pPr algn="ctr"/>
+              <a:endParaRPr lang="en-US"/>
+            </a:p>
+          </p:txBody>
+        </p:sp>
+        <p:sp>
+          <p:nvSpPr>
+            <p:cNvPr id="73" name="Oval 72">
+              <a:extLst>
+                <a:ext uri="{FF2B5EF4-FFF2-40B4-BE49-F238E27FC236}">
+                  <a16:creationId xmlns:a16="http://schemas.microsoft.com/office/drawing/2014/main" id="{5A9C13F7-99B5-CB60-82F4-0D4E4D10FF4A}"/>
+                </a:ext>
+              </a:extLst>
+            </p:cNvPr>
+            <p:cNvSpPr/>
+            <p:nvPr/>
+          </p:nvSpPr>
+          <p:spPr>
+            <a:xfrm>
+              <a:off x="6004628" y="2735359"/>
+              <a:ext cx="82011" cy="82011"/>
+            </a:xfrm>
+            <a:prstGeom prst="ellipse">
+              <a:avLst/>
+            </a:prstGeom>
+            <a:solidFill>
+              <a:srgbClr val="7030A0"/>
+            </a:solidFill>
+          </p:spPr>
+          <p:style>
+            <a:lnRef idx="2">
+              <a:schemeClr val="accent2">
+                <a:shade val="15000"/>
+              </a:schemeClr>
+            </a:lnRef>
+            <a:fillRef idx="1">
+              <a:schemeClr val="accent2"/>
+            </a:fillRef>
+            <a:effectRef idx="0">
+              <a:schemeClr val="accent2"/>
+            </a:effectRef>
+            <a:fontRef idx="minor">
+              <a:schemeClr val="lt1"/>
+            </a:fontRef>
+          </p:style>
+          <p:txBody>
+            <a:bodyPr rtlCol="0" anchor="ctr"/>
+            <a:lstStyle/>
+            <a:p>
+              <a:pPr algn="ctr"/>
+              <a:endParaRPr lang="en-US"/>
+            </a:p>
+          </p:txBody>
+        </p:sp>
+        <p:sp>
+          <p:nvSpPr>
+            <p:cNvPr id="74" name="Oval 73">
+              <a:extLst>
+                <a:ext uri="{FF2B5EF4-FFF2-40B4-BE49-F238E27FC236}">
+                  <a16:creationId xmlns:a16="http://schemas.microsoft.com/office/drawing/2014/main" id="{14AECC56-5B52-88C9-055B-CDEB7D1D1D5B}"/>
+                </a:ext>
+              </a:extLst>
+            </p:cNvPr>
+            <p:cNvSpPr/>
+            <p:nvPr/>
+          </p:nvSpPr>
+          <p:spPr>
+            <a:xfrm>
+              <a:off x="6157028" y="2887759"/>
+              <a:ext cx="82011" cy="82011"/>
+            </a:xfrm>
+            <a:prstGeom prst="ellipse">
+              <a:avLst/>
+            </a:prstGeom>
+            <a:solidFill>
+              <a:srgbClr val="7030A0"/>
+            </a:solidFill>
+          </p:spPr>
+          <p:style>
+            <a:lnRef idx="2">
+              <a:schemeClr val="accent2">
+                <a:shade val="15000"/>
+              </a:schemeClr>
+            </a:lnRef>
+            <a:fillRef idx="1">
+              <a:schemeClr val="accent2"/>
+            </a:fillRef>
+            <a:effectRef idx="0">
+              <a:schemeClr val="accent2"/>
+            </a:effectRef>
+            <a:fontRef idx="minor">
+              <a:schemeClr val="lt1"/>
+            </a:fontRef>
+          </p:style>
+          <p:txBody>
+            <a:bodyPr rtlCol="0" anchor="ctr"/>
+            <a:lstStyle/>
+            <a:p>
+              <a:pPr algn="ctr"/>
+              <a:endParaRPr lang="en-US"/>
+            </a:p>
+          </p:txBody>
+        </p:sp>
+        <p:sp>
+          <p:nvSpPr>
+            <p:cNvPr id="75" name="Oval 74">
+              <a:extLst>
+                <a:ext uri="{FF2B5EF4-FFF2-40B4-BE49-F238E27FC236}">
+                  <a16:creationId xmlns:a16="http://schemas.microsoft.com/office/drawing/2014/main" id="{998904BD-B277-8521-8A7F-415F65DE3FD7}"/>
+                </a:ext>
+              </a:extLst>
+            </p:cNvPr>
+            <p:cNvSpPr/>
+            <p:nvPr/>
+          </p:nvSpPr>
+          <p:spPr>
+            <a:xfrm>
+              <a:off x="6309428" y="3040159"/>
+              <a:ext cx="82011" cy="82011"/>
+            </a:xfrm>
+            <a:prstGeom prst="ellipse">
+              <a:avLst/>
+            </a:prstGeom>
+            <a:solidFill>
+              <a:srgbClr val="7030A0"/>
+            </a:solidFill>
+          </p:spPr>
+          <p:style>
+            <a:lnRef idx="2">
+              <a:schemeClr val="accent2">
+                <a:shade val="15000"/>
+              </a:schemeClr>
+            </a:lnRef>
+            <a:fillRef idx="1">
+              <a:schemeClr val="accent2"/>
+            </a:fillRef>
+            <a:effectRef idx="0">
+              <a:schemeClr val="accent2"/>
+            </a:effectRef>
+            <a:fontRef idx="minor">
+              <a:schemeClr val="lt1"/>
+            </a:fontRef>
+          </p:style>
+          <p:txBody>
+            <a:bodyPr rtlCol="0" anchor="ctr"/>
+            <a:lstStyle/>
+            <a:p>
+              <a:pPr algn="ctr"/>
+              <a:endParaRPr lang="en-US"/>
+            </a:p>
+          </p:txBody>
+        </p:sp>
+        <p:sp>
+          <p:nvSpPr>
+            <p:cNvPr id="76" name="Oval 75">
+              <a:extLst>
+                <a:ext uri="{FF2B5EF4-FFF2-40B4-BE49-F238E27FC236}">
+                  <a16:creationId xmlns:a16="http://schemas.microsoft.com/office/drawing/2014/main" id="{664B38B8-23D9-0270-CF5F-504639E62E92}"/>
+                </a:ext>
+              </a:extLst>
+            </p:cNvPr>
+            <p:cNvSpPr/>
+            <p:nvPr/>
+          </p:nvSpPr>
+          <p:spPr>
+            <a:xfrm>
+              <a:off x="6461828" y="3192559"/>
+              <a:ext cx="82011" cy="82011"/>
+            </a:xfrm>
+            <a:prstGeom prst="ellipse">
+              <a:avLst/>
+            </a:prstGeom>
+            <a:solidFill>
+              <a:srgbClr val="7030A0"/>
+            </a:solidFill>
+          </p:spPr>
+          <p:style>
+            <a:lnRef idx="2">
+              <a:schemeClr val="accent2">
+                <a:shade val="15000"/>
+              </a:schemeClr>
+            </a:lnRef>
+            <a:fillRef idx="1">
+              <a:schemeClr val="accent2"/>
+            </a:fillRef>
+            <a:effectRef idx="0">
+              <a:schemeClr val="accent2"/>
+            </a:effectRef>
+            <a:fontRef idx="minor">
+              <a:schemeClr val="lt1"/>
+            </a:fontRef>
+          </p:style>
+          <p:txBody>
+            <a:bodyPr rtlCol="0" anchor="ctr"/>
+            <a:lstStyle/>
+            <a:p>
+              <a:pPr algn="ctr"/>
+              <a:endParaRPr lang="en-US"/>
+            </a:p>
+          </p:txBody>
+        </p:sp>
+        <p:sp>
+          <p:nvSpPr>
+            <p:cNvPr id="77" name="Oval 76">
+              <a:extLst>
+                <a:ext uri="{FF2B5EF4-FFF2-40B4-BE49-F238E27FC236}">
+                  <a16:creationId xmlns:a16="http://schemas.microsoft.com/office/drawing/2014/main" id="{EE8B507E-7431-350E-A6D9-6C5F4A5E1405}"/>
+                </a:ext>
+              </a:extLst>
+            </p:cNvPr>
+            <p:cNvSpPr/>
+            <p:nvPr/>
+          </p:nvSpPr>
+          <p:spPr>
+            <a:xfrm>
+              <a:off x="6614228" y="3344959"/>
+              <a:ext cx="82011" cy="82011"/>
+            </a:xfrm>
+            <a:prstGeom prst="ellipse">
+              <a:avLst/>
+            </a:prstGeom>
+            <a:solidFill>
+              <a:srgbClr val="7030A0"/>
+            </a:solidFill>
+          </p:spPr>
+          <p:style>
+            <a:lnRef idx="2">
+              <a:schemeClr val="accent2">
+                <a:shade val="15000"/>
+              </a:schemeClr>
+            </a:lnRef>
+            <a:fillRef idx="1">
+              <a:schemeClr val="accent2"/>
+            </a:fillRef>
+            <a:effectRef idx="0">
+              <a:schemeClr val="accent2"/>
+            </a:effectRef>
+            <a:fontRef idx="minor">
+              <a:schemeClr val="lt1"/>
+            </a:fontRef>
+          </p:style>
+          <p:txBody>
+            <a:bodyPr rtlCol="0" anchor="ctr"/>
+            <a:lstStyle/>
+            <a:p>
+              <a:pPr algn="ctr"/>
+              <a:endParaRPr lang="en-US"/>
+            </a:p>
+          </p:txBody>
+        </p:sp>
+        <p:sp>
+          <p:nvSpPr>
+            <p:cNvPr id="78" name="Oval 77">
+              <a:extLst>
+                <a:ext uri="{FF2B5EF4-FFF2-40B4-BE49-F238E27FC236}">
+                  <a16:creationId xmlns:a16="http://schemas.microsoft.com/office/drawing/2014/main" id="{3F439932-27DD-3456-9EC9-9D844C4EEEA7}"/>
+                </a:ext>
+              </a:extLst>
+            </p:cNvPr>
+            <p:cNvSpPr/>
+            <p:nvPr/>
+          </p:nvSpPr>
+          <p:spPr>
+            <a:xfrm>
+              <a:off x="6766628" y="3497359"/>
+              <a:ext cx="82011" cy="82011"/>
+            </a:xfrm>
+            <a:prstGeom prst="ellipse">
+              <a:avLst/>
+            </a:prstGeom>
+            <a:solidFill>
+              <a:srgbClr val="7030A0"/>
+            </a:solidFill>
+          </p:spPr>
+          <p:style>
+            <a:lnRef idx="2">
+              <a:schemeClr val="accent2">
+                <a:shade val="15000"/>
+              </a:schemeClr>
+            </a:lnRef>
+            <a:fillRef idx="1">
+              <a:schemeClr val="accent2"/>
+            </a:fillRef>
+            <a:effectRef idx="0">
+              <a:schemeClr val="accent2"/>
+            </a:effectRef>
+            <a:fontRef idx="minor">
+              <a:schemeClr val="lt1"/>
+            </a:fontRef>
+          </p:style>
+          <p:txBody>
+            <a:bodyPr rtlCol="0" anchor="ctr"/>
+            <a:lstStyle/>
+            <a:p>
+              <a:pPr algn="ctr"/>
+              <a:endParaRPr lang="en-US"/>
+            </a:p>
+          </p:txBody>
+        </p:sp>
+        <p:sp>
+          <p:nvSpPr>
+            <p:cNvPr id="79" name="Oval 78">
+              <a:extLst>
+                <a:ext uri="{FF2B5EF4-FFF2-40B4-BE49-F238E27FC236}">
+                  <a16:creationId xmlns:a16="http://schemas.microsoft.com/office/drawing/2014/main" id="{A682EF76-7CE1-9088-7C7E-E0BB3440F9FC}"/>
+                </a:ext>
+              </a:extLst>
+            </p:cNvPr>
+            <p:cNvSpPr/>
+            <p:nvPr/>
+          </p:nvSpPr>
+          <p:spPr>
+            <a:xfrm>
+              <a:off x="6919028" y="3649759"/>
+              <a:ext cx="82011" cy="82011"/>
+            </a:xfrm>
+            <a:prstGeom prst="ellipse">
+              <a:avLst/>
+            </a:prstGeom>
+            <a:solidFill>
+              <a:srgbClr val="7030A0"/>
+            </a:solidFill>
+          </p:spPr>
+          <p:style>
+            <a:lnRef idx="2">
+              <a:schemeClr val="accent2">
+                <a:shade val="15000"/>
+              </a:schemeClr>
+            </a:lnRef>
+            <a:fillRef idx="1">
+              <a:schemeClr val="accent2"/>
+            </a:fillRef>
+            <a:effectRef idx="0">
+              <a:schemeClr val="accent2"/>
+            </a:effectRef>
+            <a:fontRef idx="minor">
+              <a:schemeClr val="lt1"/>
+            </a:fontRef>
+          </p:style>
+          <p:txBody>
+            <a:bodyPr rtlCol="0" anchor="ctr"/>
+            <a:lstStyle/>
+            <a:p>
+              <a:pPr algn="ctr"/>
+              <a:endParaRPr lang="en-US"/>
+            </a:p>
+          </p:txBody>
+        </p:sp>
+        <p:sp>
+          <p:nvSpPr>
+            <p:cNvPr id="80" name="Oval 79">
+              <a:extLst>
+                <a:ext uri="{FF2B5EF4-FFF2-40B4-BE49-F238E27FC236}">
+                  <a16:creationId xmlns:a16="http://schemas.microsoft.com/office/drawing/2014/main" id="{43F1D414-F05C-3127-CC69-330B9D2C9EC4}"/>
+                </a:ext>
+              </a:extLst>
+            </p:cNvPr>
+            <p:cNvSpPr/>
+            <p:nvPr/>
+          </p:nvSpPr>
+          <p:spPr>
+            <a:xfrm>
+              <a:off x="6033203" y="2563909"/>
+              <a:ext cx="82011" cy="82011"/>
+            </a:xfrm>
+            <a:prstGeom prst="ellipse">
+              <a:avLst/>
+            </a:prstGeom>
+            <a:solidFill>
+              <a:srgbClr val="7030A0"/>
+            </a:solidFill>
+          </p:spPr>
+          <p:style>
+            <a:lnRef idx="2">
+              <a:schemeClr val="accent2">
+                <a:shade val="15000"/>
+              </a:schemeClr>
+            </a:lnRef>
+            <a:fillRef idx="1">
+              <a:schemeClr val="accent2"/>
+            </a:fillRef>
+            <a:effectRef idx="0">
+              <a:schemeClr val="accent2"/>
+            </a:effectRef>
+            <a:fontRef idx="minor">
+              <a:schemeClr val="lt1"/>
+            </a:fontRef>
+          </p:style>
+          <p:txBody>
+            <a:bodyPr rtlCol="0" anchor="ctr"/>
+            <a:lstStyle/>
+            <a:p>
+              <a:pPr algn="ctr"/>
+              <a:endParaRPr lang="en-US"/>
+            </a:p>
+          </p:txBody>
+        </p:sp>
+        <p:sp>
+          <p:nvSpPr>
+            <p:cNvPr id="81" name="Oval 80">
+              <a:extLst>
+                <a:ext uri="{FF2B5EF4-FFF2-40B4-BE49-F238E27FC236}">
+                  <a16:creationId xmlns:a16="http://schemas.microsoft.com/office/drawing/2014/main" id="{1F4590C8-DD1F-AF21-3171-E1D26B5D097E}"/>
+                </a:ext>
+              </a:extLst>
+            </p:cNvPr>
+            <p:cNvSpPr/>
+            <p:nvPr/>
+          </p:nvSpPr>
+          <p:spPr>
+            <a:xfrm>
+              <a:off x="6185603" y="2716309"/>
+              <a:ext cx="82011" cy="82011"/>
+            </a:xfrm>
+            <a:prstGeom prst="ellipse">
+              <a:avLst/>
+            </a:prstGeom>
+            <a:solidFill>
+              <a:srgbClr val="7030A0"/>
+            </a:solidFill>
+          </p:spPr>
+          <p:style>
+            <a:lnRef idx="2">
+              <a:schemeClr val="accent2">
+                <a:shade val="15000"/>
+              </a:schemeClr>
+            </a:lnRef>
+            <a:fillRef idx="1">
+              <a:schemeClr val="accent2"/>
+            </a:fillRef>
+            <a:effectRef idx="0">
+              <a:schemeClr val="accent2"/>
+            </a:effectRef>
+            <a:fontRef idx="minor">
+              <a:schemeClr val="lt1"/>
+            </a:fontRef>
+          </p:style>
+          <p:txBody>
+            <a:bodyPr rtlCol="0" anchor="ctr"/>
+            <a:lstStyle/>
+            <a:p>
+              <a:pPr algn="ctr"/>
+              <a:endParaRPr lang="en-US"/>
+            </a:p>
+          </p:txBody>
+        </p:sp>
+        <p:sp>
+          <p:nvSpPr>
+            <p:cNvPr id="82" name="Oval 81">
+              <a:extLst>
+                <a:ext uri="{FF2B5EF4-FFF2-40B4-BE49-F238E27FC236}">
+                  <a16:creationId xmlns:a16="http://schemas.microsoft.com/office/drawing/2014/main" id="{76AC2E8E-41DA-4EE5-10A7-A2927E3A8E90}"/>
+                </a:ext>
+              </a:extLst>
+            </p:cNvPr>
+            <p:cNvSpPr/>
+            <p:nvPr/>
+          </p:nvSpPr>
+          <p:spPr>
+            <a:xfrm>
+              <a:off x="6338003" y="2868709"/>
+              <a:ext cx="82011" cy="82011"/>
+            </a:xfrm>
+            <a:prstGeom prst="ellipse">
+              <a:avLst/>
+            </a:prstGeom>
+            <a:solidFill>
+              <a:srgbClr val="7030A0"/>
+            </a:solidFill>
+          </p:spPr>
+          <p:style>
+            <a:lnRef idx="2">
+              <a:schemeClr val="accent2">
+                <a:shade val="15000"/>
+              </a:schemeClr>
+            </a:lnRef>
+            <a:fillRef idx="1">
+              <a:schemeClr val="accent2"/>
+            </a:fillRef>
+            <a:effectRef idx="0">
+              <a:schemeClr val="accent2"/>
+            </a:effectRef>
+            <a:fontRef idx="minor">
+              <a:schemeClr val="lt1"/>
+            </a:fontRef>
+          </p:style>
+          <p:txBody>
+            <a:bodyPr rtlCol="0" anchor="ctr"/>
+            <a:lstStyle/>
+            <a:p>
+              <a:pPr algn="ctr"/>
+              <a:endParaRPr lang="en-US"/>
+            </a:p>
+          </p:txBody>
+        </p:sp>
+        <p:sp>
+          <p:nvSpPr>
+            <p:cNvPr id="83" name="Oval 82">
+              <a:extLst>
+                <a:ext uri="{FF2B5EF4-FFF2-40B4-BE49-F238E27FC236}">
+                  <a16:creationId xmlns:a16="http://schemas.microsoft.com/office/drawing/2014/main" id="{3FA5EE42-6B9C-1E79-8B3D-C1AE96F97C56}"/>
+                </a:ext>
+              </a:extLst>
+            </p:cNvPr>
+            <p:cNvSpPr/>
+            <p:nvPr/>
+          </p:nvSpPr>
+          <p:spPr>
+            <a:xfrm>
+              <a:off x="6490403" y="3021109"/>
+              <a:ext cx="82011" cy="82011"/>
+            </a:xfrm>
+            <a:prstGeom prst="ellipse">
+              <a:avLst/>
+            </a:prstGeom>
+            <a:solidFill>
+              <a:srgbClr val="7030A0"/>
+            </a:solidFill>
+          </p:spPr>
+          <p:style>
+            <a:lnRef idx="2">
+              <a:schemeClr val="accent2">
+                <a:shade val="15000"/>
+              </a:schemeClr>
+            </a:lnRef>
+            <a:fillRef idx="1">
+              <a:schemeClr val="accent2"/>
+            </a:fillRef>
+            <a:effectRef idx="0">
+              <a:schemeClr val="accent2"/>
+            </a:effectRef>
+            <a:fontRef idx="minor">
+              <a:schemeClr val="lt1"/>
+            </a:fontRef>
+          </p:style>
+          <p:txBody>
+            <a:bodyPr rtlCol="0" anchor="ctr"/>
+            <a:lstStyle/>
+            <a:p>
+              <a:pPr algn="ctr"/>
+              <a:endParaRPr lang="en-US"/>
+            </a:p>
+          </p:txBody>
+        </p:sp>
+        <p:sp>
+          <p:nvSpPr>
+            <p:cNvPr id="84" name="Oval 83">
+              <a:extLst>
+                <a:ext uri="{FF2B5EF4-FFF2-40B4-BE49-F238E27FC236}">
+                  <a16:creationId xmlns:a16="http://schemas.microsoft.com/office/drawing/2014/main" id="{D62F2AEB-4B06-D61A-9C90-3CADF7EC5F6A}"/>
+                </a:ext>
+              </a:extLst>
+            </p:cNvPr>
+            <p:cNvSpPr/>
+            <p:nvPr/>
+          </p:nvSpPr>
+          <p:spPr>
+            <a:xfrm>
+              <a:off x="6642803" y="3173509"/>
+              <a:ext cx="82011" cy="82011"/>
+            </a:xfrm>
+            <a:prstGeom prst="ellipse">
+              <a:avLst/>
+            </a:prstGeom>
+            <a:solidFill>
+              <a:srgbClr val="7030A0"/>
+            </a:solidFill>
+          </p:spPr>
+          <p:style>
+            <a:lnRef idx="2">
+              <a:schemeClr val="accent2">
+                <a:shade val="15000"/>
+              </a:schemeClr>
+            </a:lnRef>
+            <a:fillRef idx="1">
+              <a:schemeClr val="accent2"/>
+            </a:fillRef>
+            <a:effectRef idx="0">
+              <a:schemeClr val="accent2"/>
+            </a:effectRef>
+            <a:fontRef idx="minor">
+              <a:schemeClr val="lt1"/>
+            </a:fontRef>
+          </p:style>
+          <p:txBody>
+            <a:bodyPr rtlCol="0" anchor="ctr"/>
+            <a:lstStyle/>
+            <a:p>
+              <a:pPr algn="ctr"/>
+              <a:endParaRPr lang="en-US"/>
+            </a:p>
+          </p:txBody>
+        </p:sp>
+        <p:sp>
+          <p:nvSpPr>
+            <p:cNvPr id="85" name="Oval 84">
+              <a:extLst>
+                <a:ext uri="{FF2B5EF4-FFF2-40B4-BE49-F238E27FC236}">
+                  <a16:creationId xmlns:a16="http://schemas.microsoft.com/office/drawing/2014/main" id="{DD590DEF-F734-C2CF-3D10-8AC20536B4B3}"/>
+                </a:ext>
+              </a:extLst>
+            </p:cNvPr>
+            <p:cNvSpPr/>
+            <p:nvPr/>
+          </p:nvSpPr>
+          <p:spPr>
+            <a:xfrm>
+              <a:off x="6795203" y="3325909"/>
+              <a:ext cx="82011" cy="82011"/>
+            </a:xfrm>
+            <a:prstGeom prst="ellipse">
+              <a:avLst/>
+            </a:prstGeom>
+            <a:solidFill>
+              <a:srgbClr val="7030A0"/>
+            </a:solidFill>
+          </p:spPr>
+          <p:style>
+            <a:lnRef idx="2">
+              <a:schemeClr val="accent2">
+                <a:shade val="15000"/>
+              </a:schemeClr>
+            </a:lnRef>
+            <a:fillRef idx="1">
+              <a:schemeClr val="accent2"/>
+            </a:fillRef>
+            <a:effectRef idx="0">
+              <a:schemeClr val="accent2"/>
+            </a:effectRef>
+            <a:fontRef idx="minor">
+              <a:schemeClr val="lt1"/>
+            </a:fontRef>
+          </p:style>
+          <p:txBody>
+            <a:bodyPr rtlCol="0" anchor="ctr"/>
+            <a:lstStyle/>
+            <a:p>
+              <a:pPr algn="ctr"/>
+              <a:endParaRPr lang="en-US"/>
+            </a:p>
+          </p:txBody>
+        </p:sp>
+      </p:grpSp>
+    </p:spTree>
+    <p:extLst>
+      <p:ext uri="{BB962C8B-B14F-4D97-AF65-F5344CB8AC3E}">
+        <p14:creationId xmlns:p14="http://schemas.microsoft.com/office/powerpoint/2010/main" val="3018139679"/>
       </p:ext>
     </p:extLst>
   </p:cSld>
